--- a/Agenda Materials/onedm-agenda-2022-02-07.pptx
+++ b/Agenda Materials/onedm-agenda-2022-02-07.pptx
@@ -6,52 +6,54 @@
     <p:sldMasterId id="2147483672" r:id="rId2"/>
   </p:sldMasterIdLst>
   <p:notesMasterIdLst>
-    <p:notesMasterId r:id="rId46"/>
+    <p:notesMasterId r:id="rId48"/>
   </p:notesMasterIdLst>
   <p:sldIdLst>
     <p:sldId id="256" r:id="rId3"/>
     <p:sldId id="354" r:id="rId4"/>
-    <p:sldId id="463" r:id="rId5"/>
-    <p:sldId id="466" r:id="rId6"/>
-    <p:sldId id="465" r:id="rId7"/>
-    <p:sldId id="288" r:id="rId8"/>
-    <p:sldId id="464" r:id="rId9"/>
-    <p:sldId id="459" r:id="rId10"/>
-    <p:sldId id="460" r:id="rId11"/>
-    <p:sldId id="461" r:id="rId12"/>
-    <p:sldId id="462" r:id="rId13"/>
-    <p:sldId id="435" r:id="rId14"/>
-    <p:sldId id="447" r:id="rId15"/>
-    <p:sldId id="445" r:id="rId16"/>
-    <p:sldId id="457" r:id="rId17"/>
-    <p:sldId id="458" r:id="rId18"/>
-    <p:sldId id="455" r:id="rId19"/>
-    <p:sldId id="450" r:id="rId20"/>
-    <p:sldId id="451" r:id="rId21"/>
-    <p:sldId id="452" r:id="rId22"/>
-    <p:sldId id="453" r:id="rId23"/>
-    <p:sldId id="454" r:id="rId24"/>
-    <p:sldId id="456" r:id="rId25"/>
-    <p:sldId id="428" r:id="rId26"/>
-    <p:sldId id="434" r:id="rId27"/>
-    <p:sldId id="449" r:id="rId28"/>
-    <p:sldId id="446" r:id="rId29"/>
-    <p:sldId id="443" r:id="rId30"/>
-    <p:sldId id="444" r:id="rId31"/>
-    <p:sldId id="442" r:id="rId32"/>
-    <p:sldId id="437" r:id="rId33"/>
-    <p:sldId id="439" r:id="rId34"/>
-    <p:sldId id="438" r:id="rId35"/>
-    <p:sldId id="440" r:id="rId36"/>
-    <p:sldId id="436" r:id="rId37"/>
-    <p:sldId id="433" r:id="rId38"/>
-    <p:sldId id="432" r:id="rId39"/>
-    <p:sldId id="319" r:id="rId40"/>
-    <p:sldId id="431" r:id="rId41"/>
-    <p:sldId id="422" r:id="rId42"/>
-    <p:sldId id="424" r:id="rId43"/>
-    <p:sldId id="425" r:id="rId44"/>
-    <p:sldId id="357" r:id="rId45"/>
+    <p:sldId id="467" r:id="rId5"/>
+    <p:sldId id="468" r:id="rId6"/>
+    <p:sldId id="463" r:id="rId7"/>
+    <p:sldId id="466" r:id="rId8"/>
+    <p:sldId id="465" r:id="rId9"/>
+    <p:sldId id="288" r:id="rId10"/>
+    <p:sldId id="464" r:id="rId11"/>
+    <p:sldId id="459" r:id="rId12"/>
+    <p:sldId id="460" r:id="rId13"/>
+    <p:sldId id="461" r:id="rId14"/>
+    <p:sldId id="462" r:id="rId15"/>
+    <p:sldId id="435" r:id="rId16"/>
+    <p:sldId id="447" r:id="rId17"/>
+    <p:sldId id="445" r:id="rId18"/>
+    <p:sldId id="457" r:id="rId19"/>
+    <p:sldId id="458" r:id="rId20"/>
+    <p:sldId id="455" r:id="rId21"/>
+    <p:sldId id="450" r:id="rId22"/>
+    <p:sldId id="451" r:id="rId23"/>
+    <p:sldId id="452" r:id="rId24"/>
+    <p:sldId id="453" r:id="rId25"/>
+    <p:sldId id="454" r:id="rId26"/>
+    <p:sldId id="456" r:id="rId27"/>
+    <p:sldId id="428" r:id="rId28"/>
+    <p:sldId id="434" r:id="rId29"/>
+    <p:sldId id="449" r:id="rId30"/>
+    <p:sldId id="446" r:id="rId31"/>
+    <p:sldId id="443" r:id="rId32"/>
+    <p:sldId id="444" r:id="rId33"/>
+    <p:sldId id="442" r:id="rId34"/>
+    <p:sldId id="437" r:id="rId35"/>
+    <p:sldId id="439" r:id="rId36"/>
+    <p:sldId id="438" r:id="rId37"/>
+    <p:sldId id="440" r:id="rId38"/>
+    <p:sldId id="436" r:id="rId39"/>
+    <p:sldId id="433" r:id="rId40"/>
+    <p:sldId id="432" r:id="rId41"/>
+    <p:sldId id="319" r:id="rId42"/>
+    <p:sldId id="431" r:id="rId43"/>
+    <p:sldId id="422" r:id="rId44"/>
+    <p:sldId id="424" r:id="rId45"/>
+    <p:sldId id="425" r:id="rId46"/>
+    <p:sldId id="357" r:id="rId47"/>
   </p:sldIdLst>
   <p:sldSz cx="9144000" cy="6858000" type="letter"/>
   <p:notesSz cx="6858000" cy="9144000"/>
@@ -7407,13 +7409,7 @@
       </p:grpSpPr>
       <p:sp>
         <p:nvSpPr>
-          <p:cNvPr id="2" name="Title 1">
-            <a:extLst>
-              <a:ext uri="{FF2B5EF4-FFF2-40B4-BE49-F238E27FC236}">
-                <a16:creationId xmlns:a16="http://schemas.microsoft.com/office/drawing/2014/main" id="{35CEFE4F-85B6-1B4B-9207-68BC1CE0DE51}"/>
-              </a:ext>
-            </a:extLst>
-          </p:cNvPr>
+          <p:cNvPr id="2" name="Title 1"/>
           <p:cNvSpPr>
             <a:spLocks noGrp="1"/>
           </p:cNvSpPr>
@@ -7423,7 +7419,7 @@
         </p:nvSpPr>
         <p:spPr>
           <a:xfrm>
-            <a:off x="1232640" y="196962"/>
+            <a:off x="1358765" y="239003"/>
             <a:ext cx="7293219" cy="1006474"/>
           </a:xfrm>
         </p:spPr>
@@ -7433,20 +7429,14 @@
           <a:p>
             <a:r>
               <a:rPr lang="en-US" dirty="0"/>
-              <a:t>Alignment</a:t>
-            </a:r>
-          </a:p>
-        </p:txBody>
-      </p:sp>
-      <p:sp>
-        <p:nvSpPr>
-          <p:cNvPr id="3" name="Content Placeholder 2">
-            <a:extLst>
-              <a:ext uri="{FF2B5EF4-FFF2-40B4-BE49-F238E27FC236}">
-                <a16:creationId xmlns:a16="http://schemas.microsoft.com/office/drawing/2014/main" id="{8C2133EE-CC64-2C4C-837D-2A79F64721AD}"/>
-              </a:ext>
-            </a:extLst>
-          </p:cNvPr>
+              <a:t>Venue changes</a:t>
+            </a:r>
+          </a:p>
+        </p:txBody>
+      </p:sp>
+      <p:sp>
+        <p:nvSpPr>
+          <p:cNvPr id="3" name="Content Placeholder 2"/>
           <p:cNvSpPr>
             <a:spLocks noGrp="1"/>
           </p:cNvSpPr>
@@ -7456,82 +7446,97 @@
         </p:nvSpPr>
         <p:spPr>
           <a:xfrm>
-            <a:off x="786305" y="1297119"/>
-            <a:ext cx="7886700" cy="4585555"/>
+            <a:off x="903470" y="1464302"/>
+            <a:ext cx="7105413" cy="4531488"/>
           </a:xfrm>
         </p:spPr>
         <p:txBody>
-          <a:bodyPr/>
-          <a:lstStyle/>
-          <a:p>
-            <a:r>
-              <a:rPr lang="en-US" sz="2000" dirty="0"/>
-              <a:t>Separate folder/repo for pre-alignment </a:t>
-            </a:r>
-          </a:p>
-          <a:p>
-            <a:r>
-              <a:rPr lang="en-US" sz="2000" dirty="0"/>
-              <a:t>No name conflicts due to prefix – same as separate repo</a:t>
-            </a:r>
-          </a:p>
-          <a:p>
-            <a:r>
-              <a:rPr lang="en-US" sz="2000" dirty="0"/>
-              <a:t>What are common improvements that can be carried forward for alignment?</a:t>
-            </a:r>
-          </a:p>
-          <a:p>
-            <a:r>
-              <a:rPr lang="en-US" sz="2000" dirty="0"/>
-              <a:t>Quick win in what we can currently translate in our own repos and how to use them – how to translate identifiers to </a:t>
-            </a:r>
-            <a:r>
-              <a:rPr lang="en-US" sz="2000" dirty="0" err="1"/>
-              <a:t>rt</a:t>
-            </a:r>
-            <a:r>
-              <a:rPr lang="en-US" sz="2000" dirty="0"/>
-              <a:t>, how to combine OCF interfaces, etc.</a:t>
+          <a:bodyPr>
+            <a:normAutofit fontScale="85000" lnSpcReduction="20000"/>
+          </a:bodyPr>
+          <a:lstStyle/>
+          <a:p>
+            <a:r>
+              <a:rPr lang="en-GB" sz="3300" dirty="0"/>
+              <a:t>Teleconferences</a:t>
             </a:r>
           </a:p>
           <a:p>
             <a:pPr lvl="1"/>
             <a:r>
-              <a:rPr lang="en-US" sz="1600" dirty="0"/>
-              <a:t>What if each OCF interface is a combine-able object that can be used in runtime systems?</a:t>
-            </a:r>
-          </a:p>
-          <a:p>
-            <a:r>
-              <a:rPr lang="en-US" sz="2000" dirty="0"/>
-              <a:t>Can use prefixes in addition to separate governance as a quick win?</a:t>
-            </a:r>
-          </a:p>
-          <a:p>
-            <a:r>
-              <a:rPr lang="en-US" sz="2000" dirty="0"/>
-              <a:t>Can use URN naming to identify which model ecosystem the models come from</a:t>
-            </a:r>
-          </a:p>
-          <a:p>
-            <a:r>
-              <a:rPr lang="en-US" sz="2000" dirty="0"/>
-              <a:t>Building a bigger ecosystem of models</a:t>
-            </a:r>
-          </a:p>
-          <a:p>
-            <a:r>
-              <a:rPr lang="en-US" dirty="0"/>
-              <a:t>Can do the unifying thing as a separate thread</a:t>
-            </a:r>
+              <a:rPr lang="en-GB" sz="2900" dirty="0"/>
+              <a:t>TBA new teleconference venue</a:t>
+            </a:r>
+          </a:p>
+          <a:p>
+            <a:pPr lvl="1"/>
+            <a:r>
+              <a:rPr lang="en-GB" sz="2900" dirty="0"/>
+              <a:t>Same schedule</a:t>
+            </a:r>
+          </a:p>
+          <a:p>
+            <a:r>
+              <a:rPr lang="en-GB" sz="3300" dirty="0"/>
+              <a:t>Mailing list</a:t>
+            </a:r>
+          </a:p>
+          <a:p>
+            <a:pPr lvl="1"/>
+            <a:r>
+              <a:rPr lang="en-GB" sz="2900" dirty="0"/>
+              <a:t>Planning to move to </a:t>
+            </a:r>
+            <a:r>
+              <a:rPr lang="en-GB" sz="2900" dirty="0" err="1"/>
+              <a:t>groups.io</a:t>
+            </a:r>
+            <a:endParaRPr lang="en-GB" sz="2900" dirty="0"/>
+          </a:p>
+          <a:p>
+            <a:r>
+              <a:rPr lang="en-GB" sz="3300" dirty="0" err="1"/>
+              <a:t>Github</a:t>
+            </a:r>
+            <a:r>
+              <a:rPr lang="en-GB" sz="3300" dirty="0"/>
+              <a:t> for everything else</a:t>
+            </a:r>
+          </a:p>
+          <a:p>
+            <a:pPr lvl="1"/>
+            <a:r>
+              <a:rPr lang="en-GB" dirty="0"/>
+              <a:t>Calendar</a:t>
+            </a:r>
+          </a:p>
+          <a:p>
+            <a:pPr lvl="1"/>
+            <a:r>
+              <a:rPr lang="en-GB" dirty="0"/>
+              <a:t>Work planning</a:t>
+            </a:r>
+          </a:p>
+          <a:p>
+            <a:pPr lvl="1"/>
+            <a:r>
+              <a:rPr lang="en-GB" dirty="0" err="1"/>
+              <a:t>OneDM</a:t>
+            </a:r>
+            <a:r>
+              <a:rPr lang="en-GB" dirty="0"/>
+              <a:t> Causeway data</a:t>
+            </a:r>
+          </a:p>
+          <a:p>
+            <a:endParaRPr lang="en-GB" dirty="0"/>
           </a:p>
         </p:txBody>
       </p:sp>
     </p:spTree>
     <p:extLst>
       <p:ext uri="{BB962C8B-B14F-4D97-AF65-F5344CB8AC3E}">
-        <p14:creationId xmlns:p14="http://schemas.microsoft.com/office/powerpoint/2010/main" val="2219569794"/>
+        <p14:creationId xmlns:p14="http://schemas.microsoft.com/office/powerpoint/2010/main" val="620468006"/>
       </p:ext>
     </p:extLst>
   </p:cSld>
@@ -7563,7 +7568,7 @@
           <p:cNvPr id="2" name="Title 1">
             <a:extLst>
               <a:ext uri="{FF2B5EF4-FFF2-40B4-BE49-F238E27FC236}">
-                <a16:creationId xmlns:a16="http://schemas.microsoft.com/office/drawing/2014/main" id="{3B2DF962-8B2D-D148-935E-BCAF73D1C61E}"/>
+                <a16:creationId xmlns:a16="http://schemas.microsoft.com/office/drawing/2014/main" id="{4C9DC960-A066-7D4E-B9EB-5BEA29E357AA}"/>
               </a:ext>
             </a:extLst>
           </p:cNvPr>
@@ -7574,16 +7579,19 @@
             <p:ph type="title"/>
           </p:nvPr>
         </p:nvSpPr>
-        <p:spPr/>
-        <p:txBody>
-          <a:bodyPr>
-            <a:normAutofit fontScale="90000"/>
-          </a:bodyPr>
-          <a:lstStyle/>
-          <a:p>
-            <a:r>
-              <a:rPr lang="en-US" dirty="0"/>
-              <a:t>Toolchain issue for creating new repos</a:t>
+        <p:spPr>
+          <a:xfrm>
+            <a:off x="1222130" y="81348"/>
+            <a:ext cx="7293219" cy="1006474"/>
+          </a:xfrm>
+        </p:spPr>
+        <p:txBody>
+          <a:bodyPr/>
+          <a:lstStyle/>
+          <a:p>
+            <a:r>
+              <a:rPr lang="en-US" dirty="0"/>
+              <a:t>Alignment</a:t>
             </a:r>
           </a:p>
         </p:txBody>
@@ -7593,7 +7601,7 @@
           <p:cNvPr id="3" name="Content Placeholder 2">
             <a:extLst>
               <a:ext uri="{FF2B5EF4-FFF2-40B4-BE49-F238E27FC236}">
-                <a16:creationId xmlns:a16="http://schemas.microsoft.com/office/drawing/2014/main" id="{5F140B5C-6322-FB48-AA0B-98774146B3C9}"/>
+                <a16:creationId xmlns:a16="http://schemas.microsoft.com/office/drawing/2014/main" id="{609F948F-4982-2D49-A540-563825BBFD5B}"/>
               </a:ext>
             </a:extLst>
           </p:cNvPr>
@@ -7604,98 +7612,105 @@
             <p:ph idx="1"/>
           </p:nvPr>
         </p:nvSpPr>
-        <p:spPr/>
-        <p:txBody>
-          <a:bodyPr/>
-          <a:lstStyle/>
-          <a:p>
-            <a:r>
-              <a:rPr lang="en-US" dirty="0"/>
-              <a:t>Can be as simple as creating more repos in </a:t>
-            </a:r>
-            <a:r>
-              <a:rPr lang="en-US" dirty="0" err="1"/>
+        <p:spPr>
+          <a:xfrm>
+            <a:off x="1000931" y="1087822"/>
+            <a:ext cx="7356763" cy="5323489"/>
+          </a:xfrm>
+        </p:spPr>
+        <p:txBody>
+          <a:bodyPr/>
+          <a:lstStyle/>
+          <a:p>
+            <a:r>
+              <a:rPr lang="en-US" sz="2000" dirty="0"/>
+              <a:t>First pass – names, SDF usage</a:t>
+            </a:r>
+          </a:p>
+          <a:p>
+            <a:r>
+              <a:rPr lang="en-US" sz="2000" dirty="0"/>
+              <a:t>Who needs to change what and why</a:t>
+            </a:r>
+          </a:p>
+          <a:p>
+            <a:r>
+              <a:rPr lang="en-US" sz="2000" dirty="0"/>
+              <a:t>2 levels of bridge</a:t>
+            </a:r>
+          </a:p>
+          <a:p>
+            <a:pPr lvl="1"/>
+            <a:r>
+              <a:rPr lang="en-US" sz="1800" dirty="0"/>
+              <a:t>Same meta-model – SDF + structural isomorphism</a:t>
+            </a:r>
+          </a:p>
+          <a:p>
+            <a:pPr lvl="1"/>
+            <a:r>
+              <a:rPr lang="en-US" sz="1800" dirty="0"/>
+              <a:t>Same information model – </a:t>
+            </a:r>
+            <a:r>
+              <a:rPr lang="en-US" sz="1800" dirty="0" err="1"/>
               <a:t>OneDM</a:t>
             </a:r>
-            <a:endParaRPr lang="en-US" dirty="0"/>
-          </a:p>
-          <a:p>
-            <a:r>
-              <a:rPr lang="en-US" dirty="0"/>
-              <a:t>Tooling needs to work across repos</a:t>
-            </a:r>
-          </a:p>
-          <a:p>
-            <a:r>
-              <a:rPr lang="en-US" dirty="0" err="1">
-                <a:solidFill>
-                  <a:srgbClr val="FF0000"/>
-                </a:solidFill>
-              </a:rPr>
-              <a:t>Github</a:t>
-            </a:r>
-            <a:r>
-              <a:rPr lang="en-US" dirty="0">
-                <a:solidFill>
-                  <a:srgbClr val="FF0000"/>
-                </a:solidFill>
-              </a:rPr>
-              <a:t> actions integration</a:t>
-            </a:r>
-          </a:p>
-          <a:p>
-            <a:r>
-              <a:rPr lang="en-US" dirty="0"/>
-              <a:t>Recipe for the existing tools</a:t>
-            </a:r>
-          </a:p>
-          <a:p>
-            <a:r>
-              <a:rPr lang="en-US" dirty="0"/>
-              <a:t>Clone a repo with a template</a:t>
-            </a:r>
-          </a:p>
-          <a:p>
-            <a:pPr marL="0" indent="0">
-              <a:buNone/>
-            </a:pPr>
-            <a:endParaRPr lang="en-US" sz="3200" dirty="0"/>
-          </a:p>
-          <a:p>
-            <a:pPr marL="0" indent="0">
-              <a:buNone/>
-            </a:pPr>
-            <a:r>
-              <a:rPr lang="en-US" sz="3200" dirty="0"/>
-              <a:t>Going forward on multiple repos</a:t>
-            </a:r>
-          </a:p>
-          <a:p>
-            <a:r>
-              <a:rPr lang="en-US" dirty="0"/>
-              <a:t>Sketch out solution and sort out on mailing list</a:t>
-            </a:r>
-          </a:p>
-          <a:p>
-            <a:r>
-              <a:rPr lang="en-US" dirty="0"/>
-              <a:t>New mailing list – </a:t>
-            </a:r>
-            <a:r>
-              <a:rPr lang="en-US" dirty="0" err="1"/>
-              <a:t>gittr</a:t>
-            </a:r>
-            <a:r>
-              <a:rPr lang="en-US" dirty="0"/>
-              <a:t>?</a:t>
-            </a:r>
+            <a:r>
+              <a:rPr lang="en-US" sz="1800" dirty="0"/>
+              <a:t> Adopted per function</a:t>
+            </a:r>
+          </a:p>
+          <a:p>
+            <a:r>
+              <a:rPr lang="en-US" sz="2000" dirty="0"/>
+              <a:t>Translation across ecosystems using 1:1 translators without SDF is required if there are no SDF models</a:t>
+            </a:r>
+          </a:p>
+          <a:p>
+            <a:r>
+              <a:rPr lang="en-US" sz="2000" dirty="0"/>
+              <a:t>Benefit is in adopting SDF models from other ecosystems</a:t>
+            </a:r>
+          </a:p>
+          <a:p>
+            <a:r>
+              <a:rPr lang="en-US" sz="2000" dirty="0"/>
+              <a:t>Benefit in having models published under ecosystem "banner" to facilitate cross-enrichment </a:t>
+            </a:r>
+          </a:p>
+          <a:p>
+            <a:r>
+              <a:rPr lang="en-US" sz="2000" dirty="0"/>
+              <a:t>Minimal alignment opportunities?</a:t>
+            </a:r>
+          </a:p>
+          <a:p>
+            <a:r>
+              <a:rPr lang="en-US" sz="2000" dirty="0"/>
+              <a:t>OCF has collections – how do we model this in SDF? SDF Thing</a:t>
+            </a:r>
+          </a:p>
+          <a:p>
+            <a:r>
+              <a:rPr lang="en-US" sz="2000" dirty="0"/>
+              <a:t>IPSO models compose differently – Object links with SDF Thing</a:t>
+            </a:r>
+            <a:endParaRPr lang="en-US" sz="2400" dirty="0"/>
+          </a:p>
+          <a:p>
+            <a:r>
+              <a:rPr lang="en-US" sz="2000" dirty="0"/>
+              <a:t>Atomic collections need one read for multiple objects + required composite read in OMA LWM2M</a:t>
+            </a:r>
+            <a:endParaRPr lang="en-US" sz="1800" dirty="0"/>
           </a:p>
         </p:txBody>
       </p:sp>
     </p:spTree>
     <p:extLst>
       <p:ext uri="{BB962C8B-B14F-4D97-AF65-F5344CB8AC3E}">
-        <p14:creationId xmlns:p14="http://schemas.microsoft.com/office/powerpoint/2010/main" val="2295929346"/>
+        <p14:creationId xmlns:p14="http://schemas.microsoft.com/office/powerpoint/2010/main" val="3873910079"/>
       </p:ext>
     </p:extLst>
   </p:cSld>
@@ -7727,7 +7742,7 @@
           <p:cNvPr id="2" name="Title 1">
             <a:extLst>
               <a:ext uri="{FF2B5EF4-FFF2-40B4-BE49-F238E27FC236}">
-                <a16:creationId xmlns:a16="http://schemas.microsoft.com/office/drawing/2014/main" id="{9B917999-96DA-F84B-9561-8A1A26AD5B0C}"/>
+                <a16:creationId xmlns:a16="http://schemas.microsoft.com/office/drawing/2014/main" id="{35CEFE4F-85B6-1B4B-9207-68BC1CE0DE51}"/>
               </a:ext>
             </a:extLst>
           </p:cNvPr>
@@ -7740,7 +7755,7 @@
         </p:nvSpPr>
         <p:spPr>
           <a:xfrm>
-            <a:off x="1222130" y="207472"/>
+            <a:off x="1232640" y="196962"/>
             <a:ext cx="7293219" cy="1006474"/>
           </a:xfrm>
         </p:spPr>
@@ -7750,17 +7765,17 @@
           <a:p>
             <a:r>
               <a:rPr lang="en-US" dirty="0"/>
-              <a:t>Review Board</a:t>
-            </a:r>
-          </a:p>
-        </p:txBody>
-      </p:sp>
-      <p:sp>
-        <p:nvSpPr>
-          <p:cNvPr id="4" name="Content Placeholder 2">
+              <a:t>Alignment</a:t>
+            </a:r>
+          </a:p>
+        </p:txBody>
+      </p:sp>
+      <p:sp>
+        <p:nvSpPr>
+          <p:cNvPr id="3" name="Content Placeholder 2">
             <a:extLst>
               <a:ext uri="{FF2B5EF4-FFF2-40B4-BE49-F238E27FC236}">
-                <a16:creationId xmlns:a16="http://schemas.microsoft.com/office/drawing/2014/main" id="{04073D96-BA84-A14F-ABB9-52C83536CDE7}"/>
+                <a16:creationId xmlns:a16="http://schemas.microsoft.com/office/drawing/2014/main" id="{8C2133EE-CC64-2C4C-837D-2A79F64721AD}"/>
               </a:ext>
             </a:extLst>
           </p:cNvPr>
@@ -7773,7 +7788,7 @@
         </p:nvSpPr>
         <p:spPr>
           <a:xfrm>
-            <a:off x="523546" y="1349670"/>
+            <a:off x="786305" y="1297119"/>
             <a:ext cx="7886700" cy="4585555"/>
           </a:xfrm>
         </p:spPr>
@@ -7782,86 +7797,73 @@
           <a:lstStyle/>
           <a:p>
             <a:r>
-              <a:rPr lang="en-US" sz="2400" dirty="0"/>
-              <a:t>Review the discussion from the week of 9/13</a:t>
+              <a:rPr lang="en-US" sz="2000" dirty="0"/>
+              <a:t>Separate folder/repo for pre-alignment </a:t>
+            </a:r>
+          </a:p>
+          <a:p>
+            <a:r>
+              <a:rPr lang="en-US" sz="2000" dirty="0"/>
+              <a:t>No name conflicts due to prefix – same as separate repo</a:t>
+            </a:r>
+          </a:p>
+          <a:p>
+            <a:r>
+              <a:rPr lang="en-US" sz="2000" dirty="0"/>
+              <a:t>What are common improvements that can be carried forward for alignment?</a:t>
+            </a:r>
+          </a:p>
+          <a:p>
+            <a:r>
+              <a:rPr lang="en-US" sz="2000" dirty="0"/>
+              <a:t>Quick win in what we can currently translate in our own repos and how to use them – how to translate identifiers to </a:t>
+            </a:r>
+            <a:r>
+              <a:rPr lang="en-US" sz="2000" dirty="0" err="1"/>
+              <a:t>rt</a:t>
+            </a:r>
+            <a:r>
+              <a:rPr lang="en-US" sz="2000" dirty="0"/>
+              <a:t>, how to combine OCF interfaces, etc.</a:t>
             </a:r>
           </a:p>
           <a:p>
             <a:pPr lvl="1"/>
             <a:r>
+              <a:rPr lang="en-US" sz="1600" dirty="0"/>
+              <a:t>What if each OCF interface is a combine-able object that can be used in runtime systems?</a:t>
+            </a:r>
+          </a:p>
+          <a:p>
+            <a:r>
               <a:rPr lang="en-US" sz="2000" dirty="0"/>
-              <a:t>We would rather focus on function and architecture and leave naming to later in the process</a:t>
-            </a:r>
-          </a:p>
-          <a:p>
-            <a:pPr lvl="1"/>
+              <a:t>Can use prefixes in addition to separate governance as a quick win?</a:t>
+            </a:r>
+          </a:p>
+          <a:p>
             <a:r>
               <a:rPr lang="en-US" sz="2000" dirty="0"/>
-              <a:t>We should prioritize developing our way of working in the first models</a:t>
-            </a:r>
-          </a:p>
-          <a:p>
-            <a:pPr lvl="1"/>
+              <a:t>Can use URN naming to identify which model ecosystem the models come from</a:t>
+            </a:r>
+          </a:p>
+          <a:p>
             <a:r>
               <a:rPr lang="en-US" sz="2000" dirty="0"/>
-              <a:t>On/off switch is not so simple due to the high degree of generality and reuse; this may be the case with many common affordance types</a:t>
-            </a:r>
-          </a:p>
-          <a:p>
-            <a:pPr lvl="1"/>
-            <a:r>
-              <a:rPr lang="en-US" sz="2000" dirty="0"/>
-              <a:t>Look at a few more examples and continue to review the sensor patterns – start a discussion in wiki(</a:t>
-            </a:r>
-            <a:r>
-              <a:rPr lang="en-US" sz="2000" dirty="0" err="1"/>
-              <a:t>HackMD</a:t>
-            </a:r>
-            <a:r>
-              <a:rPr lang="en-US" sz="2000" dirty="0"/>
-              <a:t>) =&gt; issues =&gt; PR to track the discussion</a:t>
-            </a:r>
-          </a:p>
-          <a:p>
-            <a:pPr lvl="2"/>
-            <a:r>
-              <a:rPr lang="en-US" dirty="0"/>
-              <a:t>Units</a:t>
-            </a:r>
-          </a:p>
-          <a:p>
-            <a:pPr lvl="2"/>
-            <a:r>
-              <a:rPr lang="en-US" dirty="0"/>
-              <a:t>Review isomorphism in existing models, what are the common elements and what is a common set of design patterns (inheritance, </a:t>
-            </a:r>
-            <a:r>
-              <a:rPr lang="en-US" dirty="0" err="1"/>
-              <a:t>mixins</a:t>
-            </a:r>
-            <a:r>
-              <a:rPr lang="en-US" dirty="0"/>
-              <a:t>, modularity) – common factors, leverage someone's IPSO background - </a:t>
-            </a:r>
-            <a:r>
-              <a:rPr lang="en-US" dirty="0" err="1"/>
-              <a:t>sdfRef</a:t>
-            </a:r>
-            <a:r>
-              <a:rPr lang="en-US" dirty="0"/>
-              <a:t> with multiple sources </a:t>
-            </a:r>
-          </a:p>
-          <a:p>
-            <a:pPr lvl="1"/>
-            <a:endParaRPr lang="en-US" dirty="0"/>
+              <a:t>Building a bigger ecosystem of models</a:t>
+            </a:r>
+          </a:p>
+          <a:p>
+            <a:r>
+              <a:rPr lang="en-US" dirty="0"/>
+              <a:t>Can do the unifying thing as a separate thread</a:t>
+            </a:r>
           </a:p>
         </p:txBody>
       </p:sp>
     </p:spTree>
     <p:extLst>
       <p:ext uri="{BB962C8B-B14F-4D97-AF65-F5344CB8AC3E}">
-        <p14:creationId xmlns:p14="http://schemas.microsoft.com/office/powerpoint/2010/main" val="2829713561"/>
+        <p14:creationId xmlns:p14="http://schemas.microsoft.com/office/powerpoint/2010/main" val="2219569794"/>
       </p:ext>
     </p:extLst>
   </p:cSld>
@@ -7893,7 +7895,7 @@
           <p:cNvPr id="2" name="Title 1">
             <a:extLst>
               <a:ext uri="{FF2B5EF4-FFF2-40B4-BE49-F238E27FC236}">
-                <a16:creationId xmlns:a16="http://schemas.microsoft.com/office/drawing/2014/main" id="{DCCC5236-9FFF-4F47-B15D-E3E570FBE773}"/>
+                <a16:creationId xmlns:a16="http://schemas.microsoft.com/office/drawing/2014/main" id="{3B2DF962-8B2D-D148-935E-BCAF73D1C61E}"/>
               </a:ext>
             </a:extLst>
           </p:cNvPr>
@@ -7906,12 +7908,14 @@
         </p:nvSpPr>
         <p:spPr/>
         <p:txBody>
-          <a:bodyPr/>
-          <a:lstStyle/>
-          <a:p>
-            <a:r>
-              <a:rPr lang="en-US" dirty="0"/>
-              <a:t>Next Steps</a:t>
+          <a:bodyPr>
+            <a:normAutofit fontScale="90000"/>
+          </a:bodyPr>
+          <a:lstStyle/>
+          <a:p>
+            <a:r>
+              <a:rPr lang="en-US" dirty="0"/>
+              <a:t>Toolchain issue for creating new repos</a:t>
             </a:r>
           </a:p>
         </p:txBody>
@@ -7921,7 +7925,7 @@
           <p:cNvPr id="3" name="Content Placeholder 2">
             <a:extLst>
               <a:ext uri="{FF2B5EF4-FFF2-40B4-BE49-F238E27FC236}">
-                <a16:creationId xmlns:a16="http://schemas.microsoft.com/office/drawing/2014/main" id="{A3952D26-8317-1544-AE6E-0DA8F63C722D}"/>
+                <a16:creationId xmlns:a16="http://schemas.microsoft.com/office/drawing/2014/main" id="{5F140B5C-6322-FB48-AA0B-98774146B3C9}"/>
               </a:ext>
             </a:extLst>
           </p:cNvPr>
@@ -7939,45 +7943,91 @@
           <a:p>
             <a:r>
               <a:rPr lang="en-US" dirty="0"/>
-              <a:t>Models have been reviewed – need to process the review comments and proceed with the discussion</a:t>
-            </a:r>
-          </a:p>
-          <a:p>
-            <a:pPr lvl="1"/>
-            <a:r>
-              <a:rPr lang="en-US" dirty="0"/>
-              <a:t>Can these models be provisionally accepted with the expectation that they can be refactored as we gain more experience? </a:t>
-            </a:r>
-          </a:p>
-          <a:p>
-            <a:pPr lvl="1"/>
-            <a:r>
-              <a:rPr lang="en-US" dirty="0"/>
-              <a:t>More guidelines may be needed, what about looking at a broader set of models to see if this is the case?</a:t>
-            </a:r>
-          </a:p>
-          <a:p>
-            <a:pPr lvl="1"/>
-            <a:r>
-              <a:rPr lang="en-US" dirty="0"/>
-              <a:t>Monday review board to further progress the models we have </a:t>
-            </a:r>
-          </a:p>
-          <a:p>
-            <a:r>
-              <a:rPr lang="en-US" dirty="0"/>
-              <a:t>Ari has made a PR to the new repo </a:t>
-            </a:r>
-          </a:p>
-          <a:p>
+              <a:t>Can be as simple as creating more repos in </a:t>
+            </a:r>
+            <a:r>
+              <a:rPr lang="en-US" dirty="0" err="1"/>
+              <a:t>OneDM</a:t>
+            </a:r>
             <a:endParaRPr lang="en-US" dirty="0"/>
+          </a:p>
+          <a:p>
+            <a:r>
+              <a:rPr lang="en-US" dirty="0"/>
+              <a:t>Tooling needs to work across repos</a:t>
+            </a:r>
+          </a:p>
+          <a:p>
+            <a:r>
+              <a:rPr lang="en-US" dirty="0" err="1">
+                <a:solidFill>
+                  <a:srgbClr val="FF0000"/>
+                </a:solidFill>
+              </a:rPr>
+              <a:t>Github</a:t>
+            </a:r>
+            <a:r>
+              <a:rPr lang="en-US" dirty="0">
+                <a:solidFill>
+                  <a:srgbClr val="FF0000"/>
+                </a:solidFill>
+              </a:rPr>
+              <a:t> actions integration</a:t>
+            </a:r>
+          </a:p>
+          <a:p>
+            <a:r>
+              <a:rPr lang="en-US" dirty="0"/>
+              <a:t>Recipe for the existing tools</a:t>
+            </a:r>
+          </a:p>
+          <a:p>
+            <a:r>
+              <a:rPr lang="en-US" dirty="0"/>
+              <a:t>Clone a repo with a template</a:t>
+            </a:r>
+          </a:p>
+          <a:p>
+            <a:pPr marL="0" indent="0">
+              <a:buNone/>
+            </a:pPr>
+            <a:endParaRPr lang="en-US" sz="3200" dirty="0"/>
+          </a:p>
+          <a:p>
+            <a:pPr marL="0" indent="0">
+              <a:buNone/>
+            </a:pPr>
+            <a:r>
+              <a:rPr lang="en-US" sz="3200" dirty="0"/>
+              <a:t>Going forward on multiple repos</a:t>
+            </a:r>
+          </a:p>
+          <a:p>
+            <a:r>
+              <a:rPr lang="en-US" dirty="0"/>
+              <a:t>Sketch out solution and sort out on mailing list</a:t>
+            </a:r>
+          </a:p>
+          <a:p>
+            <a:r>
+              <a:rPr lang="en-US" dirty="0"/>
+              <a:t>New mailing list – </a:t>
+            </a:r>
+            <a:r>
+              <a:rPr lang="en-US" dirty="0" err="1"/>
+              <a:t>gittr</a:t>
+            </a:r>
+            <a:r>
+              <a:rPr lang="en-US" dirty="0"/>
+              <a:t>?</a:t>
+            </a:r>
           </a:p>
         </p:txBody>
       </p:sp>
     </p:spTree>
     <p:extLst>
       <p:ext uri="{BB962C8B-B14F-4D97-AF65-F5344CB8AC3E}">
-        <p14:creationId xmlns:p14="http://schemas.microsoft.com/office/powerpoint/2010/main" val="3437173841"/>
+        <p14:creationId xmlns:p14="http://schemas.microsoft.com/office/powerpoint/2010/main" val="2295929346"/>
       </p:ext>
     </p:extLst>
   </p:cSld>
@@ -8009,7 +8059,7 @@
           <p:cNvPr id="2" name="Title 1">
             <a:extLst>
               <a:ext uri="{FF2B5EF4-FFF2-40B4-BE49-F238E27FC236}">
-                <a16:creationId xmlns:a16="http://schemas.microsoft.com/office/drawing/2014/main" id="{69681EE1-EDD0-FE4C-BF13-B7C03FD5936F}"/>
+                <a16:creationId xmlns:a16="http://schemas.microsoft.com/office/drawing/2014/main" id="{9B917999-96DA-F84B-9561-8A1A26AD5B0C}"/>
               </a:ext>
             </a:extLst>
           </p:cNvPr>
@@ -8022,7 +8072,7 @@
         </p:nvSpPr>
         <p:spPr>
           <a:xfrm>
-            <a:off x="1222130" y="112878"/>
+            <a:off x="1222130" y="207472"/>
             <a:ext cx="7293219" cy="1006474"/>
           </a:xfrm>
         </p:spPr>
@@ -8032,17 +8082,17 @@
           <a:p>
             <a:r>
               <a:rPr lang="en-US" dirty="0"/>
-              <a:t>Review Board </a:t>
-            </a:r>
-          </a:p>
-        </p:txBody>
-      </p:sp>
-      <p:sp>
-        <p:nvSpPr>
-          <p:cNvPr id="3" name="Content Placeholder 2">
+              <a:t>Review Board</a:t>
+            </a:r>
+          </a:p>
+        </p:txBody>
+      </p:sp>
+      <p:sp>
+        <p:nvSpPr>
+          <p:cNvPr id="4" name="Content Placeholder 2">
             <a:extLst>
               <a:ext uri="{FF2B5EF4-FFF2-40B4-BE49-F238E27FC236}">
-                <a16:creationId xmlns:a16="http://schemas.microsoft.com/office/drawing/2014/main" id="{8BA20980-E92A-544E-9396-3E329834B416}"/>
+                <a16:creationId xmlns:a16="http://schemas.microsoft.com/office/drawing/2014/main" id="{04073D96-BA84-A14F-ABB9-52C83536CDE7}"/>
               </a:ext>
             </a:extLst>
           </p:cNvPr>
@@ -8055,8 +8105,8 @@
         </p:nvSpPr>
         <p:spPr>
           <a:xfrm>
-            <a:off x="628649" y="1225715"/>
-            <a:ext cx="7886700" cy="5374782"/>
+            <a:off x="523546" y="1349670"/>
+            <a:ext cx="7886700" cy="4585555"/>
           </a:xfrm>
         </p:spPr>
         <p:txBody>
@@ -8065,78 +8115,77 @@
           <a:p>
             <a:r>
               <a:rPr lang="en-US" sz="2400" dirty="0"/>
-              <a:t>Discussed versioning into the repo – semantic version is added when a contribution reaches a certain state</a:t>
-            </a:r>
-          </a:p>
-          <a:p>
-            <a:r>
-              <a:rPr lang="en-US" sz="2400" dirty="0"/>
-              <a:t>Discuss CLA signup in </a:t>
-            </a:r>
-            <a:r>
-              <a:rPr lang="en-US" sz="2400" dirty="0" err="1"/>
-              <a:t>github</a:t>
-            </a:r>
-            <a:r>
-              <a:rPr lang="en-US" sz="2400" dirty="0"/>
-              <a:t> – no legal org? agreement to use BSD3 is sufficient - where is this done? It is a step in submitting PR to check that the submitter has agreed to the CLA</a:t>
+              <a:t>Review the discussion from the week of 9/13</a:t>
             </a:r>
           </a:p>
           <a:p>
             <a:pPr lvl="1"/>
             <a:r>
+              <a:rPr lang="en-US" sz="2000" dirty="0"/>
+              <a:t>We would rather focus on function and architecture and leave naming to later in the process</a:t>
+            </a:r>
+          </a:p>
+          <a:p>
+            <a:pPr lvl="1"/>
+            <a:r>
+              <a:rPr lang="en-US" sz="2000" dirty="0"/>
+              <a:t>We should prioritize developing our way of working in the first models</a:t>
+            </a:r>
+          </a:p>
+          <a:p>
+            <a:pPr lvl="1"/>
+            <a:r>
+              <a:rPr lang="en-US" sz="2000" dirty="0"/>
+              <a:t>On/off switch is not so simple due to the high degree of generality and reuse; this may be the case with many common affordance types</a:t>
+            </a:r>
+          </a:p>
+          <a:p>
+            <a:pPr lvl="1"/>
+            <a:r>
+              <a:rPr lang="en-US" sz="2000" dirty="0"/>
+              <a:t>Look at a few more examples and continue to review the sensor patterns – start a discussion in wiki(</a:t>
+            </a:r>
+            <a:r>
               <a:rPr lang="en-US" sz="2000" dirty="0" err="1"/>
-              <a:t>Github</a:t>
+              <a:t>HackMD</a:t>
             </a:r>
             <a:r>
               <a:rPr lang="en-US" sz="2000" dirty="0"/>
-              <a:t> policy is a blanket agreement where the repo carries a license:  </a:t>
+              <a:t>) =&gt; issues =&gt; PR to track the discussion</a:t>
+            </a:r>
+          </a:p>
+          <a:p>
+            <a:pPr lvl="2"/>
+            <a:r>
+              <a:rPr lang="en-US" dirty="0"/>
+              <a:t>Units</a:t>
+            </a:r>
+          </a:p>
+          <a:p>
+            <a:pPr lvl="2"/>
+            <a:r>
+              <a:rPr lang="en-US" dirty="0"/>
+              <a:t>Review isomorphism in existing models, what are the common elements and what is a common set of design patterns (inheritance, </a:t>
+            </a:r>
+            <a:r>
+              <a:rPr lang="en-US" dirty="0" err="1"/>
+              <a:t>mixins</a:t>
+            </a:r>
+            <a:r>
+              <a:rPr lang="en-US" dirty="0"/>
+              <a:t>, modularity) – common factors, leverage someone's IPSO background - </a:t>
+            </a:r>
+            <a:r>
+              <a:rPr lang="en-US" dirty="0" err="1"/>
+              <a:t>sdfRef</a:t>
+            </a:r>
+            <a:r>
+              <a:rPr lang="en-US" dirty="0"/>
+              <a:t> with multiple sources </a:t>
             </a:r>
           </a:p>
           <a:p>
             <a:pPr lvl="1"/>
-            <a:r>
-              <a:rPr lang="en-US" sz="2000" dirty="0">
-                <a:hlinkClick r:id="rId2"/>
-              </a:rPr>
-              <a:t>https://docs.github.com/en/github/site-policy/github-terms-of-service#6-contributions-under-repository-license</a:t>
-            </a:r>
-            <a:endParaRPr lang="en-US" sz="2000" dirty="0"/>
-          </a:p>
-          <a:p>
-            <a:r>
-              <a:rPr lang="en-US" sz="2400" dirty="0"/>
-              <a:t>Not going to block contributions</a:t>
-            </a:r>
-          </a:p>
-          <a:p>
-            <a:r>
-              <a:rPr lang="en-US" sz="2400" dirty="0"/>
-              <a:t>Note on making a private development </a:t>
-            </a:r>
-            <a:r>
-              <a:rPr lang="en-US" sz="2400" dirty="0" err="1"/>
-              <a:t>fork+branch</a:t>
-            </a:r>
-            <a:r>
-              <a:rPr lang="en-US" sz="2400" dirty="0"/>
-              <a:t> for contributions, </a:t>
-            </a:r>
-            <a:r>
-              <a:rPr lang="en-US" sz="2400" strike="sngStrike" dirty="0"/>
-              <a:t>how to send notifications using an issue</a:t>
-            </a:r>
-          </a:p>
-          <a:p>
-            <a:pPr lvl="1"/>
-            <a:r>
-              <a:rPr lang="en-US" sz="2000" dirty="0" err="1"/>
-              <a:t>Github</a:t>
-            </a:r>
-            <a:r>
-              <a:rPr lang="en-US" sz="2000" dirty="0"/>
-              <a:t> has a draft PR process we can use, so we can make a PR in the fork</a:t>
-            </a:r>
             <a:endParaRPr lang="en-US" dirty="0"/>
           </a:p>
         </p:txBody>
@@ -8144,7 +8193,7 @@
     </p:spTree>
     <p:extLst>
       <p:ext uri="{BB962C8B-B14F-4D97-AF65-F5344CB8AC3E}">
-        <p14:creationId xmlns:p14="http://schemas.microsoft.com/office/powerpoint/2010/main" val="2956880545"/>
+        <p14:creationId xmlns:p14="http://schemas.microsoft.com/office/powerpoint/2010/main" val="2829713561"/>
       </p:ext>
     </p:extLst>
   </p:cSld>
@@ -8176,7 +8225,7 @@
           <p:cNvPr id="2" name="Title 1">
             <a:extLst>
               <a:ext uri="{FF2B5EF4-FFF2-40B4-BE49-F238E27FC236}">
-                <a16:creationId xmlns:a16="http://schemas.microsoft.com/office/drawing/2014/main" id="{43677580-979C-3D45-881E-D4736E24CF51}"/>
+                <a16:creationId xmlns:a16="http://schemas.microsoft.com/office/drawing/2014/main" id="{DCCC5236-9FFF-4F47-B15D-E3E570FBE773}"/>
               </a:ext>
             </a:extLst>
           </p:cNvPr>
@@ -8194,7 +8243,7 @@
           <a:p>
             <a:r>
               <a:rPr lang="en-US" dirty="0"/>
-              <a:t>SDF Interim summary</a:t>
+              <a:t>Next Steps</a:t>
             </a:r>
           </a:p>
         </p:txBody>
@@ -8204,7 +8253,7 @@
           <p:cNvPr id="3" name="Content Placeholder 2">
             <a:extLst>
               <a:ext uri="{FF2B5EF4-FFF2-40B4-BE49-F238E27FC236}">
-                <a16:creationId xmlns:a16="http://schemas.microsoft.com/office/drawing/2014/main" id="{20688062-91E9-A549-B299-01C4B166CC26}"/>
+                <a16:creationId xmlns:a16="http://schemas.microsoft.com/office/drawing/2014/main" id="{A3952D26-8317-1544-AE6E-0DA8F63C722D}"/>
               </a:ext>
             </a:extLst>
           </p:cNvPr>
@@ -8222,54 +8271,45 @@
           <a:p>
             <a:r>
               <a:rPr lang="en-US" dirty="0"/>
-              <a:t>No new additions</a:t>
+              <a:t>Models have been reviewed – need to process the review comments and proceed with the discussion</a:t>
             </a:r>
           </a:p>
           <a:p>
             <a:pPr lvl="1"/>
             <a:r>
               <a:rPr lang="en-US" dirty="0"/>
-              <a:t>not including </a:t>
-            </a:r>
-            <a:r>
-              <a:rPr lang="en-US" dirty="0" err="1"/>
-              <a:t>sdfProduct</a:t>
-            </a:r>
+              <a:t>Can these models be provisionally accepted with the expectation that they can be refactored as we gain more experience? </a:t>
+            </a:r>
+          </a:p>
+          <a:p>
+            <a:pPr lvl="1"/>
+            <a:r>
+              <a:rPr lang="en-US" dirty="0"/>
+              <a:t>More guidelines may be needed, what about looking at a broader set of models to see if this is the case?</a:t>
+            </a:r>
+          </a:p>
+          <a:p>
+            <a:pPr lvl="1"/>
+            <a:r>
+              <a:rPr lang="en-US" dirty="0"/>
+              <a:t>Monday review board to further progress the models we have </a:t>
+            </a:r>
+          </a:p>
+          <a:p>
+            <a:r>
+              <a:rPr lang="en-US" dirty="0"/>
+              <a:t>Ari has made a PR to the new repo </a:t>
+            </a:r>
+          </a:p>
+          <a:p>
             <a:endParaRPr lang="en-US" dirty="0"/>
-          </a:p>
-          <a:p>
-            <a:r>
-              <a:rPr lang="en-US" dirty="0"/>
-              <a:t>Double check with </a:t>
-            </a:r>
-            <a:r>
-              <a:rPr lang="en-US" dirty="0" err="1"/>
-              <a:t>OneDM</a:t>
-            </a:r>
-            <a:r>
-              <a:rPr lang="en-US" dirty="0"/>
-              <a:t> users that SDF has the required features</a:t>
-            </a:r>
-          </a:p>
-          <a:p>
-            <a:pPr lvl="1"/>
-            <a:r>
-              <a:rPr lang="en-US" dirty="0"/>
-              <a:t>Statements from organizations that will publish models, etc.</a:t>
-            </a:r>
-          </a:p>
-          <a:p>
-            <a:r>
-              <a:rPr lang="en-US" dirty="0"/>
-              <a:t>Please review the latest draft</a:t>
-            </a:r>
           </a:p>
         </p:txBody>
       </p:sp>
     </p:spTree>
     <p:extLst>
       <p:ext uri="{BB962C8B-B14F-4D97-AF65-F5344CB8AC3E}">
-        <p14:creationId xmlns:p14="http://schemas.microsoft.com/office/powerpoint/2010/main" val="4156772600"/>
+        <p14:creationId xmlns:p14="http://schemas.microsoft.com/office/powerpoint/2010/main" val="3437173841"/>
       </p:ext>
     </p:extLst>
   </p:cSld>
@@ -8301,7 +8341,7 @@
           <p:cNvPr id="2" name="Title 1">
             <a:extLst>
               <a:ext uri="{FF2B5EF4-FFF2-40B4-BE49-F238E27FC236}">
-                <a16:creationId xmlns:a16="http://schemas.microsoft.com/office/drawing/2014/main" id="{7792677B-C75A-C44E-B035-9EEA76EC6664}"/>
+                <a16:creationId xmlns:a16="http://schemas.microsoft.com/office/drawing/2014/main" id="{69681EE1-EDD0-FE4C-BF13-B7C03FD5936F}"/>
               </a:ext>
             </a:extLst>
           </p:cNvPr>
@@ -8312,18 +8352,19 @@
             <p:ph type="title"/>
           </p:nvPr>
         </p:nvSpPr>
-        <p:spPr/>
-        <p:txBody>
-          <a:bodyPr/>
-          <a:lstStyle/>
-          <a:p>
-            <a:r>
-              <a:rPr lang="en-US" dirty="0" err="1"/>
-              <a:t>OneDM</a:t>
-            </a:r>
-            <a:r>
-              <a:rPr lang="en-US" dirty="0"/>
-              <a:t> Roadmap</a:t>
+        <p:spPr>
+          <a:xfrm>
+            <a:off x="1222130" y="112878"/>
+            <a:ext cx="7293219" cy="1006474"/>
+          </a:xfrm>
+        </p:spPr>
+        <p:txBody>
+          <a:bodyPr/>
+          <a:lstStyle/>
+          <a:p>
+            <a:r>
+              <a:rPr lang="en-US" dirty="0"/>
+              <a:t>Review Board </a:t>
             </a:r>
           </a:p>
         </p:txBody>
@@ -8333,7 +8374,7 @@
           <p:cNvPr id="3" name="Content Placeholder 2">
             <a:extLst>
               <a:ext uri="{FF2B5EF4-FFF2-40B4-BE49-F238E27FC236}">
-                <a16:creationId xmlns:a16="http://schemas.microsoft.com/office/drawing/2014/main" id="{6614EDC0-143D-E24A-B464-07989CB47D5C}"/>
+                <a16:creationId xmlns:a16="http://schemas.microsoft.com/office/drawing/2014/main" id="{8BA20980-E92A-544E-9396-3E329834B416}"/>
               </a:ext>
             </a:extLst>
           </p:cNvPr>
@@ -8344,52 +8385,90 @@
             <p:ph idx="1"/>
           </p:nvPr>
         </p:nvSpPr>
-        <p:spPr/>
-        <p:txBody>
-          <a:bodyPr/>
-          <a:lstStyle/>
-          <a:p>
-            <a:r>
-              <a:rPr lang="en-US" dirty="0"/>
-              <a:t>SDF is almost done and on a track for evolution</a:t>
-            </a:r>
-          </a:p>
-          <a:p>
-            <a:r>
-              <a:rPr lang="en-US" dirty="0" err="1"/>
-              <a:t>OneDM</a:t>
-            </a:r>
-            <a:r>
-              <a:rPr lang="en-US" dirty="0"/>
-              <a:t> has developed SDF tools and a governance regime, playground and examples, and a good start on best practices</a:t>
-            </a:r>
-          </a:p>
-          <a:p>
-            <a:r>
-              <a:rPr lang="en-US" dirty="0"/>
-              <a:t>Other JSON Schema based data models are proliferating in both single- and multi-domain groups</a:t>
-            </a:r>
-          </a:p>
-          <a:p>
-            <a:r>
-              <a:rPr lang="en-US" dirty="0" err="1"/>
-              <a:t>iotschema.org</a:t>
-            </a:r>
-            <a:r>
-              <a:rPr lang="en-US" dirty="0"/>
-              <a:t> is not active</a:t>
-            </a:r>
-          </a:p>
-          <a:p>
-            <a:r>
-              <a:rPr lang="en-US" dirty="0"/>
-              <a:t>W3C Web of Things needs a semantic annotation system</a:t>
-            </a:r>
-          </a:p>
-          <a:p>
-            <a:endParaRPr lang="en-US" dirty="0"/>
-          </a:p>
-          <a:p>
+        <p:spPr>
+          <a:xfrm>
+            <a:off x="628649" y="1225715"/>
+            <a:ext cx="7886700" cy="5374782"/>
+          </a:xfrm>
+        </p:spPr>
+        <p:txBody>
+          <a:bodyPr/>
+          <a:lstStyle/>
+          <a:p>
+            <a:r>
+              <a:rPr lang="en-US" sz="2400" dirty="0"/>
+              <a:t>Discussed versioning into the repo – semantic version is added when a contribution reaches a certain state</a:t>
+            </a:r>
+          </a:p>
+          <a:p>
+            <a:r>
+              <a:rPr lang="en-US" sz="2400" dirty="0"/>
+              <a:t>Discuss CLA signup in </a:t>
+            </a:r>
+            <a:r>
+              <a:rPr lang="en-US" sz="2400" dirty="0" err="1"/>
+              <a:t>github</a:t>
+            </a:r>
+            <a:r>
+              <a:rPr lang="en-US" sz="2400" dirty="0"/>
+              <a:t> – no legal org? agreement to use BSD3 is sufficient - where is this done? It is a step in submitting PR to check that the submitter has agreed to the CLA</a:t>
+            </a:r>
+          </a:p>
+          <a:p>
+            <a:pPr lvl="1"/>
+            <a:r>
+              <a:rPr lang="en-US" sz="2000" dirty="0" err="1"/>
+              <a:t>Github</a:t>
+            </a:r>
+            <a:r>
+              <a:rPr lang="en-US" sz="2000" dirty="0"/>
+              <a:t> policy is a blanket agreement where the repo carries a license:  </a:t>
+            </a:r>
+          </a:p>
+          <a:p>
+            <a:pPr lvl="1"/>
+            <a:r>
+              <a:rPr lang="en-US" sz="2000" dirty="0">
+                <a:hlinkClick r:id="rId2"/>
+              </a:rPr>
+              <a:t>https://docs.github.com/en/github/site-policy/github-terms-of-service#6-contributions-under-repository-license</a:t>
+            </a:r>
+            <a:endParaRPr lang="en-US" sz="2000" dirty="0"/>
+          </a:p>
+          <a:p>
+            <a:r>
+              <a:rPr lang="en-US" sz="2400" dirty="0"/>
+              <a:t>Not going to block contributions</a:t>
+            </a:r>
+          </a:p>
+          <a:p>
+            <a:r>
+              <a:rPr lang="en-US" sz="2400" dirty="0"/>
+              <a:t>Note on making a private development </a:t>
+            </a:r>
+            <a:r>
+              <a:rPr lang="en-US" sz="2400" dirty="0" err="1"/>
+              <a:t>fork+branch</a:t>
+            </a:r>
+            <a:r>
+              <a:rPr lang="en-US" sz="2400" dirty="0"/>
+              <a:t> for contributions, </a:t>
+            </a:r>
+            <a:r>
+              <a:rPr lang="en-US" sz="2400" strike="sngStrike" dirty="0"/>
+              <a:t>how to send notifications using an issue</a:t>
+            </a:r>
+          </a:p>
+          <a:p>
+            <a:pPr lvl="1"/>
+            <a:r>
+              <a:rPr lang="en-US" sz="2000" dirty="0" err="1"/>
+              <a:t>Github</a:t>
+            </a:r>
+            <a:r>
+              <a:rPr lang="en-US" sz="2000" dirty="0"/>
+              <a:t> has a draft PR process we can use, so we can make a PR in the fork</a:t>
+            </a:r>
             <a:endParaRPr lang="en-US" dirty="0"/>
           </a:p>
         </p:txBody>
@@ -8397,7 +8476,7 @@
     </p:spTree>
     <p:extLst>
       <p:ext uri="{BB962C8B-B14F-4D97-AF65-F5344CB8AC3E}">
-        <p14:creationId xmlns:p14="http://schemas.microsoft.com/office/powerpoint/2010/main" val="3610474611"/>
+        <p14:creationId xmlns:p14="http://schemas.microsoft.com/office/powerpoint/2010/main" val="2956880545"/>
       </p:ext>
     </p:extLst>
   </p:cSld>
@@ -8429,7 +8508,7 @@
           <p:cNvPr id="2" name="Title 1">
             <a:extLst>
               <a:ext uri="{FF2B5EF4-FFF2-40B4-BE49-F238E27FC236}">
-                <a16:creationId xmlns:a16="http://schemas.microsoft.com/office/drawing/2014/main" id="{19FD118F-7EB5-4140-9725-D87A860483C7}"/>
+                <a16:creationId xmlns:a16="http://schemas.microsoft.com/office/drawing/2014/main" id="{43677580-979C-3D45-881E-D4736E24CF51}"/>
               </a:ext>
             </a:extLst>
           </p:cNvPr>
@@ -8447,7 +8526,7 @@
           <a:p>
             <a:r>
               <a:rPr lang="en-US" dirty="0"/>
-              <a:t>How to make Progress</a:t>
+              <a:t>SDF Interim summary</a:t>
             </a:r>
           </a:p>
         </p:txBody>
@@ -8457,7 +8536,7 @@
           <p:cNvPr id="3" name="Content Placeholder 2">
             <a:extLst>
               <a:ext uri="{FF2B5EF4-FFF2-40B4-BE49-F238E27FC236}">
-                <a16:creationId xmlns:a16="http://schemas.microsoft.com/office/drawing/2014/main" id="{D73AADF1-8936-CC4A-A89F-335A4F98AA28}"/>
+                <a16:creationId xmlns:a16="http://schemas.microsoft.com/office/drawing/2014/main" id="{20688062-91E9-A549-B299-01C4B166CC26}"/>
               </a:ext>
             </a:extLst>
           </p:cNvPr>
@@ -8475,33 +8554,54 @@
           <a:p>
             <a:r>
               <a:rPr lang="en-US" dirty="0"/>
-              <a:t>Determine what kind of models are needed</a:t>
-            </a:r>
-          </a:p>
-          <a:p>
-            <a:r>
-              <a:rPr lang="en-US" dirty="0"/>
-              <a:t>Keep the model discussion at the high level </a:t>
-            </a:r>
-          </a:p>
-          <a:p>
-            <a:r>
-              <a:rPr lang="en-US" dirty="0"/>
-              <a:t>Use cases vs. requirements and scenarios</a:t>
-            </a:r>
-          </a:p>
-          <a:p>
+              <a:t>No new additions</a:t>
+            </a:r>
+          </a:p>
+          <a:p>
+            <a:pPr lvl="1"/>
+            <a:r>
+              <a:rPr lang="en-US" dirty="0"/>
+              <a:t>not including </a:t>
+            </a:r>
+            <a:r>
+              <a:rPr lang="en-US" dirty="0" err="1"/>
+              <a:t>sdfProduct</a:t>
+            </a:r>
             <a:endParaRPr lang="en-US" dirty="0"/>
           </a:p>
           <a:p>
-            <a:endParaRPr lang="en-US" dirty="0"/>
+            <a:r>
+              <a:rPr lang="en-US" dirty="0"/>
+              <a:t>Double check with </a:t>
+            </a:r>
+            <a:r>
+              <a:rPr lang="en-US" dirty="0" err="1"/>
+              <a:t>OneDM</a:t>
+            </a:r>
+            <a:r>
+              <a:rPr lang="en-US" dirty="0"/>
+              <a:t> users that SDF has the required features</a:t>
+            </a:r>
+          </a:p>
+          <a:p>
+            <a:pPr lvl="1"/>
+            <a:r>
+              <a:rPr lang="en-US" dirty="0"/>
+              <a:t>Statements from organizations that will publish models, etc.</a:t>
+            </a:r>
+          </a:p>
+          <a:p>
+            <a:r>
+              <a:rPr lang="en-US" dirty="0"/>
+              <a:t>Please review the latest draft</a:t>
+            </a:r>
           </a:p>
         </p:txBody>
       </p:sp>
     </p:spTree>
     <p:extLst>
       <p:ext uri="{BB962C8B-B14F-4D97-AF65-F5344CB8AC3E}">
-        <p14:creationId xmlns:p14="http://schemas.microsoft.com/office/powerpoint/2010/main" val="4137219617"/>
+        <p14:creationId xmlns:p14="http://schemas.microsoft.com/office/powerpoint/2010/main" val="4156772600"/>
       </p:ext>
     </p:extLst>
   </p:cSld>
@@ -8533,7 +8633,7 @@
           <p:cNvPr id="2" name="Title 1">
             <a:extLst>
               <a:ext uri="{FF2B5EF4-FFF2-40B4-BE49-F238E27FC236}">
-                <a16:creationId xmlns:a16="http://schemas.microsoft.com/office/drawing/2014/main" id="{BFDD4445-BF6D-C44B-A1D5-95EAB80F46F0}"/>
+                <a16:creationId xmlns:a16="http://schemas.microsoft.com/office/drawing/2014/main" id="{7792677B-C75A-C44E-B035-9EEA76EC6664}"/>
               </a:ext>
             </a:extLst>
           </p:cNvPr>
@@ -8550,8 +8650,12 @@
           <a:lstStyle/>
           <a:p>
             <a:r>
-              <a:rPr lang="en-US" dirty="0"/>
-              <a:t>Sensor design pattern</a:t>
+              <a:rPr lang="en-US" dirty="0" err="1"/>
+              <a:t>OneDM</a:t>
+            </a:r>
+            <a:r>
+              <a:rPr lang="en-US" dirty="0"/>
+              <a:t> Roadmap</a:t>
             </a:r>
           </a:p>
         </p:txBody>
@@ -8561,7 +8665,7 @@
           <p:cNvPr id="3" name="Content Placeholder 2">
             <a:extLst>
               <a:ext uri="{FF2B5EF4-FFF2-40B4-BE49-F238E27FC236}">
-                <a16:creationId xmlns:a16="http://schemas.microsoft.com/office/drawing/2014/main" id="{DCB38750-13C3-9C46-8F6A-A02623C3D8CC}"/>
+                <a16:creationId xmlns:a16="http://schemas.microsoft.com/office/drawing/2014/main" id="{6614EDC0-143D-E24A-B464-07989CB47D5C}"/>
               </a:ext>
             </a:extLst>
           </p:cNvPr>
@@ -8579,20 +8683,43 @@
           <a:p>
             <a:r>
               <a:rPr lang="en-US" dirty="0"/>
-              <a:t>Separate the quantity from the sensing</a:t>
-            </a:r>
-          </a:p>
-          <a:p>
-            <a:r>
-              <a:rPr lang="en-US" dirty="0"/>
-              <a:t>"Temperature Sensor" vs "Sensor" that measures "Temperature"</a:t>
-            </a:r>
-          </a:p>
-          <a:p>
-            <a:r>
-              <a:rPr lang="en-US" dirty="0"/>
-              <a:t>Make it easy for many embodiments to be constructed</a:t>
-            </a:r>
+              <a:t>SDF is almost done and on a track for evolution</a:t>
+            </a:r>
+          </a:p>
+          <a:p>
+            <a:r>
+              <a:rPr lang="en-US" dirty="0" err="1"/>
+              <a:t>OneDM</a:t>
+            </a:r>
+            <a:r>
+              <a:rPr lang="en-US" dirty="0"/>
+              <a:t> has developed SDF tools and a governance regime, playground and examples, and a good start on best practices</a:t>
+            </a:r>
+          </a:p>
+          <a:p>
+            <a:r>
+              <a:rPr lang="en-US" dirty="0"/>
+              <a:t>Other JSON Schema based data models are proliferating in both single- and multi-domain groups</a:t>
+            </a:r>
+          </a:p>
+          <a:p>
+            <a:r>
+              <a:rPr lang="en-US" dirty="0" err="1"/>
+              <a:t>iotschema.org</a:t>
+            </a:r>
+            <a:r>
+              <a:rPr lang="en-US" dirty="0"/>
+              <a:t> is not active</a:t>
+            </a:r>
+          </a:p>
+          <a:p>
+            <a:r>
+              <a:rPr lang="en-US" dirty="0"/>
+              <a:t>W3C Web of Things needs a semantic annotation system</a:t>
+            </a:r>
+          </a:p>
+          <a:p>
+            <a:endParaRPr lang="en-US" dirty="0"/>
           </a:p>
           <a:p>
             <a:endParaRPr lang="en-US" dirty="0"/>
@@ -8602,7 +8729,7 @@
     </p:spTree>
     <p:extLst>
       <p:ext uri="{BB962C8B-B14F-4D97-AF65-F5344CB8AC3E}">
-        <p14:creationId xmlns:p14="http://schemas.microsoft.com/office/powerpoint/2010/main" val="489443570"/>
+        <p14:creationId xmlns:p14="http://schemas.microsoft.com/office/powerpoint/2010/main" val="3610474611"/>
       </p:ext>
     </p:extLst>
   </p:cSld>
@@ -8634,7 +8761,7 @@
           <p:cNvPr id="2" name="Title 1">
             <a:extLst>
               <a:ext uri="{FF2B5EF4-FFF2-40B4-BE49-F238E27FC236}">
-                <a16:creationId xmlns:a16="http://schemas.microsoft.com/office/drawing/2014/main" id="{DF390C44-1CFB-F542-BFAE-D438957F1BFC}"/>
+                <a16:creationId xmlns:a16="http://schemas.microsoft.com/office/drawing/2014/main" id="{19FD118F-7EB5-4140-9725-D87A860483C7}"/>
               </a:ext>
             </a:extLst>
           </p:cNvPr>
@@ -8645,19 +8772,14 @@
             <p:ph type="title"/>
           </p:nvPr>
         </p:nvSpPr>
-        <p:spPr>
-          <a:xfrm>
-            <a:off x="1222130" y="207472"/>
-            <a:ext cx="7293219" cy="1006474"/>
-          </a:xfrm>
-        </p:spPr>
-        <p:txBody>
-          <a:bodyPr/>
-          <a:lstStyle/>
-          <a:p>
-            <a:r>
-              <a:rPr lang="en-US" dirty="0"/>
-              <a:t>Data</a:t>
+        <p:spPr/>
+        <p:txBody>
+          <a:bodyPr/>
+          <a:lstStyle/>
+          <a:p>
+            <a:r>
+              <a:rPr lang="en-US" dirty="0"/>
+              <a:t>How to make Progress</a:t>
             </a:r>
           </a:p>
         </p:txBody>
@@ -8667,7 +8789,7 @@
           <p:cNvPr id="3" name="Content Placeholder 2">
             <a:extLst>
               <a:ext uri="{FF2B5EF4-FFF2-40B4-BE49-F238E27FC236}">
-                <a16:creationId xmlns:a16="http://schemas.microsoft.com/office/drawing/2014/main" id="{3DD20442-D9A6-B846-B856-ADB7335CD3E4}"/>
+                <a16:creationId xmlns:a16="http://schemas.microsoft.com/office/drawing/2014/main" id="{D73AADF1-8936-CC4A-A89F-335A4F98AA28}"/>
               </a:ext>
             </a:extLst>
           </p:cNvPr>
@@ -8678,83 +8800,32 @@
             <p:ph idx="1"/>
           </p:nvPr>
         </p:nvSpPr>
-        <p:spPr>
-          <a:xfrm>
-            <a:off x="628649" y="1287518"/>
-            <a:ext cx="7886700" cy="4861944"/>
-          </a:xfrm>
-        </p:spPr>
-        <p:txBody>
-          <a:bodyPr/>
-          <a:lstStyle/>
-          <a:p>
-            <a:r>
-              <a:rPr lang="en-US" dirty="0"/>
-              <a:t>Fundamental types</a:t>
-            </a:r>
-          </a:p>
-          <a:p>
-            <a:r>
-              <a:rPr lang="en-US" dirty="0"/>
-              <a:t>Quantity and Units</a:t>
-            </a:r>
-          </a:p>
-          <a:p>
-            <a:r>
-              <a:rPr lang="en-US" dirty="0"/>
-              <a:t>Characteristics (i.e. averages, quartiles, etc.)</a:t>
-            </a:r>
-          </a:p>
-          <a:p>
-            <a:r>
-              <a:rPr lang="en-US" dirty="0"/>
-              <a:t>Range and Scale</a:t>
-            </a:r>
-          </a:p>
-          <a:p>
-            <a:r>
-              <a:rPr lang="en-US" dirty="0"/>
-              <a:t>Reusability of these definitions</a:t>
-            </a:r>
-          </a:p>
-          <a:p>
-            <a:r>
-              <a:rPr lang="en-US" dirty="0"/>
-              <a:t>Data type (</a:t>
-            </a:r>
-            <a:r>
-              <a:rPr lang="en-US" dirty="0" err="1"/>
-              <a:t>sdfData</a:t>
-            </a:r>
-            <a:r>
-              <a:rPr lang="en-US" dirty="0"/>
-              <a:t>) vs </a:t>
-            </a:r>
-            <a:r>
-              <a:rPr lang="en-US" dirty="0" err="1"/>
-              <a:t>sdfProperty</a:t>
-            </a:r>
-            <a:r>
-              <a:rPr lang="en-US" dirty="0"/>
-              <a:t>, where do the application semantics like quantity and units go?</a:t>
-            </a:r>
-          </a:p>
-          <a:p>
-            <a:r>
-              <a:rPr lang="en-US" dirty="0"/>
-              <a:t>Examples of different styles, use common quantities temperature (pressure is differential, gauge vs. absolute) how do we differentiate?</a:t>
-            </a:r>
-          </a:p>
-          <a:p>
-            <a:r>
-              <a:rPr lang="en-US" dirty="0"/>
-              <a:t>Data should be standalone</a:t>
-            </a:r>
-          </a:p>
-          <a:p>
-            <a:pPr marL="0" indent="0">
-              <a:buNone/>
-            </a:pPr>
+        <p:spPr/>
+        <p:txBody>
+          <a:bodyPr/>
+          <a:lstStyle/>
+          <a:p>
+            <a:r>
+              <a:rPr lang="en-US" dirty="0"/>
+              <a:t>Determine what kind of models are needed</a:t>
+            </a:r>
+          </a:p>
+          <a:p>
+            <a:r>
+              <a:rPr lang="en-US" dirty="0"/>
+              <a:t>Keep the model discussion at the high level </a:t>
+            </a:r>
+          </a:p>
+          <a:p>
+            <a:r>
+              <a:rPr lang="en-US" dirty="0"/>
+              <a:t>Use cases vs. requirements and scenarios</a:t>
+            </a:r>
+          </a:p>
+          <a:p>
+            <a:endParaRPr lang="en-US" dirty="0"/>
+          </a:p>
+          <a:p>
             <a:endParaRPr lang="en-US" dirty="0"/>
           </a:p>
         </p:txBody>
@@ -8762,7 +8833,7 @@
     </p:spTree>
     <p:extLst>
       <p:ext uri="{BB962C8B-B14F-4D97-AF65-F5344CB8AC3E}">
-        <p14:creationId xmlns:p14="http://schemas.microsoft.com/office/powerpoint/2010/main" val="2219653133"/>
+        <p14:creationId xmlns:p14="http://schemas.microsoft.com/office/powerpoint/2010/main" val="4137219617"/>
       </p:ext>
     </p:extLst>
   </p:cSld>
@@ -8909,7 +8980,7 @@
           <p:cNvPr id="2" name="Title 1">
             <a:extLst>
               <a:ext uri="{FF2B5EF4-FFF2-40B4-BE49-F238E27FC236}">
-                <a16:creationId xmlns:a16="http://schemas.microsoft.com/office/drawing/2014/main" id="{84364E35-1503-FA44-B084-EB9BC5C4BFEB}"/>
+                <a16:creationId xmlns:a16="http://schemas.microsoft.com/office/drawing/2014/main" id="{BFDD4445-BF6D-C44B-A1D5-95EAB80F46F0}"/>
               </a:ext>
             </a:extLst>
           </p:cNvPr>
@@ -8927,7 +8998,7 @@
           <a:p>
             <a:r>
               <a:rPr lang="en-US" dirty="0"/>
-              <a:t>Interactions</a:t>
+              <a:t>Sensor design pattern</a:t>
             </a:r>
           </a:p>
         </p:txBody>
@@ -8937,7 +9008,7 @@
           <p:cNvPr id="3" name="Content Placeholder 2">
             <a:extLst>
               <a:ext uri="{FF2B5EF4-FFF2-40B4-BE49-F238E27FC236}">
-                <a16:creationId xmlns:a16="http://schemas.microsoft.com/office/drawing/2014/main" id="{E9FBDF92-9467-2B48-A912-F237B3657FC5}"/>
+                <a16:creationId xmlns:a16="http://schemas.microsoft.com/office/drawing/2014/main" id="{DCB38750-13C3-9C46-8F6A-A02623C3D8CC}"/>
               </a:ext>
             </a:extLst>
           </p:cNvPr>
@@ -8948,53 +9019,27 @@
             <p:ph idx="1"/>
           </p:nvPr>
         </p:nvSpPr>
-        <p:spPr>
-          <a:xfrm>
-            <a:off x="628649" y="1371601"/>
-            <a:ext cx="7886700" cy="5018689"/>
-          </a:xfrm>
-        </p:spPr>
-        <p:txBody>
-          <a:bodyPr/>
-          <a:lstStyle/>
-          <a:p>
-            <a:r>
-              <a:rPr lang="en-US" dirty="0"/>
-              <a:t>Functional modularity</a:t>
-            </a:r>
-          </a:p>
-          <a:p>
-            <a:r>
-              <a:rPr lang="en-US" dirty="0"/>
-              <a:t>Actions and Events could be optional and bespoke for certain protocols</a:t>
-            </a:r>
-          </a:p>
-          <a:p>
-            <a:r>
-              <a:rPr lang="en-US" dirty="0"/>
-              <a:t>The base model could be very simple with well categorized extension points e.g. Min/Max observed</a:t>
-            </a:r>
-          </a:p>
-          <a:p>
-            <a:r>
-              <a:rPr lang="en-US" dirty="0"/>
-              <a:t>Sensors are separate from generic Properties, sensor definitions use property definitions and add behaviors like conditional reporting</a:t>
-            </a:r>
-          </a:p>
-          <a:p>
-            <a:r>
-              <a:rPr lang="en-US" dirty="0"/>
-              <a:t>Properties can be used for static or dynamic</a:t>
-            </a:r>
-          </a:p>
-          <a:p>
-            <a:r>
-              <a:rPr lang="en-US" dirty="0"/>
-              <a:t>Features? Modular composition</a:t>
-            </a:r>
-          </a:p>
-          <a:p>
-            <a:endParaRPr lang="en-US" dirty="0"/>
+        <p:spPr/>
+        <p:txBody>
+          <a:bodyPr/>
+          <a:lstStyle/>
+          <a:p>
+            <a:r>
+              <a:rPr lang="en-US" dirty="0"/>
+              <a:t>Separate the quantity from the sensing</a:t>
+            </a:r>
+          </a:p>
+          <a:p>
+            <a:r>
+              <a:rPr lang="en-US" dirty="0"/>
+              <a:t>"Temperature Sensor" vs "Sensor" that measures "Temperature"</a:t>
+            </a:r>
+          </a:p>
+          <a:p>
+            <a:r>
+              <a:rPr lang="en-US" dirty="0"/>
+              <a:t>Make it easy for many embodiments to be constructed</a:t>
+            </a:r>
           </a:p>
           <a:p>
             <a:endParaRPr lang="en-US" dirty="0"/>
@@ -9004,7 +9049,7 @@
     </p:spTree>
     <p:extLst>
       <p:ext uri="{BB962C8B-B14F-4D97-AF65-F5344CB8AC3E}">
-        <p14:creationId xmlns:p14="http://schemas.microsoft.com/office/powerpoint/2010/main" val="2640276867"/>
+        <p14:creationId xmlns:p14="http://schemas.microsoft.com/office/powerpoint/2010/main" val="489443570"/>
       </p:ext>
     </p:extLst>
   </p:cSld>
@@ -9036,7 +9081,7 @@
           <p:cNvPr id="2" name="Title 1">
             <a:extLst>
               <a:ext uri="{FF2B5EF4-FFF2-40B4-BE49-F238E27FC236}">
-                <a16:creationId xmlns:a16="http://schemas.microsoft.com/office/drawing/2014/main" id="{1F30BF08-7174-EA47-8E58-1BE2C2CC76C8}"/>
+                <a16:creationId xmlns:a16="http://schemas.microsoft.com/office/drawing/2014/main" id="{DF390C44-1CFB-F542-BFAE-D438957F1BFC}"/>
               </a:ext>
             </a:extLst>
           </p:cNvPr>
@@ -9047,14 +9092,19 @@
             <p:ph type="title"/>
           </p:nvPr>
         </p:nvSpPr>
-        <p:spPr/>
-        <p:txBody>
-          <a:bodyPr/>
-          <a:lstStyle/>
-          <a:p>
-            <a:r>
-              <a:rPr lang="en-US" dirty="0"/>
-              <a:t>Semantic Composability</a:t>
+        <p:spPr>
+          <a:xfrm>
+            <a:off x="1222130" y="207472"/>
+            <a:ext cx="7293219" cy="1006474"/>
+          </a:xfrm>
+        </p:spPr>
+        <p:txBody>
+          <a:bodyPr/>
+          <a:lstStyle/>
+          <a:p>
+            <a:r>
+              <a:rPr lang="en-US" dirty="0"/>
+              <a:t>Data</a:t>
             </a:r>
           </a:p>
         </p:txBody>
@@ -9064,7 +9114,7 @@
           <p:cNvPr id="3" name="Content Placeholder 2">
             <a:extLst>
               <a:ext uri="{FF2B5EF4-FFF2-40B4-BE49-F238E27FC236}">
-                <a16:creationId xmlns:a16="http://schemas.microsoft.com/office/drawing/2014/main" id="{5E866F8A-CE98-C94E-BCC6-6773270BAC1B}"/>
+                <a16:creationId xmlns:a16="http://schemas.microsoft.com/office/drawing/2014/main" id="{3DD20442-D9A6-B846-B856-ADB7335CD3E4}"/>
               </a:ext>
             </a:extLst>
           </p:cNvPr>
@@ -9075,65 +9125,83 @@
             <p:ph idx="1"/>
           </p:nvPr>
         </p:nvSpPr>
-        <p:spPr/>
-        <p:txBody>
-          <a:bodyPr/>
-          <a:lstStyle/>
-          <a:p>
-            <a:r>
-              <a:rPr lang="en-US" dirty="0"/>
-              <a:t>Modularity</a:t>
-            </a:r>
-          </a:p>
-          <a:p>
-            <a:r>
-              <a:rPr lang="en-US" dirty="0"/>
-              <a:t>Conceptual Layering</a:t>
-            </a:r>
-          </a:p>
-          <a:p>
-            <a:r>
-              <a:rPr lang="en-US" dirty="0"/>
-              <a:t>Composed Properties</a:t>
-            </a:r>
-          </a:p>
-          <a:p>
-            <a:r>
-              <a:rPr lang="en-US" dirty="0"/>
-              <a:t>Syntactic considerations and structural implications for models, e.g. </a:t>
+        <p:spPr>
+          <a:xfrm>
+            <a:off x="628649" y="1287518"/>
+            <a:ext cx="7886700" cy="4861944"/>
+          </a:xfrm>
+        </p:spPr>
+        <p:txBody>
+          <a:bodyPr/>
+          <a:lstStyle/>
+          <a:p>
+            <a:r>
+              <a:rPr lang="en-US" dirty="0"/>
+              <a:t>Fundamental types</a:t>
+            </a:r>
+          </a:p>
+          <a:p>
+            <a:r>
+              <a:rPr lang="en-US" dirty="0"/>
+              <a:t>Quantity and Units</a:t>
+            </a:r>
+          </a:p>
+          <a:p>
+            <a:r>
+              <a:rPr lang="en-US" dirty="0"/>
+              <a:t>Characteristics (i.e. averages, quartiles, etc.)</a:t>
+            </a:r>
+          </a:p>
+          <a:p>
+            <a:r>
+              <a:rPr lang="en-US" dirty="0"/>
+              <a:t>Range and Scale</a:t>
+            </a:r>
+          </a:p>
+          <a:p>
+            <a:r>
+              <a:rPr lang="en-US" dirty="0"/>
+              <a:t>Reusability of these definitions</a:t>
+            </a:r>
+          </a:p>
+          <a:p>
+            <a:r>
+              <a:rPr lang="en-US" dirty="0"/>
+              <a:t>Data type (</a:t>
             </a:r>
             <a:r>
               <a:rPr lang="en-US" dirty="0" err="1"/>
-              <a:t>mixin</a:t>
-            </a:r>
-            <a:r>
-              <a:rPr lang="en-US" dirty="0"/>
-              <a:t> vs collections</a:t>
-            </a:r>
-          </a:p>
-          <a:p>
+              <a:t>sdfData</a:t>
+            </a:r>
+            <a:r>
+              <a:rPr lang="en-US" dirty="0"/>
+              <a:t>) vs </a:t>
+            </a:r>
             <a:r>
               <a:rPr lang="en-US" dirty="0" err="1"/>
-              <a:t>Mixin</a:t>
-            </a:r>
-            <a:r>
-              <a:rPr lang="en-US" dirty="0"/>
-              <a:t> should have optionality and satisfy the LCS principle</a:t>
-            </a:r>
-          </a:p>
-          <a:p>
-            <a:r>
-              <a:rPr lang="en-US" dirty="0"/>
-              <a:t>Multiple "inheritance" requires conflict resolution</a:t>
-            </a:r>
-          </a:p>
-          <a:p>
-            <a:r>
-              <a:rPr lang="en-US" dirty="0"/>
-              <a:t>Ordering dependencies, need to prototype</a:t>
-            </a:r>
-          </a:p>
-          <a:p>
+              <a:t>sdfProperty</a:t>
+            </a:r>
+            <a:r>
+              <a:rPr lang="en-US" dirty="0"/>
+              <a:t>, where do the application semantics like quantity and units go?</a:t>
+            </a:r>
+          </a:p>
+          <a:p>
+            <a:r>
+              <a:rPr lang="en-US" dirty="0"/>
+              <a:t>Examples of different styles, use common quantities temperature (pressure is differential, gauge vs. absolute) how do we differentiate?</a:t>
+            </a:r>
+          </a:p>
+          <a:p>
+            <a:r>
+              <a:rPr lang="en-US" dirty="0"/>
+              <a:t>Data should be standalone</a:t>
+            </a:r>
+          </a:p>
+          <a:p>
+            <a:pPr marL="0" indent="0">
+              <a:buNone/>
+            </a:pPr>
             <a:endParaRPr lang="en-US" dirty="0"/>
           </a:p>
         </p:txBody>
@@ -9141,7 +9209,7 @@
     </p:spTree>
     <p:extLst>
       <p:ext uri="{BB962C8B-B14F-4D97-AF65-F5344CB8AC3E}">
-        <p14:creationId xmlns:p14="http://schemas.microsoft.com/office/powerpoint/2010/main" val="171905413"/>
+        <p14:creationId xmlns:p14="http://schemas.microsoft.com/office/powerpoint/2010/main" val="2219653133"/>
       </p:ext>
     </p:extLst>
   </p:cSld>
@@ -9173,7 +9241,7 @@
           <p:cNvPr id="2" name="Title 1">
             <a:extLst>
               <a:ext uri="{FF2B5EF4-FFF2-40B4-BE49-F238E27FC236}">
-                <a16:creationId xmlns:a16="http://schemas.microsoft.com/office/drawing/2014/main" id="{9E524BA4-D961-BC44-8970-5EE3265DCDFF}"/>
+                <a16:creationId xmlns:a16="http://schemas.microsoft.com/office/drawing/2014/main" id="{84364E35-1503-FA44-B084-EB9BC5C4BFEB}"/>
               </a:ext>
             </a:extLst>
           </p:cNvPr>
@@ -9186,14 +9254,12 @@
         </p:nvSpPr>
         <p:spPr/>
         <p:txBody>
-          <a:bodyPr>
-            <a:normAutofit fontScale="90000"/>
-          </a:bodyPr>
-          <a:lstStyle/>
-          <a:p>
-            <a:r>
-              <a:rPr lang="en-US" dirty="0"/>
-              <a:t>Protocol dependencies mapping</a:t>
+          <a:bodyPr/>
+          <a:lstStyle/>
+          <a:p>
+            <a:r>
+              <a:rPr lang="en-US" dirty="0"/>
+              <a:t>Interactions</a:t>
             </a:r>
           </a:p>
         </p:txBody>
@@ -9203,7 +9269,7 @@
           <p:cNvPr id="3" name="Content Placeholder 2">
             <a:extLst>
               <a:ext uri="{FF2B5EF4-FFF2-40B4-BE49-F238E27FC236}">
-                <a16:creationId xmlns:a16="http://schemas.microsoft.com/office/drawing/2014/main" id="{7BFF4ADC-41DA-0E43-AB74-1A74F95269E1}"/>
+                <a16:creationId xmlns:a16="http://schemas.microsoft.com/office/drawing/2014/main" id="{E9FBDF92-9467-2B48-A912-F237B3657FC5}"/>
               </a:ext>
             </a:extLst>
           </p:cNvPr>
@@ -9214,42 +9280,50 @@
             <p:ph idx="1"/>
           </p:nvPr>
         </p:nvSpPr>
-        <p:spPr/>
-        <p:txBody>
-          <a:bodyPr/>
-          <a:lstStyle/>
-          <a:p>
-            <a:r>
-              <a:rPr lang="en-US" dirty="0"/>
-              <a:t>Data reporting options including composed schemas, sequences, conditional notification</a:t>
-            </a:r>
-          </a:p>
-          <a:p>
-            <a:r>
-              <a:rPr lang="en-US" dirty="0"/>
-              <a:t>Read/write/observability</a:t>
-            </a:r>
-          </a:p>
-          <a:p>
-            <a:r>
-              <a:rPr lang="en-US" dirty="0"/>
-              <a:t>Late binding representations</a:t>
-            </a:r>
-          </a:p>
-          <a:p>
-            <a:r>
-              <a:rPr lang="en-US" dirty="0"/>
-              <a:t>Mapping files add information to the model where the information comes from external namespaces. Namespaces are part of the map key and want to become segments in the JSON pointer </a:t>
-            </a:r>
-          </a:p>
-          <a:p>
-            <a:r>
-              <a:rPr lang="en-US" dirty="0"/>
-              <a:t>Need to manage cross-namespace references</a:t>
-            </a:r>
-          </a:p>
-          <a:p>
-            <a:endParaRPr lang="en-US" dirty="0"/>
+        <p:spPr>
+          <a:xfrm>
+            <a:off x="628649" y="1371601"/>
+            <a:ext cx="7886700" cy="5018689"/>
+          </a:xfrm>
+        </p:spPr>
+        <p:txBody>
+          <a:bodyPr/>
+          <a:lstStyle/>
+          <a:p>
+            <a:r>
+              <a:rPr lang="en-US" dirty="0"/>
+              <a:t>Functional modularity</a:t>
+            </a:r>
+          </a:p>
+          <a:p>
+            <a:r>
+              <a:rPr lang="en-US" dirty="0"/>
+              <a:t>Actions and Events could be optional and bespoke for certain protocols</a:t>
+            </a:r>
+          </a:p>
+          <a:p>
+            <a:r>
+              <a:rPr lang="en-US" dirty="0"/>
+              <a:t>The base model could be very simple with well categorized extension points e.g. Min/Max observed</a:t>
+            </a:r>
+          </a:p>
+          <a:p>
+            <a:r>
+              <a:rPr lang="en-US" dirty="0"/>
+              <a:t>Sensors are separate from generic Properties, sensor definitions use property definitions and add behaviors like conditional reporting</a:t>
+            </a:r>
+          </a:p>
+          <a:p>
+            <a:r>
+              <a:rPr lang="en-US" dirty="0"/>
+              <a:t>Properties can be used for static or dynamic</a:t>
+            </a:r>
+          </a:p>
+          <a:p>
+            <a:r>
+              <a:rPr lang="en-US" dirty="0"/>
+              <a:t>Features? Modular composition</a:t>
+            </a:r>
           </a:p>
           <a:p>
             <a:endParaRPr lang="en-US" dirty="0"/>
@@ -9262,7 +9336,7 @@
     </p:spTree>
     <p:extLst>
       <p:ext uri="{BB962C8B-B14F-4D97-AF65-F5344CB8AC3E}">
-        <p14:creationId xmlns:p14="http://schemas.microsoft.com/office/powerpoint/2010/main" val="1449606107"/>
+        <p14:creationId xmlns:p14="http://schemas.microsoft.com/office/powerpoint/2010/main" val="2640276867"/>
       </p:ext>
     </p:extLst>
   </p:cSld>
@@ -9294,7 +9368,7 @@
           <p:cNvPr id="2" name="Title 1">
             <a:extLst>
               <a:ext uri="{FF2B5EF4-FFF2-40B4-BE49-F238E27FC236}">
-                <a16:creationId xmlns:a16="http://schemas.microsoft.com/office/drawing/2014/main" id="{683FDA8B-4B6C-654E-ADFE-4DD6AE32E11A}"/>
+                <a16:creationId xmlns:a16="http://schemas.microsoft.com/office/drawing/2014/main" id="{1F30BF08-7174-EA47-8E58-1BE2C2CC76C8}"/>
               </a:ext>
             </a:extLst>
           </p:cNvPr>
@@ -9310,7 +9384,10 @@
           <a:bodyPr/>
           <a:lstStyle/>
           <a:p>
-            <a:endParaRPr lang="en-US"/>
+            <a:r>
+              <a:rPr lang="en-US" dirty="0"/>
+              <a:t>Semantic Composability</a:t>
+            </a:r>
           </a:p>
         </p:txBody>
       </p:sp>
@@ -9319,7 +9396,7 @@
           <p:cNvPr id="3" name="Content Placeholder 2">
             <a:extLst>
               <a:ext uri="{FF2B5EF4-FFF2-40B4-BE49-F238E27FC236}">
-                <a16:creationId xmlns:a16="http://schemas.microsoft.com/office/drawing/2014/main" id="{D457C487-3C3D-0D4E-B66F-01422DBE74B3}"/>
+                <a16:creationId xmlns:a16="http://schemas.microsoft.com/office/drawing/2014/main" id="{5E866F8A-CE98-C94E-BCC6-6773270BAC1B}"/>
               </a:ext>
             </a:extLst>
           </p:cNvPr>
@@ -9336,18 +9413,56 @@
           <a:lstStyle/>
           <a:p>
             <a:r>
+              <a:rPr lang="en-US" dirty="0"/>
+              <a:t>Modularity</a:t>
+            </a:r>
+          </a:p>
+          <a:p>
+            <a:r>
+              <a:rPr lang="en-US" dirty="0"/>
+              <a:t>Conceptual Layering</a:t>
+            </a:r>
+          </a:p>
+          <a:p>
+            <a:r>
+              <a:rPr lang="en-US" dirty="0"/>
+              <a:t>Composed Properties</a:t>
+            </a:r>
+          </a:p>
+          <a:p>
+            <a:r>
+              <a:rPr lang="en-US" dirty="0"/>
+              <a:t>Syntactic considerations and structural implications for models, e.g. </a:t>
+            </a:r>
+            <a:r>
               <a:rPr lang="en-US" dirty="0" err="1"/>
-              <a:t>HackMD</a:t>
-            </a:r>
-            <a:r>
-              <a:rPr lang="en-US" dirty="0"/>
-              <a:t> examples </a:t>
-            </a:r>
-          </a:p>
-          <a:p>
-            <a:r>
-              <a:rPr lang="en-US" dirty="0"/>
-              <a:t>SDF examples also, test against the current specification</a:t>
+              <a:t>mixin</a:t>
+            </a:r>
+            <a:r>
+              <a:rPr lang="en-US" dirty="0"/>
+              <a:t> vs collections</a:t>
+            </a:r>
+          </a:p>
+          <a:p>
+            <a:r>
+              <a:rPr lang="en-US" dirty="0" err="1"/>
+              <a:t>Mixin</a:t>
+            </a:r>
+            <a:r>
+              <a:rPr lang="en-US" dirty="0"/>
+              <a:t> should have optionality and satisfy the LCS principle</a:t>
+            </a:r>
+          </a:p>
+          <a:p>
+            <a:r>
+              <a:rPr lang="en-US" dirty="0"/>
+              <a:t>Multiple "inheritance" requires conflict resolution</a:t>
+            </a:r>
+          </a:p>
+          <a:p>
+            <a:r>
+              <a:rPr lang="en-US" dirty="0"/>
+              <a:t>Ordering dependencies, need to prototype</a:t>
             </a:r>
           </a:p>
           <a:p>
@@ -9358,7 +9473,7 @@
     </p:spTree>
     <p:extLst>
       <p:ext uri="{BB962C8B-B14F-4D97-AF65-F5344CB8AC3E}">
-        <p14:creationId xmlns:p14="http://schemas.microsoft.com/office/powerpoint/2010/main" val="211669662"/>
+        <p14:creationId xmlns:p14="http://schemas.microsoft.com/office/powerpoint/2010/main" val="171905413"/>
       </p:ext>
     </p:extLst>
   </p:cSld>
@@ -9390,7 +9505,7 @@
           <p:cNvPr id="2" name="Title 1">
             <a:extLst>
               <a:ext uri="{FF2B5EF4-FFF2-40B4-BE49-F238E27FC236}">
-                <a16:creationId xmlns:a16="http://schemas.microsoft.com/office/drawing/2014/main" id="{CB561393-CDC0-6141-AB5C-E31D8D02DB4B}"/>
+                <a16:creationId xmlns:a16="http://schemas.microsoft.com/office/drawing/2014/main" id="{9E524BA4-D961-BC44-8970-5EE3265DCDFF}"/>
               </a:ext>
             </a:extLst>
           </p:cNvPr>
@@ -9403,12 +9518,14 @@
         </p:nvSpPr>
         <p:spPr/>
         <p:txBody>
-          <a:bodyPr/>
-          <a:lstStyle/>
-          <a:p>
-            <a:r>
-              <a:rPr lang="en-US" dirty="0"/>
-              <a:t>Updates?</a:t>
+          <a:bodyPr>
+            <a:normAutofit fontScale="90000"/>
+          </a:bodyPr>
+          <a:lstStyle/>
+          <a:p>
+            <a:r>
+              <a:rPr lang="en-US" dirty="0"/>
+              <a:t>Protocol dependencies mapping</a:t>
             </a:r>
           </a:p>
         </p:txBody>
@@ -9418,7 +9535,7 @@
           <p:cNvPr id="3" name="Content Placeholder 2">
             <a:extLst>
               <a:ext uri="{FF2B5EF4-FFF2-40B4-BE49-F238E27FC236}">
-                <a16:creationId xmlns:a16="http://schemas.microsoft.com/office/drawing/2014/main" id="{A6D8D4D1-4CC7-6048-AFDC-B1EE0FA903C3}"/>
+                <a16:creationId xmlns:a16="http://schemas.microsoft.com/office/drawing/2014/main" id="{7BFF4ADC-41DA-0E43-AB74-1A74F95269E1}"/>
               </a:ext>
             </a:extLst>
           </p:cNvPr>
@@ -9436,21 +9553,48 @@
           <a:p>
             <a:r>
               <a:rPr lang="en-US" dirty="0"/>
-              <a:t>Calendar</a:t>
-            </a:r>
-          </a:p>
-          <a:p>
-            <a:r>
-              <a:rPr lang="en-US" dirty="0"/>
-              <a:t>Announce</a:t>
-            </a:r>
+              <a:t>Data reporting options including composed schemas, sequences, conditional notification</a:t>
+            </a:r>
+          </a:p>
+          <a:p>
+            <a:r>
+              <a:rPr lang="en-US" dirty="0"/>
+              <a:t>Read/write/observability</a:t>
+            </a:r>
+          </a:p>
+          <a:p>
+            <a:r>
+              <a:rPr lang="en-US" dirty="0"/>
+              <a:t>Late binding representations</a:t>
+            </a:r>
+          </a:p>
+          <a:p>
+            <a:r>
+              <a:rPr lang="en-US" dirty="0"/>
+              <a:t>Mapping files add information to the model where the information comes from external namespaces. Namespaces are part of the map key and want to become segments in the JSON pointer </a:t>
+            </a:r>
+          </a:p>
+          <a:p>
+            <a:r>
+              <a:rPr lang="en-US" dirty="0"/>
+              <a:t>Need to manage cross-namespace references</a:t>
+            </a:r>
+          </a:p>
+          <a:p>
+            <a:endParaRPr lang="en-US" dirty="0"/>
+          </a:p>
+          <a:p>
+            <a:endParaRPr lang="en-US" dirty="0"/>
+          </a:p>
+          <a:p>
+            <a:endParaRPr lang="en-US" dirty="0"/>
           </a:p>
         </p:txBody>
       </p:sp>
     </p:spTree>
     <p:extLst>
       <p:ext uri="{BB962C8B-B14F-4D97-AF65-F5344CB8AC3E}">
-        <p14:creationId xmlns:p14="http://schemas.microsoft.com/office/powerpoint/2010/main" val="2630365456"/>
+        <p14:creationId xmlns:p14="http://schemas.microsoft.com/office/powerpoint/2010/main" val="1449606107"/>
       </p:ext>
     </p:extLst>
   </p:cSld>
@@ -9482,7 +9626,7 @@
           <p:cNvPr id="2" name="Title 1">
             <a:extLst>
               <a:ext uri="{FF2B5EF4-FFF2-40B4-BE49-F238E27FC236}">
-                <a16:creationId xmlns:a16="http://schemas.microsoft.com/office/drawing/2014/main" id="{BF5ADD41-E4CA-8647-9ECF-9A42C4E8BB7C}"/>
+                <a16:creationId xmlns:a16="http://schemas.microsoft.com/office/drawing/2014/main" id="{683FDA8B-4B6C-654E-ADFE-4DD6AE32E11A}"/>
               </a:ext>
             </a:extLst>
           </p:cNvPr>
@@ -9498,10 +9642,7 @@
           <a:bodyPr/>
           <a:lstStyle/>
           <a:p>
-            <a:r>
-              <a:rPr lang="en-US" dirty="0"/>
-              <a:t>Conclusion</a:t>
-            </a:r>
+            <a:endParaRPr lang="en-US"/>
           </a:p>
         </p:txBody>
       </p:sp>
@@ -9510,7 +9651,7 @@
           <p:cNvPr id="3" name="Content Placeholder 2">
             <a:extLst>
               <a:ext uri="{FF2B5EF4-FFF2-40B4-BE49-F238E27FC236}">
-                <a16:creationId xmlns:a16="http://schemas.microsoft.com/office/drawing/2014/main" id="{177AD6C4-C3B4-0241-9A53-4F119D6E5261}"/>
+                <a16:creationId xmlns:a16="http://schemas.microsoft.com/office/drawing/2014/main" id="{D457C487-3C3D-0D4E-B66F-01422DBE74B3}"/>
               </a:ext>
             </a:extLst>
           </p:cNvPr>
@@ -9527,22 +9668,29 @@
           <a:lstStyle/>
           <a:p>
             <a:r>
-              <a:rPr lang="en-US" dirty="0"/>
-              <a:t>Next meeting date: January</a:t>
-            </a:r>
-          </a:p>
-          <a:p>
-            <a:r>
-              <a:rPr lang="en-US" dirty="0"/>
-              <a:t>AOB</a:t>
-            </a:r>
+              <a:rPr lang="en-US" dirty="0" err="1"/>
+              <a:t>HackMD</a:t>
+            </a:r>
+            <a:r>
+              <a:rPr lang="en-US" dirty="0"/>
+              <a:t> examples </a:t>
+            </a:r>
+          </a:p>
+          <a:p>
+            <a:r>
+              <a:rPr lang="en-US" dirty="0"/>
+              <a:t>SDF examples also, test against the current specification</a:t>
+            </a:r>
+          </a:p>
+          <a:p>
+            <a:endParaRPr lang="en-US" dirty="0"/>
           </a:p>
         </p:txBody>
       </p:sp>
     </p:spTree>
     <p:extLst>
       <p:ext uri="{BB962C8B-B14F-4D97-AF65-F5344CB8AC3E}">
-        <p14:creationId xmlns:p14="http://schemas.microsoft.com/office/powerpoint/2010/main" val="71630209"/>
+        <p14:creationId xmlns:p14="http://schemas.microsoft.com/office/powerpoint/2010/main" val="211669662"/>
       </p:ext>
     </p:extLst>
   </p:cSld>
@@ -9574,7 +9722,7 @@
           <p:cNvPr id="2" name="Title 1">
             <a:extLst>
               <a:ext uri="{FF2B5EF4-FFF2-40B4-BE49-F238E27FC236}">
-                <a16:creationId xmlns:a16="http://schemas.microsoft.com/office/drawing/2014/main" id="{D05C000C-911E-D544-9620-58CE970E514B}"/>
+                <a16:creationId xmlns:a16="http://schemas.microsoft.com/office/drawing/2014/main" id="{CB561393-CDC0-6141-AB5C-E31D8D02DB4B}"/>
               </a:ext>
             </a:extLst>
           </p:cNvPr>
@@ -9585,19 +9733,14 @@
             <p:ph type="title"/>
           </p:nvPr>
         </p:nvSpPr>
-        <p:spPr>
-          <a:xfrm>
-            <a:off x="1222130" y="249514"/>
-            <a:ext cx="7293219" cy="1006474"/>
-          </a:xfrm>
-        </p:spPr>
-        <p:txBody>
-          <a:bodyPr/>
-          <a:lstStyle/>
-          <a:p>
-            <a:r>
-              <a:rPr lang="en-US" dirty="0"/>
-              <a:t>Discussion on ASDF Interim</a:t>
+        <p:spPr/>
+        <p:txBody>
+          <a:bodyPr/>
+          <a:lstStyle/>
+          <a:p>
+            <a:r>
+              <a:rPr lang="en-US" dirty="0"/>
+              <a:t>Updates?</a:t>
             </a:r>
           </a:p>
         </p:txBody>
@@ -9607,7 +9750,7 @@
           <p:cNvPr id="3" name="Content Placeholder 2">
             <a:extLst>
               <a:ext uri="{FF2B5EF4-FFF2-40B4-BE49-F238E27FC236}">
-                <a16:creationId xmlns:a16="http://schemas.microsoft.com/office/drawing/2014/main" id="{74BB4D54-2ED2-5D42-8819-E47D913FDB39}"/>
+                <a16:creationId xmlns:a16="http://schemas.microsoft.com/office/drawing/2014/main" id="{A6D8D4D1-4CC7-6048-AFDC-B1EE0FA903C3}"/>
               </a:ext>
             </a:extLst>
           </p:cNvPr>
@@ -9618,134 +9761,20 @@
             <p:ph idx="1"/>
           </p:nvPr>
         </p:nvSpPr>
-        <p:spPr>
-          <a:xfrm>
-            <a:off x="628649" y="1413643"/>
-            <a:ext cx="7886700" cy="4903074"/>
-          </a:xfrm>
-        </p:spPr>
-        <p:txBody>
-          <a:bodyPr>
-            <a:noAutofit/>
-          </a:bodyPr>
-          <a:lstStyle/>
-          <a:p>
-            <a:r>
-              <a:rPr lang="en-US" sz="2400" dirty="0"/>
-              <a:t>Design Team meeting 1 Dec (Wednesday at the </a:t>
-            </a:r>
-            <a:r>
-              <a:rPr lang="en-US" sz="2400" dirty="0" err="1"/>
-              <a:t>OneDM</a:t>
-            </a:r>
-            <a:r>
-              <a:rPr lang="en-US" sz="2400" dirty="0"/>
-              <a:t> alt slot)</a:t>
-            </a:r>
-          </a:p>
-          <a:p>
-            <a:r>
-              <a:rPr lang="en-US" sz="2400" dirty="0"/>
-              <a:t>Topics to cover before committing to 1.x</a:t>
-            </a:r>
-          </a:p>
-          <a:p>
-            <a:pPr lvl="1"/>
-            <a:r>
-              <a:rPr lang="en-US" sz="2000" dirty="0"/>
-              <a:t>SDF beyond simple object translation – system level modeling</a:t>
-            </a:r>
-          </a:p>
-          <a:p>
-            <a:pPr lvl="1"/>
-            <a:r>
-              <a:rPr lang="en-US" sz="2000" dirty="0"/>
-              <a:t>What's an instance – Unique ID, Set of refinements, </a:t>
-            </a:r>
-            <a:r>
-              <a:rPr lang="en-US" sz="2000" dirty="0" err="1"/>
-              <a:t>InstanceGraph</a:t>
-            </a:r>
-            <a:r>
-              <a:rPr lang="en-US" sz="2000" dirty="0"/>
-              <a:t> (</a:t>
-            </a:r>
-            <a:r>
-              <a:rPr lang="en-US" sz="2000" dirty="0" err="1"/>
-              <a:t>mjk</a:t>
-            </a:r>
-            <a:r>
-              <a:rPr lang="en-US" sz="2000" dirty="0"/>
-              <a:t>) what differentiates an SDF definition from other artifacts</a:t>
-            </a:r>
-          </a:p>
-          <a:p>
-            <a:pPr lvl="1"/>
-            <a:r>
-              <a:rPr lang="en-US" sz="2000" dirty="0"/>
-              <a:t>Relations – semantic links</a:t>
-            </a:r>
-          </a:p>
-          <a:p>
-            <a:pPr lvl="1"/>
-            <a:r>
-              <a:rPr lang="en-US" sz="2000" dirty="0"/>
-              <a:t>Internal extensions for mapping and binding</a:t>
-            </a:r>
-          </a:p>
-          <a:p>
-            <a:r>
-              <a:rPr lang="en-US" sz="2400" dirty="0"/>
-              <a:t>Requirements driven from use cases – write this stuff down</a:t>
-            </a:r>
-          </a:p>
-          <a:p>
-            <a:pPr lvl="1"/>
-            <a:r>
-              <a:rPr lang="en-US" sz="2000" dirty="0"/>
-              <a:t>DTDL (Ari)</a:t>
-            </a:r>
-          </a:p>
-          <a:p>
-            <a:pPr lvl="1"/>
-            <a:r>
-              <a:rPr lang="en-US" sz="2000" dirty="0" err="1"/>
-              <a:t>InstanceGraph</a:t>
-            </a:r>
-            <a:r>
-              <a:rPr lang="en-US" sz="2000" dirty="0"/>
-              <a:t> (MJK)</a:t>
-            </a:r>
-          </a:p>
-          <a:p>
-            <a:pPr lvl="1"/>
-            <a:r>
-              <a:rPr lang="en-US" sz="2000" dirty="0"/>
-              <a:t>BACnet example – BACnet Object + Property, then </a:t>
-            </a:r>
-            <a:r>
-              <a:rPr lang="en-US" sz="2000" dirty="0" err="1"/>
-              <a:t>AnalogInput</a:t>
-            </a:r>
-            <a:r>
-              <a:rPr lang="en-US" sz="2000" dirty="0"/>
-              <a:t>, </a:t>
-            </a:r>
-            <a:r>
-              <a:rPr lang="en-US" sz="2000" dirty="0" err="1"/>
-              <a:t>PresentValue</a:t>
-            </a:r>
-            <a:r>
-              <a:rPr lang="en-US" sz="2000" dirty="0"/>
-              <a:t>, then reusable definitions e.g. PID control, then unit/quantity constraints, then an </a:t>
-            </a:r>
-            <a:r>
-              <a:rPr lang="en-US" sz="2000" dirty="0" err="1"/>
-              <a:t>InstanceGraph</a:t>
-            </a:r>
-            <a:r>
-              <a:rPr lang="en-US" sz="2000" dirty="0"/>
-              <a:t>, then IP addresses</a:t>
+        <p:spPr/>
+        <p:txBody>
+          <a:bodyPr/>
+          <a:lstStyle/>
+          <a:p>
+            <a:r>
+              <a:rPr lang="en-US" dirty="0"/>
+              <a:t>Calendar</a:t>
+            </a:r>
+          </a:p>
+          <a:p>
+            <a:r>
+              <a:rPr lang="en-US" dirty="0"/>
+              <a:t>Announce</a:t>
             </a:r>
           </a:p>
         </p:txBody>
@@ -9753,7 +9782,7 @@
     </p:spTree>
     <p:extLst>
       <p:ext uri="{BB962C8B-B14F-4D97-AF65-F5344CB8AC3E}">
-        <p14:creationId xmlns:p14="http://schemas.microsoft.com/office/powerpoint/2010/main" val="2565190082"/>
+        <p14:creationId xmlns:p14="http://schemas.microsoft.com/office/powerpoint/2010/main" val="2630365456"/>
       </p:ext>
     </p:extLst>
   </p:cSld>
@@ -9785,7 +9814,7 @@
           <p:cNvPr id="2" name="Title 1">
             <a:extLst>
               <a:ext uri="{FF2B5EF4-FFF2-40B4-BE49-F238E27FC236}">
-                <a16:creationId xmlns:a16="http://schemas.microsoft.com/office/drawing/2014/main" id="{502A4A5E-4E76-FA4A-8ED1-E68C1CD9C8AA}"/>
+                <a16:creationId xmlns:a16="http://schemas.microsoft.com/office/drawing/2014/main" id="{BF5ADD41-E4CA-8647-9ECF-9A42C4E8BB7C}"/>
               </a:ext>
             </a:extLst>
           </p:cNvPr>
@@ -9796,19 +9825,14 @@
             <p:ph type="title"/>
           </p:nvPr>
         </p:nvSpPr>
-        <p:spPr>
-          <a:xfrm>
-            <a:off x="1222130" y="122479"/>
-            <a:ext cx="7293219" cy="1006474"/>
-          </a:xfrm>
-        </p:spPr>
-        <p:txBody>
-          <a:bodyPr/>
-          <a:lstStyle/>
-          <a:p>
-            <a:r>
-              <a:rPr lang="en-US" dirty="0"/>
-              <a:t>ASDF planning</a:t>
+        <p:spPr/>
+        <p:txBody>
+          <a:bodyPr/>
+          <a:lstStyle/>
+          <a:p>
+            <a:r>
+              <a:rPr lang="en-US" dirty="0"/>
+              <a:t>Conclusion</a:t>
             </a:r>
           </a:p>
         </p:txBody>
@@ -9818,7 +9842,7 @@
           <p:cNvPr id="3" name="Content Placeholder 2">
             <a:extLst>
               <a:ext uri="{FF2B5EF4-FFF2-40B4-BE49-F238E27FC236}">
-                <a16:creationId xmlns:a16="http://schemas.microsoft.com/office/drawing/2014/main" id="{7C701BFB-91C7-EC4D-AD9D-6BAAF40CDF57}"/>
+                <a16:creationId xmlns:a16="http://schemas.microsoft.com/office/drawing/2014/main" id="{177AD6C4-C3B4-0241-9A53-4F119D6E5261}"/>
               </a:ext>
             </a:extLst>
           </p:cNvPr>
@@ -9829,157 +9853,28 @@
             <p:ph idx="1"/>
           </p:nvPr>
         </p:nvSpPr>
-        <p:spPr>
-          <a:xfrm>
-            <a:off x="555077" y="1559877"/>
-            <a:ext cx="7886700" cy="4585555"/>
-          </a:xfrm>
-        </p:spPr>
-        <p:txBody>
-          <a:bodyPr/>
-          <a:lstStyle/>
-          <a:p>
-            <a:r>
-              <a:rPr lang="en-US" sz="1800" dirty="0"/>
-              <a:t>Agenda items for </a:t>
-            </a:r>
-            <a:r>
-              <a:rPr lang="en-US" sz="1800" dirty="0" err="1"/>
-              <a:t>asdf</a:t>
-            </a:r>
-            <a:r>
-              <a:rPr lang="en-US" sz="1800" dirty="0"/>
-              <a:t> </a:t>
-            </a:r>
-          </a:p>
-          <a:p>
-            <a:r>
-              <a:rPr lang="en-US" sz="1800" dirty="0"/>
-              <a:t>What is the remaining work to get to RFC - use a hackathon slot to discuss?</a:t>
-            </a:r>
-          </a:p>
-          <a:p>
-            <a:pPr lvl="1"/>
-            <a:r>
-              <a:rPr lang="en-US" sz="1600" dirty="0"/>
-              <a:t>Ref to JSO draft fixed in the new appendix C which is now explicit per keyword – please review carefully</a:t>
-            </a:r>
-          </a:p>
-          <a:p>
-            <a:pPr lvl="1"/>
-            <a:r>
-              <a:rPr lang="en-US" sz="1600" dirty="0"/>
-              <a:t>More editorial work needed but content may be complete for this version – close to end of year target</a:t>
-            </a:r>
-          </a:p>
-          <a:p>
-            <a:pPr lvl="1"/>
-            <a:r>
-              <a:rPr lang="en-US" sz="1600" dirty="0"/>
-              <a:t>Alternatively we could </a:t>
-            </a:r>
-            <a:r>
-              <a:rPr lang="en-US" sz="1600" dirty="0" err="1"/>
-              <a:t>interrupt+extend</a:t>
-            </a:r>
-            <a:r>
-              <a:rPr lang="en-US" sz="1600" dirty="0"/>
-              <a:t> timeline this if absolutely necessary</a:t>
-            </a:r>
-          </a:p>
-          <a:p>
-            <a:pPr lvl="1"/>
-            <a:r>
-              <a:rPr lang="en-US" sz="1600" dirty="0"/>
-              <a:t>We should look at where we are and make sure we can proceed with </a:t>
-            </a:r>
-            <a:r>
-              <a:rPr lang="en-US" sz="1600" dirty="0" err="1"/>
-              <a:t>OneDM</a:t>
-            </a:r>
-            <a:r>
-              <a:rPr lang="en-US" sz="1600" dirty="0"/>
-              <a:t> with what we have</a:t>
-            </a:r>
-          </a:p>
-          <a:p>
-            <a:pPr lvl="2"/>
-            <a:r>
-              <a:rPr lang="en-US" sz="1400" dirty="0"/>
-              <a:t>Input/output parameter names – Ari will make a PR</a:t>
-            </a:r>
-          </a:p>
-          <a:p>
-            <a:pPr lvl="2"/>
-            <a:r>
-              <a:rPr lang="en-US" sz="1400" dirty="0" err="1"/>
-              <a:t>DefaultNamespace</a:t>
-            </a:r>
-            <a:r>
-              <a:rPr lang="en-US" sz="1400" dirty="0"/>
-              <a:t> – rename?</a:t>
-            </a:r>
-          </a:p>
-          <a:p>
-            <a:pPr lvl="2"/>
-            <a:r>
-              <a:rPr lang="en-US" sz="1400" dirty="0"/>
-              <a:t>Ref/</a:t>
-            </a:r>
-            <a:r>
-              <a:rPr lang="en-US" sz="1400" dirty="0" err="1"/>
-              <a:t>refFrom</a:t>
-            </a:r>
-            <a:r>
-              <a:rPr lang="en-US" sz="1400" dirty="0"/>
-              <a:t> question – extends?</a:t>
-            </a:r>
-          </a:p>
-          <a:p>
-            <a:pPr lvl="1"/>
-            <a:r>
-              <a:rPr lang="en-US" sz="1600" dirty="0"/>
-              <a:t>Then we look at why/what might be in v2 and an extended charter</a:t>
-            </a:r>
-          </a:p>
-          <a:p>
-            <a:pPr lvl="1"/>
-            <a:r>
-              <a:rPr lang="en-US" sz="1600" dirty="0"/>
-              <a:t>Need some formative example contributions to explicitly scope and guide the future work</a:t>
-            </a:r>
-          </a:p>
-          <a:p>
-            <a:pPr lvl="1"/>
-            <a:r>
-              <a:rPr lang="en-US" sz="1600" dirty="0"/>
-              <a:t>Some issues in the </a:t>
-            </a:r>
-            <a:r>
-              <a:rPr lang="en-US" sz="1600" dirty="0" err="1"/>
-              <a:t>asdf</a:t>
-            </a:r>
-            <a:r>
-              <a:rPr lang="en-US" sz="1600" dirty="0"/>
-              <a:t> repo; will anyone take these up to drive in the current draft?</a:t>
-            </a:r>
-          </a:p>
-          <a:p>
-            <a:pPr lvl="1"/>
-            <a:r>
-              <a:rPr lang="en-US" sz="1600" dirty="0"/>
-              <a:t>Mappings, Instance, Relationships (Koster and Ari make a slide)</a:t>
-            </a:r>
-          </a:p>
-          <a:p>
-            <a:endParaRPr lang="en-US" dirty="0"/>
+        <p:spPr/>
+        <p:txBody>
+          <a:bodyPr/>
+          <a:lstStyle/>
+          <a:p>
+            <a:r>
+              <a:rPr lang="en-US" dirty="0"/>
+              <a:t>Next meeting date: January</a:t>
+            </a:r>
+          </a:p>
+          <a:p>
+            <a:r>
+              <a:rPr lang="en-US" dirty="0"/>
+              <a:t>AOB</a:t>
+            </a:r>
           </a:p>
         </p:txBody>
       </p:sp>
     </p:spTree>
     <p:extLst>
       <p:ext uri="{BB962C8B-B14F-4D97-AF65-F5344CB8AC3E}">
-        <p14:creationId xmlns:p14="http://schemas.microsoft.com/office/powerpoint/2010/main" val="2495608731"/>
+        <p14:creationId xmlns:p14="http://schemas.microsoft.com/office/powerpoint/2010/main" val="71630209"/>
       </p:ext>
     </p:extLst>
   </p:cSld>
@@ -10011,7 +9906,7 @@
           <p:cNvPr id="2" name="Title 1">
             <a:extLst>
               <a:ext uri="{FF2B5EF4-FFF2-40B4-BE49-F238E27FC236}">
-                <a16:creationId xmlns:a16="http://schemas.microsoft.com/office/drawing/2014/main" id="{9B917999-96DA-F84B-9561-8A1A26AD5B0C}"/>
+                <a16:creationId xmlns:a16="http://schemas.microsoft.com/office/drawing/2014/main" id="{D05C000C-911E-D544-9620-58CE970E514B}"/>
               </a:ext>
             </a:extLst>
           </p:cNvPr>
@@ -10024,7 +9919,7 @@
         </p:nvSpPr>
         <p:spPr>
           <a:xfrm>
-            <a:off x="1222130" y="207472"/>
+            <a:off x="1222130" y="249514"/>
             <a:ext cx="7293219" cy="1006474"/>
           </a:xfrm>
         </p:spPr>
@@ -10034,17 +9929,17 @@
           <a:p>
             <a:r>
               <a:rPr lang="en-US" dirty="0"/>
-              <a:t>Review Board Discussion 10/4</a:t>
-            </a:r>
-          </a:p>
-        </p:txBody>
-      </p:sp>
-      <p:sp>
-        <p:nvSpPr>
-          <p:cNvPr id="4" name="Content Placeholder 2">
+              <a:t>Discussion on ASDF Interim</a:t>
+            </a:r>
+          </a:p>
+        </p:txBody>
+      </p:sp>
+      <p:sp>
+        <p:nvSpPr>
+          <p:cNvPr id="3" name="Content Placeholder 2">
             <a:extLst>
               <a:ext uri="{FF2B5EF4-FFF2-40B4-BE49-F238E27FC236}">
-                <a16:creationId xmlns:a16="http://schemas.microsoft.com/office/drawing/2014/main" id="{04073D96-BA84-A14F-ABB9-52C83536CDE7}"/>
+                <a16:creationId xmlns:a16="http://schemas.microsoft.com/office/drawing/2014/main" id="{74BB4D54-2ED2-5D42-8819-E47D913FDB39}"/>
               </a:ext>
             </a:extLst>
           </p:cNvPr>
@@ -10057,87 +9952,132 @@
         </p:nvSpPr>
         <p:spPr>
           <a:xfrm>
-            <a:off x="523546" y="1349670"/>
-            <a:ext cx="7886700" cy="4585555"/>
+            <a:off x="628649" y="1413643"/>
+            <a:ext cx="7886700" cy="4903074"/>
           </a:xfrm>
         </p:spPr>
         <p:txBody>
-          <a:bodyPr/>
+          <a:bodyPr>
+            <a:noAutofit/>
+          </a:bodyPr>
           <a:lstStyle/>
           <a:p>
             <a:r>
               <a:rPr lang="en-US" sz="2400" dirty="0"/>
-              <a:t>Continue to work on Binary Switch as a good test case</a:t>
-            </a:r>
-          </a:p>
-          <a:p>
+              <a:t>Design Team meeting 1 Dec (Wednesday at the </a:t>
+            </a:r>
+            <a:r>
+              <a:rPr lang="en-US" sz="2400" dirty="0" err="1"/>
+              <a:t>OneDM</a:t>
+            </a:r>
             <a:r>
               <a:rPr lang="en-US" sz="2400" dirty="0"/>
-              <a:t>Understand our first output is provisional</a:t>
+              <a:t> alt slot)</a:t>
             </a:r>
           </a:p>
           <a:p>
             <a:r>
               <a:rPr lang="en-US" sz="2400" dirty="0"/>
-              <a:t>What we adopt can be simple to start with</a:t>
+              <a:t>Topics to cover before committing to 1.x</a:t>
+            </a:r>
+          </a:p>
+          <a:p>
+            <a:pPr lvl="1"/>
+            <a:r>
+              <a:rPr lang="en-US" sz="2000" dirty="0"/>
+              <a:t>SDF beyond simple object translation – system level modeling</a:t>
+            </a:r>
+          </a:p>
+          <a:p>
+            <a:pPr lvl="1"/>
+            <a:r>
+              <a:rPr lang="en-US" sz="2000" dirty="0"/>
+              <a:t>What's an instance – Unique ID, Set of refinements, </a:t>
+            </a:r>
+            <a:r>
+              <a:rPr lang="en-US" sz="2000" dirty="0" err="1"/>
+              <a:t>InstanceGraph</a:t>
+            </a:r>
+            <a:r>
+              <a:rPr lang="en-US" sz="2000" dirty="0"/>
+              <a:t> (</a:t>
+            </a:r>
+            <a:r>
+              <a:rPr lang="en-US" sz="2000" dirty="0" err="1"/>
+              <a:t>mjk</a:t>
+            </a:r>
+            <a:r>
+              <a:rPr lang="en-US" sz="2000" dirty="0"/>
+              <a:t>) what differentiates an SDF definition from other artifacts</a:t>
+            </a:r>
+          </a:p>
+          <a:p>
+            <a:pPr lvl="1"/>
+            <a:r>
+              <a:rPr lang="en-US" sz="2000" dirty="0"/>
+              <a:t>Relations – semantic links</a:t>
+            </a:r>
+          </a:p>
+          <a:p>
+            <a:pPr lvl="1"/>
+            <a:r>
+              <a:rPr lang="en-US" sz="2000" dirty="0"/>
+              <a:t>Internal extensions for mapping and binding</a:t>
             </a:r>
           </a:p>
           <a:p>
             <a:r>
               <a:rPr lang="en-US" sz="2400" dirty="0"/>
-              <a:t>Make the features modular so objects can be constructed</a:t>
-            </a:r>
-          </a:p>
-          <a:p>
-            <a:r>
-              <a:rPr lang="en-US" sz="2400" dirty="0"/>
-              <a:t>Make provisional models that are easy to use in ecosystems</a:t>
-            </a:r>
-          </a:p>
-          <a:p>
-            <a:r>
-              <a:rPr lang="en-US" sz="2400" dirty="0"/>
-              <a:t>Add sensor models into the provisional cycle, work on more than one set at a time</a:t>
-            </a:r>
-          </a:p>
-          <a:p>
-            <a:r>
-              <a:rPr lang="en-US" sz="2400" dirty="0"/>
-              <a:t>KANBAN vs. PRs and labels for state tracking</a:t>
+              <a:t>Requirements driven from use cases – write this stuff down</a:t>
             </a:r>
           </a:p>
           <a:p>
             <a:pPr lvl="1"/>
             <a:r>
               <a:rPr lang="en-US" sz="2000" dirty="0"/>
-              <a:t>Experiment to evaluate the state tracking using projects/</a:t>
-            </a:r>
+              <a:t>DTDL (Ari)</a:t>
+            </a:r>
+          </a:p>
+          <a:p>
+            <a:pPr lvl="1"/>
             <a:r>
               <a:rPr lang="en-US" sz="2000" dirty="0" err="1"/>
-              <a:t>kanban</a:t>
-            </a:r>
-            <a:endParaRPr lang="en-US" sz="2000" dirty="0"/>
+              <a:t>InstanceGraph</a:t>
+            </a:r>
+            <a:r>
+              <a:rPr lang="en-US" sz="2000" dirty="0"/>
+              <a:t> (MJK)</a:t>
+            </a:r>
           </a:p>
           <a:p>
             <a:pPr lvl="1"/>
             <a:r>
               <a:rPr lang="en-US" sz="2000" dirty="0"/>
-              <a:t>There is a </a:t>
+              <a:t>BACnet example – BACnet Object + Property, then </a:t>
             </a:r>
             <a:r>
               <a:rPr lang="en-US" sz="2000" dirty="0" err="1"/>
-              <a:t>github</a:t>
+              <a:t>AnalogInput</a:t>
             </a:r>
             <a:r>
               <a:rPr lang="en-US" sz="2000" dirty="0"/>
-              <a:t> marketplace entry "add-label"</a:t>
-            </a:r>
-          </a:p>
-          <a:p>
-            <a:pPr lvl="1"/>
+              <a:t>, </a:t>
+            </a:r>
+            <a:r>
+              <a:rPr lang="en-US" sz="2000" dirty="0" err="1"/>
+              <a:t>PresentValue</a:t>
+            </a:r>
             <a:r>
               <a:rPr lang="en-US" sz="2000" dirty="0"/>
-              <a:t>Meeting Friday pm and resolution on Monday</a:t>
+              <a:t>, then reusable definitions e.g. PID control, then unit/quantity constraints, then an </a:t>
+            </a:r>
+            <a:r>
+              <a:rPr lang="en-US" sz="2000" dirty="0" err="1"/>
+              <a:t>InstanceGraph</a:t>
+            </a:r>
+            <a:r>
+              <a:rPr lang="en-US" sz="2000" dirty="0"/>
+              <a:t>, then IP addresses</a:t>
             </a:r>
           </a:p>
         </p:txBody>
@@ -10145,7 +10085,7 @@
     </p:spTree>
     <p:extLst>
       <p:ext uri="{BB962C8B-B14F-4D97-AF65-F5344CB8AC3E}">
-        <p14:creationId xmlns:p14="http://schemas.microsoft.com/office/powerpoint/2010/main" val="3371818391"/>
+        <p14:creationId xmlns:p14="http://schemas.microsoft.com/office/powerpoint/2010/main" val="2565190082"/>
       </p:ext>
     </p:extLst>
   </p:cSld>
@@ -10177,7 +10117,7 @@
           <p:cNvPr id="2" name="Title 1">
             <a:extLst>
               <a:ext uri="{FF2B5EF4-FFF2-40B4-BE49-F238E27FC236}">
-                <a16:creationId xmlns:a16="http://schemas.microsoft.com/office/drawing/2014/main" id="{0F2D3C77-3BB8-2A4D-A5A2-FD6BC9F54DEF}"/>
+                <a16:creationId xmlns:a16="http://schemas.microsoft.com/office/drawing/2014/main" id="{502A4A5E-4E76-FA4A-8ED1-E68C1CD9C8AA}"/>
               </a:ext>
             </a:extLst>
           </p:cNvPr>
@@ -10188,14 +10128,19 @@
             <p:ph type="title"/>
           </p:nvPr>
         </p:nvSpPr>
-        <p:spPr/>
-        <p:txBody>
-          <a:bodyPr/>
-          <a:lstStyle/>
-          <a:p>
-            <a:r>
-              <a:rPr lang="en-US" dirty="0"/>
-              <a:t>Chat log 10/4</a:t>
+        <p:spPr>
+          <a:xfrm>
+            <a:off x="1222130" y="122479"/>
+            <a:ext cx="7293219" cy="1006474"/>
+          </a:xfrm>
+        </p:spPr>
+        <p:txBody>
+          <a:bodyPr/>
+          <a:lstStyle/>
+          <a:p>
+            <a:r>
+              <a:rPr lang="en-US" dirty="0"/>
+              <a:t>ASDF planning</a:t>
             </a:r>
           </a:p>
         </p:txBody>
@@ -10205,7 +10150,7 @@
           <p:cNvPr id="3" name="Content Placeholder 2">
             <a:extLst>
               <a:ext uri="{FF2B5EF4-FFF2-40B4-BE49-F238E27FC236}">
-                <a16:creationId xmlns:a16="http://schemas.microsoft.com/office/drawing/2014/main" id="{B5A9A1CA-8052-A741-8F43-8D25C42256D0}"/>
+                <a16:creationId xmlns:a16="http://schemas.microsoft.com/office/drawing/2014/main" id="{7C701BFB-91C7-EC4D-AD9D-6BAAF40CDF57}"/>
               </a:ext>
             </a:extLst>
           </p:cNvPr>
@@ -10216,203 +10161,147 @@
             <p:ph idx="1"/>
           </p:nvPr>
         </p:nvSpPr>
-        <p:spPr/>
-        <p:txBody>
-          <a:bodyPr/>
-          <a:lstStyle/>
-          <a:p>
-            <a:pPr marL="0" indent="0">
-              <a:buNone/>
-            </a:pPr>
-            <a:r>
-              <a:rPr lang="en-US" sz="1200" dirty="0"/>
-              <a:t>From Ari </a:t>
-            </a:r>
-            <a:r>
-              <a:rPr lang="en-US" sz="1200" dirty="0" err="1"/>
-              <a:t>Keränen</a:t>
-            </a:r>
-            <a:r>
-              <a:rPr lang="en-US" sz="1200" dirty="0"/>
-              <a:t> to Everyone:    8:05  AM</a:t>
-            </a:r>
-          </a:p>
-          <a:p>
-            <a:pPr marL="0" indent="0">
-              <a:buNone/>
-            </a:pPr>
-            <a:r>
-              <a:rPr lang="en-US" sz="1200" dirty="0">
-                <a:hlinkClick r:id="rId2"/>
-              </a:rPr>
-              <a:t>https://github.com/t2trg/wishi/wiki/Agenda-items#wishi-online-meeting</a:t>
-            </a:r>
-            <a:endParaRPr lang="en-US" sz="1200" dirty="0"/>
-          </a:p>
-          <a:p>
-            <a:pPr marL="0" indent="0">
-              <a:buNone/>
-            </a:pPr>
-            <a:r>
-              <a:rPr lang="en-US" sz="1200" dirty="0"/>
-              <a:t>from Ari </a:t>
-            </a:r>
-            <a:r>
-              <a:rPr lang="en-US" sz="1200" dirty="0" err="1"/>
-              <a:t>Keränen</a:t>
-            </a:r>
-            <a:r>
-              <a:rPr lang="en-US" sz="1200" dirty="0"/>
-              <a:t> to Everyone:    8:19  AM</a:t>
-            </a:r>
-          </a:p>
-          <a:p>
-            <a:pPr marL="0" indent="0">
-              <a:buNone/>
-            </a:pPr>
-            <a:r>
-              <a:rPr lang="en-US" sz="1200" dirty="0"/>
-              <a:t>DTDL has semantic types: </a:t>
-            </a:r>
-            <a:r>
-              <a:rPr lang="en-US" sz="1200" dirty="0">
-                <a:hlinkClick r:id="rId3"/>
-              </a:rPr>
-              <a:t>https://github.com/Azure/opendigitaltwins-dtdl/blob/master/DTDL/v2/dtdlv2.md#semantic-types</a:t>
-            </a:r>
-            <a:endParaRPr lang="en-US" sz="1200" dirty="0"/>
-          </a:p>
-          <a:p>
-            <a:pPr marL="0" indent="0">
-              <a:buNone/>
-            </a:pPr>
-            <a:r>
-              <a:rPr lang="en-US" sz="1200" dirty="0"/>
-              <a:t>from Klaus Hartke to Everyone:    8:20  AM</a:t>
-            </a:r>
-          </a:p>
-          <a:p>
-            <a:pPr marL="0" indent="0">
-              <a:buNone/>
-            </a:pPr>
-            <a:r>
-              <a:rPr lang="en-US" sz="1200" dirty="0"/>
-              <a:t>Thanks, Ari! That's exactly what I had in mind.</a:t>
-            </a:r>
-          </a:p>
-          <a:p>
-            <a:pPr marL="0" indent="0">
-              <a:buNone/>
-            </a:pPr>
-            <a:r>
-              <a:rPr lang="en-US" sz="1200" dirty="0"/>
-              <a:t>from Ari </a:t>
-            </a:r>
-            <a:r>
-              <a:rPr lang="en-US" sz="1200" dirty="0" err="1"/>
-              <a:t>Keränen</a:t>
-            </a:r>
-            <a:r>
-              <a:rPr lang="en-US" sz="1200" dirty="0"/>
-              <a:t> to Everyone:    8:27  AM</a:t>
-            </a:r>
-          </a:p>
-          <a:p>
-            <a:pPr marL="0" indent="0">
-              <a:buNone/>
-            </a:pPr>
-            <a:r>
-              <a:rPr lang="en-US" sz="1200" dirty="0"/>
-              <a:t>And here's partial mapping from </a:t>
-            </a:r>
-            <a:r>
-              <a:rPr lang="en-US" sz="1200" dirty="0" err="1"/>
-              <a:t>SenML</a:t>
-            </a:r>
-            <a:r>
-              <a:rPr lang="en-US" sz="1200" dirty="0"/>
-              <a:t> units to DTDL units and semantic types: </a:t>
-            </a:r>
-            <a:r>
-              <a:rPr lang="en-US" sz="1200" dirty="0">
-                <a:hlinkClick r:id="rId4"/>
-              </a:rPr>
-              <a:t>https://github.com/t2trg/wishi/blob/master/examples/sdf-dtdl/sdf-dtdl-unitmap.json</a:t>
-            </a:r>
-            <a:endParaRPr lang="en-US" sz="1200" dirty="0"/>
-          </a:p>
-          <a:p>
-            <a:pPr marL="0" indent="0">
-              <a:buNone/>
-            </a:pPr>
-            <a:r>
-              <a:rPr lang="en-US" sz="1200" dirty="0"/>
-              <a:t>from Ari </a:t>
-            </a:r>
-            <a:r>
-              <a:rPr lang="en-US" sz="1200" dirty="0" err="1"/>
-              <a:t>Keränen</a:t>
-            </a:r>
-            <a:r>
-              <a:rPr lang="en-US" sz="1200" dirty="0"/>
-              <a:t> to Everyone:    8:37  AM</a:t>
-            </a:r>
-          </a:p>
-          <a:p>
-            <a:pPr marL="0" indent="0">
-              <a:buNone/>
-            </a:pPr>
-            <a:r>
-              <a:rPr lang="en-US" sz="1200" dirty="0"/>
-              <a:t>Summary:</a:t>
-            </a:r>
-          </a:p>
-          <a:p>
-            <a:pPr marL="0" indent="0">
-              <a:buNone/>
-            </a:pPr>
-            <a:r>
-              <a:rPr lang="en-US" sz="1200" dirty="0"/>
-              <a:t>from Ari </a:t>
-            </a:r>
-            <a:r>
-              <a:rPr lang="en-US" sz="1200" dirty="0" err="1"/>
-              <a:t>Keränen</a:t>
-            </a:r>
-            <a:r>
-              <a:rPr lang="en-US" sz="1200" dirty="0"/>
-              <a:t> to Everyone:    8:38  AM</a:t>
-            </a:r>
-          </a:p>
-          <a:p>
-            <a:pPr marL="0" indent="0">
-              <a:buNone/>
-            </a:pPr>
-            <a:r>
-              <a:rPr lang="en-US" sz="1200" dirty="0"/>
-              <a:t>Could remove: promoter, branch created. SDF verification and License check could be handled by CI. Submission date when same as PR date could be omitted. Board could have just "Board conclusions".</a:t>
-            </a:r>
-          </a:p>
-          <a:p>
-            <a:pPr marL="0" indent="0">
-              <a:buNone/>
-            </a:pPr>
-            <a:r>
-              <a:rPr lang="en-US" sz="1200" dirty="0"/>
-              <a:t>from OCF Staff to Everyone:    9:00  AM</a:t>
-            </a:r>
-          </a:p>
-          <a:p>
-            <a:pPr marL="0" indent="0">
-              <a:buNone/>
-            </a:pPr>
-            <a:r>
-              <a:rPr lang="en-US" sz="1200" dirty="0">
-                <a:hlinkClick r:id="rId5"/>
-              </a:rPr>
-              <a:t>https://github.com/marketplace/auto-add-label</a:t>
-            </a:r>
-            <a:endParaRPr lang="en-US" sz="1200" dirty="0"/>
+        <p:spPr>
+          <a:xfrm>
+            <a:off x="555077" y="1559877"/>
+            <a:ext cx="7886700" cy="4585555"/>
+          </a:xfrm>
+        </p:spPr>
+        <p:txBody>
+          <a:bodyPr/>
+          <a:lstStyle/>
+          <a:p>
+            <a:r>
+              <a:rPr lang="en-US" sz="1800" dirty="0"/>
+              <a:t>Agenda items for </a:t>
+            </a:r>
+            <a:r>
+              <a:rPr lang="en-US" sz="1800" dirty="0" err="1"/>
+              <a:t>asdf</a:t>
+            </a:r>
+            <a:r>
+              <a:rPr lang="en-US" sz="1800" dirty="0"/>
+              <a:t> </a:t>
+            </a:r>
+          </a:p>
+          <a:p>
+            <a:r>
+              <a:rPr lang="en-US" sz="1800" dirty="0"/>
+              <a:t>What is the remaining work to get to RFC - use a hackathon slot to discuss?</a:t>
+            </a:r>
+          </a:p>
+          <a:p>
+            <a:pPr lvl="1"/>
+            <a:r>
+              <a:rPr lang="en-US" sz="1600" dirty="0"/>
+              <a:t>Ref to JSO draft fixed in the new appendix C which is now explicit per keyword – please review carefully</a:t>
+            </a:r>
+          </a:p>
+          <a:p>
+            <a:pPr lvl="1"/>
+            <a:r>
+              <a:rPr lang="en-US" sz="1600" dirty="0"/>
+              <a:t>More editorial work needed but content may be complete for this version – close to end of year target</a:t>
+            </a:r>
+          </a:p>
+          <a:p>
+            <a:pPr lvl="1"/>
+            <a:r>
+              <a:rPr lang="en-US" sz="1600" dirty="0"/>
+              <a:t>Alternatively we could </a:t>
+            </a:r>
+            <a:r>
+              <a:rPr lang="en-US" sz="1600" dirty="0" err="1"/>
+              <a:t>interrupt+extend</a:t>
+            </a:r>
+            <a:r>
+              <a:rPr lang="en-US" sz="1600" dirty="0"/>
+              <a:t> timeline this if absolutely necessary</a:t>
+            </a:r>
+          </a:p>
+          <a:p>
+            <a:pPr lvl="1"/>
+            <a:r>
+              <a:rPr lang="en-US" sz="1600" dirty="0"/>
+              <a:t>We should look at where we are and make sure we can proceed with </a:t>
+            </a:r>
+            <a:r>
+              <a:rPr lang="en-US" sz="1600" dirty="0" err="1"/>
+              <a:t>OneDM</a:t>
+            </a:r>
+            <a:r>
+              <a:rPr lang="en-US" sz="1600" dirty="0"/>
+              <a:t> with what we have</a:t>
+            </a:r>
+          </a:p>
+          <a:p>
+            <a:pPr lvl="2"/>
+            <a:r>
+              <a:rPr lang="en-US" sz="1400" dirty="0"/>
+              <a:t>Input/output parameter names – Ari will make a PR</a:t>
+            </a:r>
+          </a:p>
+          <a:p>
+            <a:pPr lvl="2"/>
+            <a:r>
+              <a:rPr lang="en-US" sz="1400" dirty="0" err="1"/>
+              <a:t>DefaultNamespace</a:t>
+            </a:r>
+            <a:r>
+              <a:rPr lang="en-US" sz="1400" dirty="0"/>
+              <a:t> – rename?</a:t>
+            </a:r>
+          </a:p>
+          <a:p>
+            <a:pPr lvl="2"/>
+            <a:r>
+              <a:rPr lang="en-US" sz="1400" dirty="0"/>
+              <a:t>Ref/</a:t>
+            </a:r>
+            <a:r>
+              <a:rPr lang="en-US" sz="1400" dirty="0" err="1"/>
+              <a:t>refFrom</a:t>
+            </a:r>
+            <a:r>
+              <a:rPr lang="en-US" sz="1400" dirty="0"/>
+              <a:t> question – extends?</a:t>
+            </a:r>
+          </a:p>
+          <a:p>
+            <a:pPr lvl="1"/>
+            <a:r>
+              <a:rPr lang="en-US" sz="1600" dirty="0"/>
+              <a:t>Then we look at why/what might be in v2 and an extended charter</a:t>
+            </a:r>
+          </a:p>
+          <a:p>
+            <a:pPr lvl="1"/>
+            <a:r>
+              <a:rPr lang="en-US" sz="1600" dirty="0"/>
+              <a:t>Need some formative example contributions to explicitly scope and guide the future work</a:t>
+            </a:r>
+          </a:p>
+          <a:p>
+            <a:pPr lvl="1"/>
+            <a:r>
+              <a:rPr lang="en-US" sz="1600" dirty="0"/>
+              <a:t>Some issues in the </a:t>
+            </a:r>
+            <a:r>
+              <a:rPr lang="en-US" sz="1600" dirty="0" err="1"/>
+              <a:t>asdf</a:t>
+            </a:r>
+            <a:r>
+              <a:rPr lang="en-US" sz="1600" dirty="0"/>
+              <a:t> repo; will anyone take these up to drive in the current draft?</a:t>
+            </a:r>
+          </a:p>
+          <a:p>
+            <a:pPr lvl="1"/>
+            <a:r>
+              <a:rPr lang="en-US" sz="1600" dirty="0"/>
+              <a:t>Mappings, Instance, Relationships (Koster and Ari make a slide)</a:t>
+            </a:r>
           </a:p>
           <a:p>
             <a:endParaRPr lang="en-US" dirty="0"/>
@@ -10422,7 +10311,7 @@
     </p:spTree>
     <p:extLst>
       <p:ext uri="{BB962C8B-B14F-4D97-AF65-F5344CB8AC3E}">
-        <p14:creationId xmlns:p14="http://schemas.microsoft.com/office/powerpoint/2010/main" val="704916917"/>
+        <p14:creationId xmlns:p14="http://schemas.microsoft.com/office/powerpoint/2010/main" val="2495608731"/>
       </p:ext>
     </p:extLst>
   </p:cSld>
@@ -10454,7 +10343,7 @@
           <p:cNvPr id="2" name="Title 1">
             <a:extLst>
               <a:ext uri="{FF2B5EF4-FFF2-40B4-BE49-F238E27FC236}">
-                <a16:creationId xmlns:a16="http://schemas.microsoft.com/office/drawing/2014/main" id="{D2D69004-2B6E-C542-83C9-7D0E332DF8C1}"/>
+                <a16:creationId xmlns:a16="http://schemas.microsoft.com/office/drawing/2014/main" id="{C245D10C-9ECC-0440-85E8-9B49741106CD}"/>
               </a:ext>
             </a:extLst>
           </p:cNvPr>
@@ -10472,7 +10361,7 @@
           <a:p>
             <a:r>
               <a:rPr lang="en-US" dirty="0"/>
-              <a:t>Announcements</a:t>
+              <a:t>Bespoke Repositories</a:t>
             </a:r>
           </a:p>
         </p:txBody>
@@ -10482,7 +10371,7 @@
           <p:cNvPr id="3" name="Content Placeholder 2">
             <a:extLst>
               <a:ext uri="{FF2B5EF4-FFF2-40B4-BE49-F238E27FC236}">
-                <a16:creationId xmlns:a16="http://schemas.microsoft.com/office/drawing/2014/main" id="{F2F7A4F6-3331-EC4C-BB8C-3EB6F3B90246}"/>
+                <a16:creationId xmlns:a16="http://schemas.microsoft.com/office/drawing/2014/main" id="{C1AF6A35-260E-2548-A8CD-67E43AF2D5BD}"/>
               </a:ext>
             </a:extLst>
           </p:cNvPr>
@@ -10500,40 +10389,15 @@
           <a:p>
             <a:r>
               <a:rPr lang="en-US" dirty="0"/>
-              <a:t>New mailing list at </a:t>
-            </a:r>
-            <a:r>
-              <a:rPr lang="en-US" dirty="0" err="1"/>
-              <a:t>groups.io</a:t>
-            </a:r>
-            <a:endParaRPr lang="en-US" dirty="0"/>
-          </a:p>
-          <a:p>
-            <a:pPr lvl="1"/>
-            <a:r>
-              <a:rPr lang="en-US" dirty="0"/>
-              <a:t>https://</a:t>
-            </a:r>
-            <a:r>
-              <a:rPr lang="en-US" dirty="0" err="1"/>
-              <a:t>groups.io</a:t>
-            </a:r>
-            <a:r>
-              <a:rPr lang="en-US" dirty="0"/>
-              <a:t>/</a:t>
-            </a:r>
-            <a:r>
-              <a:rPr lang="en-US" dirty="0" err="1"/>
-              <a:t>onedm</a:t>
-            </a:r>
-            <a:endParaRPr lang="en-US" dirty="0"/>
+              <a:t>IPSO and OCF repos created</a:t>
+            </a:r>
           </a:p>
         </p:txBody>
       </p:sp>
     </p:spTree>
     <p:extLst>
       <p:ext uri="{BB962C8B-B14F-4D97-AF65-F5344CB8AC3E}">
-        <p14:creationId xmlns:p14="http://schemas.microsoft.com/office/powerpoint/2010/main" val="2980209700"/>
+        <p14:creationId xmlns:p14="http://schemas.microsoft.com/office/powerpoint/2010/main" val="2983633336"/>
       </p:ext>
     </p:extLst>
   </p:cSld>
@@ -10565,7 +10429,7 @@
           <p:cNvPr id="2" name="Title 1">
             <a:extLst>
               <a:ext uri="{FF2B5EF4-FFF2-40B4-BE49-F238E27FC236}">
-                <a16:creationId xmlns:a16="http://schemas.microsoft.com/office/drawing/2014/main" id="{C3D2AAFA-F94B-9248-857E-358AAA0F2887}"/>
+                <a16:creationId xmlns:a16="http://schemas.microsoft.com/office/drawing/2014/main" id="{9B917999-96DA-F84B-9561-8A1A26AD5B0C}"/>
               </a:ext>
             </a:extLst>
           </p:cNvPr>
@@ -10578,7 +10442,7 @@
         </p:nvSpPr>
         <p:spPr>
           <a:xfrm>
-            <a:off x="1316723" y="81347"/>
+            <a:off x="1222130" y="207472"/>
             <a:ext cx="7293219" cy="1006474"/>
           </a:xfrm>
         </p:spPr>
@@ -10587,22 +10451,18 @@
           <a:lstStyle/>
           <a:p>
             <a:r>
-              <a:rPr lang="en-US" dirty="0" err="1"/>
-              <a:t>OneDM</a:t>
-            </a:r>
-            <a:r>
-              <a:rPr lang="en-US" dirty="0"/>
-              <a:t>/SDF Differences</a:t>
-            </a:r>
-          </a:p>
-        </p:txBody>
-      </p:sp>
-      <p:sp>
-        <p:nvSpPr>
-          <p:cNvPr id="3" name="Content Placeholder 2">
+              <a:rPr lang="en-US" dirty="0"/>
+              <a:t>Review Board Discussion 10/4</a:t>
+            </a:r>
+          </a:p>
+        </p:txBody>
+      </p:sp>
+      <p:sp>
+        <p:nvSpPr>
+          <p:cNvPr id="4" name="Content Placeholder 2">
             <a:extLst>
               <a:ext uri="{FF2B5EF4-FFF2-40B4-BE49-F238E27FC236}">
-                <a16:creationId xmlns:a16="http://schemas.microsoft.com/office/drawing/2014/main" id="{390B112C-303D-6B47-BD7F-C48CBBD912D2}"/>
+                <a16:creationId xmlns:a16="http://schemas.microsoft.com/office/drawing/2014/main" id="{04073D96-BA84-A14F-ABB9-52C83536CDE7}"/>
               </a:ext>
             </a:extLst>
           </p:cNvPr>
@@ -10615,8 +10475,8 @@
         </p:nvSpPr>
         <p:spPr>
           <a:xfrm>
-            <a:off x="828346" y="1177159"/>
-            <a:ext cx="7886700" cy="5103682"/>
+            <a:off x="523546" y="1349670"/>
+            <a:ext cx="7886700" cy="4585555"/>
           </a:xfrm>
         </p:spPr>
         <p:txBody>
@@ -10624,87 +10484,78 @@
           <a:lstStyle/>
           <a:p>
             <a:r>
-              <a:rPr lang="en-US" dirty="0"/>
-              <a:t>Information models for the application layer</a:t>
+              <a:rPr lang="en-US" sz="2400" dirty="0"/>
+              <a:t>Continue to work on Binary Switch as a good test case</a:t>
+            </a:r>
+          </a:p>
+          <a:p>
+            <a:r>
+              <a:rPr lang="en-US" sz="2400" dirty="0"/>
+              <a:t>Understand our first output is provisional</a:t>
+            </a:r>
+          </a:p>
+          <a:p>
+            <a:r>
+              <a:rPr lang="en-US" sz="2400" dirty="0"/>
+              <a:t>What we adopt can be simple to start with</a:t>
+            </a:r>
+          </a:p>
+          <a:p>
+            <a:r>
+              <a:rPr lang="en-US" sz="2400" dirty="0"/>
+              <a:t>Make the features modular so objects can be constructed</a:t>
+            </a:r>
+          </a:p>
+          <a:p>
+            <a:r>
+              <a:rPr lang="en-US" sz="2400" dirty="0"/>
+              <a:t>Make provisional models that are easy to use in ecosystems</a:t>
+            </a:r>
+          </a:p>
+          <a:p>
+            <a:r>
+              <a:rPr lang="en-US" sz="2400" dirty="0"/>
+              <a:t>Add sensor models into the provisional cycle, work on more than one set at a time</a:t>
+            </a:r>
+          </a:p>
+          <a:p>
+            <a:r>
+              <a:rPr lang="en-US" sz="2400" dirty="0"/>
+              <a:t>KANBAN vs. PRs and labels for state tracking</a:t>
             </a:r>
           </a:p>
           <a:p>
             <a:pPr lvl="1"/>
             <a:r>
-              <a:rPr lang="en-US" dirty="0"/>
-              <a:t>Semantically defined interaction affordances</a:t>
-            </a:r>
-          </a:p>
-          <a:p>
-            <a:r>
-              <a:rPr lang="en-US" dirty="0"/>
-              <a:t>SDF is Designed for models vs. instances</a:t>
-            </a:r>
+              <a:rPr lang="en-US" sz="2000" dirty="0"/>
+              <a:t>Experiment to evaluate the state tracking using projects/</a:t>
+            </a:r>
+            <a:r>
+              <a:rPr lang="en-US" sz="2000" dirty="0" err="1"/>
+              <a:t>kanban</a:t>
+            </a:r>
+            <a:endParaRPr lang="en-US" sz="2000" dirty="0"/>
           </a:p>
           <a:p>
             <a:pPr lvl="1"/>
             <a:r>
-              <a:rPr lang="en-US" dirty="0"/>
-              <a:t>Managed URIs point to concepts vs. entry points</a:t>
+              <a:rPr lang="en-US" sz="2000" dirty="0"/>
+              <a:t>There is a </a:t>
+            </a:r>
+            <a:r>
+              <a:rPr lang="en-US" sz="2000" dirty="0" err="1"/>
+              <a:t>github</a:t>
+            </a:r>
+            <a:r>
+              <a:rPr lang="en-US" sz="2000" dirty="0"/>
+              <a:t> marketplace entry "add-label"</a:t>
             </a:r>
           </a:p>
           <a:p>
             <a:pPr lvl="1"/>
             <a:r>
-              <a:rPr lang="en-US" dirty="0"/>
-              <a:t>Schema driven with object-property style ontology</a:t>
-            </a:r>
-          </a:p>
-          <a:p>
-            <a:pPr lvl="1"/>
-            <a:r>
-              <a:rPr lang="en-US" dirty="0"/>
-              <a:t>Uses external protocol binding</a:t>
-            </a:r>
-          </a:p>
-          <a:p>
-            <a:pPr lvl="1"/>
-            <a:r>
-              <a:rPr lang="en-US" dirty="0"/>
-              <a:t>Data item constraints vs. fixed data schemas</a:t>
-            </a:r>
-          </a:p>
-          <a:p>
-            <a:r>
-              <a:rPr lang="en-US" dirty="0" err="1"/>
-              <a:t>OneDM</a:t>
-            </a:r>
-            <a:r>
-              <a:rPr lang="en-US" dirty="0"/>
-              <a:t> is a Multi-standard collaboration</a:t>
-            </a:r>
-          </a:p>
-          <a:p>
-            <a:pPr lvl="1"/>
-            <a:r>
-              <a:rPr lang="en-US" dirty="0"/>
-              <a:t>Common best practices</a:t>
-            </a:r>
-          </a:p>
-          <a:p>
-            <a:pPr lvl="1"/>
-            <a:r>
-              <a:rPr lang="en-US" dirty="0"/>
-              <a:t>Use case categorization</a:t>
-            </a:r>
-          </a:p>
-          <a:p>
-            <a:pPr lvl="1"/>
-            <a:r>
-              <a:rPr lang="en-US" dirty="0"/>
-              <a:t>Multi-source content</a:t>
-            </a:r>
-          </a:p>
-          <a:p>
-            <a:pPr lvl="1"/>
-            <a:r>
-              <a:rPr lang="en-US" dirty="0"/>
-              <a:t>Managed namespaces </a:t>
+              <a:rPr lang="en-US" sz="2000" dirty="0"/>
+              <a:t>Meeting Friday pm and resolution on Monday</a:t>
             </a:r>
           </a:p>
         </p:txBody>
@@ -10712,7 +10563,7 @@
     </p:spTree>
     <p:extLst>
       <p:ext uri="{BB962C8B-B14F-4D97-AF65-F5344CB8AC3E}">
-        <p14:creationId xmlns:p14="http://schemas.microsoft.com/office/powerpoint/2010/main" val="1389393048"/>
+        <p14:creationId xmlns:p14="http://schemas.microsoft.com/office/powerpoint/2010/main" val="3371818391"/>
       </p:ext>
     </p:extLst>
   </p:cSld>
@@ -10744,7 +10595,7 @@
           <p:cNvPr id="2" name="Title 1">
             <a:extLst>
               <a:ext uri="{FF2B5EF4-FFF2-40B4-BE49-F238E27FC236}">
-                <a16:creationId xmlns:a16="http://schemas.microsoft.com/office/drawing/2014/main" id="{9C172BB1-C4E0-8042-8DA5-CC94AB8F17CC}"/>
+                <a16:creationId xmlns:a16="http://schemas.microsoft.com/office/drawing/2014/main" id="{0F2D3C77-3BB8-2A4D-A5A2-FD6BC9F54DEF}"/>
               </a:ext>
             </a:extLst>
           </p:cNvPr>
@@ -10755,19 +10606,14 @@
             <p:ph type="title"/>
           </p:nvPr>
         </p:nvSpPr>
-        <p:spPr>
-          <a:xfrm>
-            <a:off x="1211620" y="186451"/>
-            <a:ext cx="7293219" cy="1006474"/>
-          </a:xfrm>
-        </p:spPr>
-        <p:txBody>
-          <a:bodyPr/>
-          <a:lstStyle/>
-          <a:p>
-            <a:r>
-              <a:rPr lang="en-US" dirty="0"/>
-              <a:t>ASDF Requirements</a:t>
+        <p:spPr/>
+        <p:txBody>
+          <a:bodyPr/>
+          <a:lstStyle/>
+          <a:p>
+            <a:r>
+              <a:rPr lang="en-US" dirty="0"/>
+              <a:t>Chat log 10/4</a:t>
             </a:r>
           </a:p>
         </p:txBody>
@@ -10777,7 +10623,7 @@
           <p:cNvPr id="3" name="Content Placeholder 2">
             <a:extLst>
               <a:ext uri="{FF2B5EF4-FFF2-40B4-BE49-F238E27FC236}">
-                <a16:creationId xmlns:a16="http://schemas.microsoft.com/office/drawing/2014/main" id="{2DF12A16-DF50-4E4A-A136-16EC823D4E62}"/>
+                <a16:creationId xmlns:a16="http://schemas.microsoft.com/office/drawing/2014/main" id="{B5A9A1CA-8052-A741-8F43-8D25C42256D0}"/>
               </a:ext>
             </a:extLst>
           </p:cNvPr>
@@ -10788,107 +10634,213 @@
             <p:ph idx="1"/>
           </p:nvPr>
         </p:nvSpPr>
-        <p:spPr>
-          <a:xfrm>
-            <a:off x="492016" y="1192925"/>
-            <a:ext cx="8179020" cy="4585555"/>
-          </a:xfrm>
-        </p:spPr>
-        <p:txBody>
-          <a:bodyPr/>
-          <a:lstStyle/>
-          <a:p>
-            <a:r>
-              <a:rPr lang="en-US" dirty="0"/>
-              <a:t>1</a:t>
-            </a:r>
-            <a:r>
-              <a:rPr lang="en-US" baseline="30000" dirty="0"/>
-              <a:t>st</a:t>
-            </a:r>
-            <a:r>
-              <a:rPr lang="en-US" dirty="0"/>
-              <a:t> RFC content for usable specification – current draft plus editorial work (2d+)</a:t>
-            </a:r>
-          </a:p>
-          <a:p>
-            <a:pPr lvl="1"/>
-            <a:r>
-              <a:rPr lang="en-US" dirty="0"/>
-              <a:t>Meeting at IETF 112 </a:t>
-            </a:r>
-          </a:p>
-          <a:p>
-            <a:pPr lvl="1"/>
-            <a:r>
-              <a:rPr lang="en-US" dirty="0"/>
-              <a:t>Design team meeting before, to review current ID and structure the new document work – reuse </a:t>
-            </a:r>
-            <a:r>
-              <a:rPr lang="en-US" dirty="0" err="1"/>
-              <a:t>OneDM</a:t>
-            </a:r>
-            <a:r>
-              <a:rPr lang="en-US" dirty="0"/>
-              <a:t> slot early October</a:t>
-            </a:r>
-          </a:p>
-          <a:p>
-            <a:r>
-              <a:rPr lang="en-US" dirty="0"/>
-              <a:t>Document: Mapping file, mapping patterns, custom vocabulary</a:t>
-            </a:r>
-          </a:p>
-          <a:p>
-            <a:pPr lvl="1"/>
-            <a:r>
-              <a:rPr lang="en-US" dirty="0"/>
-              <a:t>Value transform, range and offset, units, categorical equivalence </a:t>
-            </a:r>
-          </a:p>
-          <a:p>
-            <a:r>
-              <a:rPr lang="en-US" dirty="0"/>
-              <a:t>Relational typed links as qualities of an element</a:t>
-            </a:r>
-          </a:p>
-          <a:p>
-            <a:pPr lvl="1"/>
-            <a:r>
-              <a:rPr lang="en-US" dirty="0"/>
-              <a:t>Any URI target + relation type + target attributes</a:t>
-            </a:r>
-          </a:p>
-          <a:p>
-            <a:r>
-              <a:rPr lang="en-US" dirty="0"/>
-              <a:t>Application Link: pointer data type as property or I/O</a:t>
-            </a:r>
-          </a:p>
-          <a:p>
-            <a:pPr lvl="1"/>
-            <a:r>
-              <a:rPr lang="en-US" dirty="0" err="1"/>
-              <a:t>sdfPointer</a:t>
-            </a:r>
-            <a:r>
-              <a:rPr lang="en-US" dirty="0"/>
-              <a:t> can be a place holder for protocol specific links</a:t>
-            </a:r>
-          </a:p>
-          <a:p>
-            <a:pPr lvl="1"/>
-            <a:r>
-              <a:rPr lang="en-US" dirty="0"/>
-              <a:t>Application link with additional relations, to specialize an application link using typed links, e.g. to constrain what an application link can point to</a:t>
-            </a:r>
+        <p:spPr/>
+        <p:txBody>
+          <a:bodyPr/>
+          <a:lstStyle/>
+          <a:p>
+            <a:pPr marL="0" indent="0">
+              <a:buNone/>
+            </a:pPr>
+            <a:r>
+              <a:rPr lang="en-US" sz="1200" dirty="0"/>
+              <a:t>From Ari </a:t>
+            </a:r>
+            <a:r>
+              <a:rPr lang="en-US" sz="1200" dirty="0" err="1"/>
+              <a:t>Keränen</a:t>
+            </a:r>
+            <a:r>
+              <a:rPr lang="en-US" sz="1200" dirty="0"/>
+              <a:t> to Everyone:    8:05  AM</a:t>
+            </a:r>
+          </a:p>
+          <a:p>
+            <a:pPr marL="0" indent="0">
+              <a:buNone/>
+            </a:pPr>
+            <a:r>
+              <a:rPr lang="en-US" sz="1200" dirty="0">
+                <a:hlinkClick r:id="rId2"/>
+              </a:rPr>
+              <a:t>https://github.com/t2trg/wishi/wiki/Agenda-items#wishi-online-meeting</a:t>
+            </a:r>
+            <a:endParaRPr lang="en-US" sz="1200" dirty="0"/>
+          </a:p>
+          <a:p>
+            <a:pPr marL="0" indent="0">
+              <a:buNone/>
+            </a:pPr>
+            <a:r>
+              <a:rPr lang="en-US" sz="1200" dirty="0"/>
+              <a:t>from Ari </a:t>
+            </a:r>
+            <a:r>
+              <a:rPr lang="en-US" sz="1200" dirty="0" err="1"/>
+              <a:t>Keränen</a:t>
+            </a:r>
+            <a:r>
+              <a:rPr lang="en-US" sz="1200" dirty="0"/>
+              <a:t> to Everyone:    8:19  AM</a:t>
+            </a:r>
+          </a:p>
+          <a:p>
+            <a:pPr marL="0" indent="0">
+              <a:buNone/>
+            </a:pPr>
+            <a:r>
+              <a:rPr lang="en-US" sz="1200" dirty="0"/>
+              <a:t>DTDL has semantic types: </a:t>
+            </a:r>
+            <a:r>
+              <a:rPr lang="en-US" sz="1200" dirty="0">
+                <a:hlinkClick r:id="rId3"/>
+              </a:rPr>
+              <a:t>https://github.com/Azure/opendigitaltwins-dtdl/blob/master/DTDL/v2/dtdlv2.md#semantic-types</a:t>
+            </a:r>
+            <a:endParaRPr lang="en-US" sz="1200" dirty="0"/>
+          </a:p>
+          <a:p>
+            <a:pPr marL="0" indent="0">
+              <a:buNone/>
+            </a:pPr>
+            <a:r>
+              <a:rPr lang="en-US" sz="1200" dirty="0"/>
+              <a:t>from Klaus Hartke to Everyone:    8:20  AM</a:t>
+            </a:r>
+          </a:p>
+          <a:p>
+            <a:pPr marL="0" indent="0">
+              <a:buNone/>
+            </a:pPr>
+            <a:r>
+              <a:rPr lang="en-US" sz="1200" dirty="0"/>
+              <a:t>Thanks, Ari! That's exactly what I had in mind.</a:t>
+            </a:r>
+          </a:p>
+          <a:p>
+            <a:pPr marL="0" indent="0">
+              <a:buNone/>
+            </a:pPr>
+            <a:r>
+              <a:rPr lang="en-US" sz="1200" dirty="0"/>
+              <a:t>from Ari </a:t>
+            </a:r>
+            <a:r>
+              <a:rPr lang="en-US" sz="1200" dirty="0" err="1"/>
+              <a:t>Keränen</a:t>
+            </a:r>
+            <a:r>
+              <a:rPr lang="en-US" sz="1200" dirty="0"/>
+              <a:t> to Everyone:    8:27  AM</a:t>
+            </a:r>
+          </a:p>
+          <a:p>
+            <a:pPr marL="0" indent="0">
+              <a:buNone/>
+            </a:pPr>
+            <a:r>
+              <a:rPr lang="en-US" sz="1200" dirty="0"/>
+              <a:t>And here's partial mapping from </a:t>
+            </a:r>
+            <a:r>
+              <a:rPr lang="en-US" sz="1200" dirty="0" err="1"/>
+              <a:t>SenML</a:t>
+            </a:r>
+            <a:r>
+              <a:rPr lang="en-US" sz="1200" dirty="0"/>
+              <a:t> units to DTDL units and semantic types: </a:t>
+            </a:r>
+            <a:r>
+              <a:rPr lang="en-US" sz="1200" dirty="0">
+                <a:hlinkClick r:id="rId4"/>
+              </a:rPr>
+              <a:t>https://github.com/t2trg/wishi/blob/master/examples/sdf-dtdl/sdf-dtdl-unitmap.json</a:t>
+            </a:r>
+            <a:endParaRPr lang="en-US" sz="1200" dirty="0"/>
+          </a:p>
+          <a:p>
+            <a:pPr marL="0" indent="0">
+              <a:buNone/>
+            </a:pPr>
+            <a:r>
+              <a:rPr lang="en-US" sz="1200" dirty="0"/>
+              <a:t>from Ari </a:t>
+            </a:r>
+            <a:r>
+              <a:rPr lang="en-US" sz="1200" dirty="0" err="1"/>
+              <a:t>Keränen</a:t>
+            </a:r>
+            <a:r>
+              <a:rPr lang="en-US" sz="1200" dirty="0"/>
+              <a:t> to Everyone:    8:37  AM</a:t>
+            </a:r>
+          </a:p>
+          <a:p>
+            <a:pPr marL="0" indent="0">
+              <a:buNone/>
+            </a:pPr>
+            <a:r>
+              <a:rPr lang="en-US" sz="1200" dirty="0"/>
+              <a:t>Summary:</a:t>
+            </a:r>
+          </a:p>
+          <a:p>
+            <a:pPr marL="0" indent="0">
+              <a:buNone/>
+            </a:pPr>
+            <a:r>
+              <a:rPr lang="en-US" sz="1200" dirty="0"/>
+              <a:t>from Ari </a:t>
+            </a:r>
+            <a:r>
+              <a:rPr lang="en-US" sz="1200" dirty="0" err="1"/>
+              <a:t>Keränen</a:t>
+            </a:r>
+            <a:r>
+              <a:rPr lang="en-US" sz="1200" dirty="0"/>
+              <a:t> to Everyone:    8:38  AM</a:t>
+            </a:r>
+          </a:p>
+          <a:p>
+            <a:pPr marL="0" indent="0">
+              <a:buNone/>
+            </a:pPr>
+            <a:r>
+              <a:rPr lang="en-US" sz="1200" dirty="0"/>
+              <a:t>Could remove: promoter, branch created. SDF verification and License check could be handled by CI. Submission date when same as PR date could be omitted. Board could have just "Board conclusions".</a:t>
+            </a:r>
+          </a:p>
+          <a:p>
+            <a:pPr marL="0" indent="0">
+              <a:buNone/>
+            </a:pPr>
+            <a:r>
+              <a:rPr lang="en-US" sz="1200" dirty="0"/>
+              <a:t>from OCF Staff to Everyone:    9:00  AM</a:t>
+            </a:r>
+          </a:p>
+          <a:p>
+            <a:pPr marL="0" indent="0">
+              <a:buNone/>
+            </a:pPr>
+            <a:r>
+              <a:rPr lang="en-US" sz="1200" dirty="0">
+                <a:hlinkClick r:id="rId5"/>
+              </a:rPr>
+              <a:t>https://github.com/marketplace/auto-add-label</a:t>
+            </a:r>
+            <a:endParaRPr lang="en-US" sz="1200" dirty="0"/>
+          </a:p>
+          <a:p>
+            <a:endParaRPr lang="en-US" dirty="0"/>
           </a:p>
         </p:txBody>
       </p:sp>
     </p:spTree>
     <p:extLst>
       <p:ext uri="{BB962C8B-B14F-4D97-AF65-F5344CB8AC3E}">
-        <p14:creationId xmlns:p14="http://schemas.microsoft.com/office/powerpoint/2010/main" val="2917907532"/>
+        <p14:creationId xmlns:p14="http://schemas.microsoft.com/office/powerpoint/2010/main" val="704916917"/>
       </p:ext>
     </p:extLst>
   </p:cSld>
@@ -10920,7 +10872,7 @@
           <p:cNvPr id="2" name="Title 1">
             <a:extLst>
               <a:ext uri="{FF2B5EF4-FFF2-40B4-BE49-F238E27FC236}">
-                <a16:creationId xmlns:a16="http://schemas.microsoft.com/office/drawing/2014/main" id="{A3A36315-C1C9-4949-9CFF-61E343C5A034}"/>
+                <a16:creationId xmlns:a16="http://schemas.microsoft.com/office/drawing/2014/main" id="{C3D2AAFA-F94B-9248-857E-358AAA0F2887}"/>
               </a:ext>
             </a:extLst>
           </p:cNvPr>
@@ -10931,627 +10883,143 @@
             <p:ph type="title"/>
           </p:nvPr>
         </p:nvSpPr>
-        <p:spPr/>
-        <p:txBody>
-          <a:bodyPr>
-            <a:normAutofit fontScale="90000"/>
-          </a:bodyPr>
-          <a:lstStyle/>
-          <a:p>
-            <a:r>
-              <a:rPr lang="en-US" dirty="0"/>
-              <a:t>Example Application Link with Relational Constraint  </a:t>
-            </a:r>
-          </a:p>
-        </p:txBody>
-      </p:sp>
-      <p:sp>
-        <p:nvSpPr>
-          <p:cNvPr id="4" name="Rectangle 3">
+        <p:spPr>
+          <a:xfrm>
+            <a:off x="1316723" y="81347"/>
+            <a:ext cx="7293219" cy="1006474"/>
+          </a:xfrm>
+        </p:spPr>
+        <p:txBody>
+          <a:bodyPr/>
+          <a:lstStyle/>
+          <a:p>
+            <a:r>
+              <a:rPr lang="en-US" dirty="0" err="1"/>
+              <a:t>OneDM</a:t>
+            </a:r>
+            <a:r>
+              <a:rPr lang="en-US" dirty="0"/>
+              <a:t>/SDF Differences</a:t>
+            </a:r>
+          </a:p>
+        </p:txBody>
+      </p:sp>
+      <p:sp>
+        <p:nvSpPr>
+          <p:cNvPr id="3" name="Content Placeholder 2">
             <a:extLst>
               <a:ext uri="{FF2B5EF4-FFF2-40B4-BE49-F238E27FC236}">
-                <a16:creationId xmlns:a16="http://schemas.microsoft.com/office/drawing/2014/main" id="{7C4B5CEC-3F40-F04C-B006-57CFB72E9E04}"/>
+                <a16:creationId xmlns:a16="http://schemas.microsoft.com/office/drawing/2014/main" id="{390B112C-303D-6B47-BD7F-C48CBBD912D2}"/>
               </a:ext>
             </a:extLst>
           </p:cNvPr>
-          <p:cNvSpPr/>
-          <p:nvPr/>
+          <p:cNvSpPr>
+            <a:spLocks noGrp="1"/>
+          </p:cNvSpPr>
+          <p:nvPr>
+            <p:ph idx="1"/>
+          </p:nvPr>
         </p:nvSpPr>
         <p:spPr>
           <a:xfrm>
-            <a:off x="1096006" y="2060901"/>
-            <a:ext cx="7070532" cy="3970318"/>
+            <a:off x="828346" y="1177159"/>
+            <a:ext cx="7886700" cy="5103682"/>
           </a:xfrm>
-          <a:prstGeom prst="rect">
-            <a:avLst/>
-          </a:prstGeom>
         </p:spPr>
         <p:txBody>
-          <a:bodyPr wrap="square">
-            <a:spAutoFit/>
-          </a:bodyPr>
-          <a:lstStyle/>
-          <a:p>
-            <a:r>
-              <a:rPr lang="en-US" dirty="0" err="1">
-                <a:solidFill>
-                  <a:srgbClr val="569CD6"/>
-                </a:solidFill>
-                <a:latin typeface="Menlo" panose="020B0609030804020204" pitchFamily="49" charset="0"/>
-              </a:rPr>
-              <a:t>sdfProperty</a:t>
-            </a:r>
-            <a:r>
-              <a:rPr lang="en-US" dirty="0">
-                <a:solidFill>
-                  <a:srgbClr val="D4D4D4"/>
-                </a:solidFill>
-                <a:latin typeface="Menlo" panose="020B0609030804020204" pitchFamily="49" charset="0"/>
-              </a:rPr>
-              <a:t>:</a:t>
-            </a:r>
-          </a:p>
-          <a:p>
-            <a:r>
-              <a:rPr lang="en-US" dirty="0">
-                <a:solidFill>
-                  <a:srgbClr val="569CD6"/>
-                </a:solidFill>
-                <a:latin typeface="Menlo" panose="020B0609030804020204" pitchFamily="49" charset="0"/>
-              </a:rPr>
-              <a:t>  </a:t>
-            </a:r>
-            <a:r>
-              <a:rPr lang="en-US" dirty="0" err="1">
-                <a:solidFill>
-                  <a:srgbClr val="569CD6"/>
-                </a:solidFill>
-                <a:latin typeface="Menlo" panose="020B0609030804020204" pitchFamily="49" charset="0"/>
-              </a:rPr>
-              <a:t>InputLink</a:t>
-            </a:r>
-            <a:r>
-              <a:rPr lang="en-US" dirty="0">
-                <a:solidFill>
-                  <a:srgbClr val="D4D4D4"/>
-                </a:solidFill>
-                <a:latin typeface="Menlo" panose="020B0609030804020204" pitchFamily="49" charset="0"/>
-              </a:rPr>
-              <a:t>:</a:t>
-            </a:r>
-          </a:p>
-          <a:p>
-            <a:r>
-              <a:rPr lang="en-US" dirty="0">
-                <a:solidFill>
-                  <a:srgbClr val="569CD6"/>
-                </a:solidFill>
-                <a:latin typeface="Menlo" panose="020B0609030804020204" pitchFamily="49" charset="0"/>
-              </a:rPr>
-              <a:t>    description</a:t>
-            </a:r>
-            <a:r>
-              <a:rPr lang="en-US" dirty="0">
-                <a:solidFill>
-                  <a:srgbClr val="D4D4D4"/>
-                </a:solidFill>
-                <a:latin typeface="Menlo" panose="020B0609030804020204" pitchFamily="49" charset="0"/>
-              </a:rPr>
-              <a:t>: </a:t>
-            </a:r>
-            <a:r>
-              <a:rPr lang="en-US" dirty="0">
-                <a:solidFill>
-                  <a:srgbClr val="CE9178"/>
-                </a:solidFill>
-                <a:latin typeface="Menlo" panose="020B0609030804020204" pitchFamily="49" charset="0"/>
-              </a:rPr>
-              <a:t>pointer to the Input object </a:t>
-            </a:r>
-          </a:p>
-          <a:p>
-            <a:r>
-              <a:rPr lang="en-US" dirty="0">
-                <a:solidFill>
-                  <a:srgbClr val="569CD6"/>
-                </a:solidFill>
-                <a:latin typeface="Menlo" panose="020B0609030804020204" pitchFamily="49" charset="0"/>
-              </a:rPr>
-              <a:t>    </a:t>
-            </a:r>
-            <a:r>
-              <a:rPr lang="en-US" dirty="0" err="1">
-                <a:solidFill>
-                  <a:srgbClr val="569CD6"/>
-                </a:solidFill>
-                <a:latin typeface="Menlo" panose="020B0609030804020204" pitchFamily="49" charset="0"/>
-              </a:rPr>
-              <a:t>sdfRef</a:t>
-            </a:r>
-            <a:r>
-              <a:rPr lang="en-US" dirty="0">
-                <a:solidFill>
-                  <a:srgbClr val="D4D4D4"/>
-                </a:solidFill>
-                <a:latin typeface="Menlo" panose="020B0609030804020204" pitchFamily="49" charset="0"/>
-              </a:rPr>
-              <a:t>: </a:t>
-            </a:r>
-            <a:r>
-              <a:rPr lang="en-US" dirty="0">
-                <a:solidFill>
-                  <a:srgbClr val="CE9178"/>
-                </a:solidFill>
-                <a:latin typeface="Menlo" panose="020B0609030804020204" pitchFamily="49" charset="0"/>
-              </a:rPr>
-              <a:t>/#/</a:t>
-            </a:r>
-            <a:r>
-              <a:rPr lang="en-US" dirty="0" err="1">
-                <a:solidFill>
-                  <a:srgbClr val="CE9178"/>
-                </a:solidFill>
-                <a:latin typeface="Menlo" panose="020B0609030804020204" pitchFamily="49" charset="0"/>
-              </a:rPr>
-              <a:t>sdfData</a:t>
-            </a:r>
-            <a:r>
-              <a:rPr lang="en-US" dirty="0">
-                <a:solidFill>
-                  <a:srgbClr val="CE9178"/>
-                </a:solidFill>
-                <a:latin typeface="Menlo" panose="020B0609030804020204" pitchFamily="49" charset="0"/>
-              </a:rPr>
-              <a:t>/</a:t>
-            </a:r>
-            <a:r>
-              <a:rPr lang="en-US" dirty="0" err="1">
-                <a:solidFill>
-                  <a:srgbClr val="CE9178"/>
-                </a:solidFill>
-                <a:latin typeface="Menlo" panose="020B0609030804020204" pitchFamily="49" charset="0"/>
-              </a:rPr>
-              <a:t>SdfPointer</a:t>
-            </a:r>
-            <a:endParaRPr lang="en-US" dirty="0">
-              <a:solidFill>
-                <a:srgbClr val="D4D4D4"/>
-              </a:solidFill>
-              <a:latin typeface="Menlo" panose="020B0609030804020204" pitchFamily="49" charset="0"/>
-            </a:endParaRPr>
-          </a:p>
-          <a:p>
-            <a:r>
-              <a:rPr lang="en-US" dirty="0">
-                <a:solidFill>
-                  <a:srgbClr val="569CD6"/>
-                </a:solidFill>
-                <a:latin typeface="Menlo" panose="020B0609030804020204" pitchFamily="49" charset="0"/>
-              </a:rPr>
-              <a:t>    </a:t>
-            </a:r>
-            <a:r>
-              <a:rPr lang="en-US" dirty="0" err="1">
-                <a:solidFill>
-                  <a:srgbClr val="569CD6"/>
-                </a:solidFill>
-                <a:latin typeface="Menlo" panose="020B0609030804020204" pitchFamily="49" charset="0"/>
-              </a:rPr>
-              <a:t>sdfRelation</a:t>
-            </a:r>
-            <a:r>
-              <a:rPr lang="en-US" dirty="0">
-                <a:solidFill>
-                  <a:srgbClr val="D4D4D4"/>
-                </a:solidFill>
-                <a:latin typeface="Menlo" panose="020B0609030804020204" pitchFamily="49" charset="0"/>
-              </a:rPr>
-              <a:t>:</a:t>
-            </a:r>
-          </a:p>
-          <a:p>
-            <a:r>
-              <a:rPr lang="en-US" dirty="0">
-                <a:solidFill>
-                  <a:srgbClr val="D4D4D4"/>
-                </a:solidFill>
-                <a:latin typeface="Menlo" panose="020B0609030804020204" pitchFamily="49" charset="0"/>
-              </a:rPr>
-              <a:t>      - </a:t>
-            </a:r>
-            <a:r>
-              <a:rPr lang="en-US" dirty="0" err="1">
-                <a:solidFill>
-                  <a:srgbClr val="569CD6"/>
-                </a:solidFill>
-                <a:latin typeface="Menlo" panose="020B0609030804020204" pitchFamily="49" charset="0"/>
-              </a:rPr>
-              <a:t>rel</a:t>
-            </a:r>
-            <a:r>
-              <a:rPr lang="en-US" dirty="0">
-                <a:solidFill>
-                  <a:srgbClr val="D4D4D4"/>
-                </a:solidFill>
-                <a:latin typeface="Menlo" panose="020B0609030804020204" pitchFamily="49" charset="0"/>
-              </a:rPr>
-              <a:t>: </a:t>
-            </a:r>
-            <a:r>
-              <a:rPr lang="en-US" dirty="0" err="1">
-                <a:solidFill>
-                  <a:srgbClr val="CE9178"/>
-                </a:solidFill>
-                <a:latin typeface="Menlo" panose="020B0609030804020204" pitchFamily="49" charset="0"/>
-              </a:rPr>
-              <a:t>AllowedType</a:t>
-            </a:r>
-            <a:endParaRPr lang="en-US" dirty="0">
-              <a:solidFill>
-                <a:srgbClr val="D4D4D4"/>
-              </a:solidFill>
-              <a:latin typeface="Menlo" panose="020B0609030804020204" pitchFamily="49" charset="0"/>
-            </a:endParaRPr>
-          </a:p>
-          <a:p>
-            <a:r>
-              <a:rPr lang="en-US" dirty="0">
-                <a:solidFill>
-                  <a:srgbClr val="569CD6"/>
-                </a:solidFill>
-                <a:latin typeface="Menlo" panose="020B0609030804020204" pitchFamily="49" charset="0"/>
-              </a:rPr>
-              <a:t>        target</a:t>
-            </a:r>
-            <a:r>
-              <a:rPr lang="en-US" dirty="0">
-                <a:solidFill>
-                  <a:srgbClr val="D4D4D4"/>
-                </a:solidFill>
-                <a:latin typeface="Menlo" panose="020B0609030804020204" pitchFamily="49" charset="0"/>
-              </a:rPr>
-              <a:t>: </a:t>
-            </a:r>
-            <a:r>
-              <a:rPr lang="en-US" dirty="0">
-                <a:solidFill>
-                  <a:srgbClr val="CE9178"/>
-                </a:solidFill>
-                <a:latin typeface="Menlo" panose="020B0609030804020204" pitchFamily="49" charset="0"/>
-              </a:rPr>
-              <a:t>/#/</a:t>
-            </a:r>
-            <a:r>
-              <a:rPr lang="en-US" dirty="0" err="1">
-                <a:solidFill>
-                  <a:srgbClr val="CE9178"/>
-                </a:solidFill>
-                <a:latin typeface="Menlo" panose="020B0609030804020204" pitchFamily="49" charset="0"/>
-              </a:rPr>
-              <a:t>sdfObject</a:t>
-            </a:r>
-            <a:r>
-              <a:rPr lang="en-US" dirty="0">
-                <a:solidFill>
-                  <a:srgbClr val="CE9178"/>
-                </a:solidFill>
-                <a:latin typeface="Menlo" panose="020B0609030804020204" pitchFamily="49" charset="0"/>
-              </a:rPr>
-              <a:t>/</a:t>
-            </a:r>
-            <a:r>
-              <a:rPr lang="en-US" dirty="0" err="1">
-                <a:solidFill>
-                  <a:srgbClr val="CE9178"/>
-                </a:solidFill>
-                <a:latin typeface="Menlo" panose="020B0609030804020204" pitchFamily="49" charset="0"/>
-              </a:rPr>
-              <a:t>AnalogInputObject</a:t>
-            </a:r>
-            <a:endParaRPr lang="en-US" dirty="0">
-              <a:solidFill>
-                <a:srgbClr val="CE9178"/>
-              </a:solidFill>
-              <a:latin typeface="Menlo" panose="020B0609030804020204" pitchFamily="49" charset="0"/>
-            </a:endParaRPr>
-          </a:p>
-          <a:p>
-            <a:r>
-              <a:rPr lang="en-US" dirty="0">
-                <a:solidFill>
-                  <a:srgbClr val="569CD6"/>
-                </a:solidFill>
-                <a:latin typeface="Menlo" panose="020B0609030804020204" pitchFamily="49" charset="0"/>
-              </a:rPr>
-              <a:t>  </a:t>
-            </a:r>
-            <a:r>
-              <a:rPr lang="en-US" dirty="0" err="1">
-                <a:solidFill>
-                  <a:srgbClr val="569CD6"/>
-                </a:solidFill>
-                <a:latin typeface="Menlo" panose="020B0609030804020204" pitchFamily="49" charset="0"/>
-              </a:rPr>
-              <a:t>SetpointLink</a:t>
-            </a:r>
-            <a:r>
-              <a:rPr lang="en-US" dirty="0">
-                <a:solidFill>
-                  <a:srgbClr val="D4D4D4"/>
-                </a:solidFill>
-                <a:latin typeface="Menlo" panose="020B0609030804020204" pitchFamily="49" charset="0"/>
-              </a:rPr>
-              <a:t>:</a:t>
-            </a:r>
-          </a:p>
-          <a:p>
-            <a:r>
-              <a:rPr lang="en-US" dirty="0">
-                <a:solidFill>
-                  <a:srgbClr val="569CD6"/>
-                </a:solidFill>
-                <a:latin typeface="Menlo" panose="020B0609030804020204" pitchFamily="49" charset="0"/>
-              </a:rPr>
-              <a:t>    description</a:t>
-            </a:r>
-            <a:r>
-              <a:rPr lang="en-US" dirty="0">
-                <a:solidFill>
-                  <a:srgbClr val="D4D4D4"/>
-                </a:solidFill>
-                <a:latin typeface="Menlo" panose="020B0609030804020204" pitchFamily="49" charset="0"/>
-              </a:rPr>
-              <a:t>: </a:t>
-            </a:r>
-            <a:r>
-              <a:rPr lang="en-US" dirty="0">
-                <a:solidFill>
-                  <a:srgbClr val="CE9178"/>
-                </a:solidFill>
-                <a:latin typeface="Menlo" panose="020B0609030804020204" pitchFamily="49" charset="0"/>
-              </a:rPr>
-              <a:t>pointer to the Setpoint object</a:t>
-            </a:r>
-          </a:p>
-          <a:p>
-            <a:r>
-              <a:rPr lang="en-US" dirty="0">
-                <a:solidFill>
-                  <a:srgbClr val="569CD6"/>
-                </a:solidFill>
-                <a:latin typeface="Menlo" panose="020B0609030804020204" pitchFamily="49" charset="0"/>
-              </a:rPr>
-              <a:t>    </a:t>
-            </a:r>
-            <a:r>
-              <a:rPr lang="en-US" dirty="0" err="1">
-                <a:solidFill>
-                  <a:srgbClr val="569CD6"/>
-                </a:solidFill>
-                <a:latin typeface="Menlo" panose="020B0609030804020204" pitchFamily="49" charset="0"/>
-              </a:rPr>
-              <a:t>sdfRef</a:t>
-            </a:r>
-            <a:r>
-              <a:rPr lang="en-US" dirty="0">
-                <a:solidFill>
-                  <a:srgbClr val="D4D4D4"/>
-                </a:solidFill>
-                <a:latin typeface="Menlo" panose="020B0609030804020204" pitchFamily="49" charset="0"/>
-              </a:rPr>
-              <a:t>: </a:t>
-            </a:r>
-            <a:r>
-              <a:rPr lang="en-US" dirty="0">
-                <a:solidFill>
-                  <a:srgbClr val="CE9178"/>
-                </a:solidFill>
-                <a:latin typeface="Menlo" panose="020B0609030804020204" pitchFamily="49" charset="0"/>
-              </a:rPr>
-              <a:t>/#/</a:t>
-            </a:r>
-            <a:r>
-              <a:rPr lang="en-US" dirty="0" err="1">
-                <a:solidFill>
-                  <a:srgbClr val="CE9178"/>
-                </a:solidFill>
-                <a:latin typeface="Menlo" panose="020B0609030804020204" pitchFamily="49" charset="0"/>
-              </a:rPr>
-              <a:t>sdfData</a:t>
-            </a:r>
-            <a:r>
-              <a:rPr lang="en-US" dirty="0">
-                <a:solidFill>
-                  <a:srgbClr val="CE9178"/>
-                </a:solidFill>
-                <a:latin typeface="Menlo" panose="020B0609030804020204" pitchFamily="49" charset="0"/>
-              </a:rPr>
-              <a:t>/</a:t>
-            </a:r>
-            <a:r>
-              <a:rPr lang="en-US" dirty="0" err="1">
-                <a:solidFill>
-                  <a:srgbClr val="CE9178"/>
-                </a:solidFill>
-                <a:latin typeface="Menlo" panose="020B0609030804020204" pitchFamily="49" charset="0"/>
-              </a:rPr>
-              <a:t>SdfPointer</a:t>
-            </a:r>
-            <a:endParaRPr lang="en-US" dirty="0">
-              <a:solidFill>
-                <a:srgbClr val="D4D4D4"/>
-              </a:solidFill>
-              <a:latin typeface="Menlo" panose="020B0609030804020204" pitchFamily="49" charset="0"/>
-            </a:endParaRPr>
-          </a:p>
-          <a:p>
-            <a:r>
-              <a:rPr lang="en-US" dirty="0">
-                <a:solidFill>
-                  <a:srgbClr val="569CD6"/>
-                </a:solidFill>
-                <a:latin typeface="Menlo" panose="020B0609030804020204" pitchFamily="49" charset="0"/>
-              </a:rPr>
-              <a:t>    </a:t>
-            </a:r>
-            <a:r>
-              <a:rPr lang="en-US" dirty="0" err="1">
-                <a:solidFill>
-                  <a:srgbClr val="569CD6"/>
-                </a:solidFill>
-                <a:latin typeface="Menlo" panose="020B0609030804020204" pitchFamily="49" charset="0"/>
-              </a:rPr>
-              <a:t>sdfRelation</a:t>
-            </a:r>
-            <a:r>
-              <a:rPr lang="en-US" dirty="0">
-                <a:solidFill>
-                  <a:srgbClr val="D4D4D4"/>
-                </a:solidFill>
-                <a:latin typeface="Menlo" panose="020B0609030804020204" pitchFamily="49" charset="0"/>
-              </a:rPr>
-              <a:t>:</a:t>
-            </a:r>
-          </a:p>
-          <a:p>
-            <a:r>
-              <a:rPr lang="en-US" dirty="0">
-                <a:solidFill>
-                  <a:srgbClr val="D4D4D4"/>
-                </a:solidFill>
-                <a:latin typeface="Menlo" panose="020B0609030804020204" pitchFamily="49" charset="0"/>
-              </a:rPr>
-              <a:t>      - </a:t>
-            </a:r>
-            <a:r>
-              <a:rPr lang="en-US" dirty="0" err="1">
-                <a:solidFill>
-                  <a:srgbClr val="569CD6"/>
-                </a:solidFill>
-                <a:latin typeface="Menlo" panose="020B0609030804020204" pitchFamily="49" charset="0"/>
-              </a:rPr>
-              <a:t>rel</a:t>
-            </a:r>
-            <a:r>
-              <a:rPr lang="en-US" dirty="0">
-                <a:solidFill>
-                  <a:srgbClr val="D4D4D4"/>
-                </a:solidFill>
-                <a:latin typeface="Menlo" panose="020B0609030804020204" pitchFamily="49" charset="0"/>
-              </a:rPr>
-              <a:t>: </a:t>
-            </a:r>
-            <a:r>
-              <a:rPr lang="en-US" dirty="0" err="1">
-                <a:solidFill>
-                  <a:srgbClr val="CE9178"/>
-                </a:solidFill>
-                <a:latin typeface="Menlo" panose="020B0609030804020204" pitchFamily="49" charset="0"/>
-              </a:rPr>
-              <a:t>AllowedType</a:t>
-            </a:r>
-            <a:endParaRPr lang="en-US" dirty="0">
-              <a:solidFill>
-                <a:srgbClr val="D4D4D4"/>
-              </a:solidFill>
-              <a:latin typeface="Menlo" panose="020B0609030804020204" pitchFamily="49" charset="0"/>
-            </a:endParaRPr>
-          </a:p>
-          <a:p>
-            <a:r>
-              <a:rPr lang="en-US" dirty="0">
-                <a:solidFill>
-                  <a:srgbClr val="569CD6"/>
-                </a:solidFill>
-                <a:latin typeface="Menlo" panose="020B0609030804020204" pitchFamily="49" charset="0"/>
-              </a:rPr>
-              <a:t>        target</a:t>
-            </a:r>
-            <a:r>
-              <a:rPr lang="en-US" dirty="0">
-                <a:solidFill>
-                  <a:srgbClr val="D4D4D4"/>
-                </a:solidFill>
-                <a:latin typeface="Menlo" panose="020B0609030804020204" pitchFamily="49" charset="0"/>
-              </a:rPr>
-              <a:t>: </a:t>
-            </a:r>
-            <a:r>
-              <a:rPr lang="en-US" dirty="0">
-                <a:solidFill>
-                  <a:srgbClr val="CE9178"/>
-                </a:solidFill>
-                <a:latin typeface="Menlo" panose="020B0609030804020204" pitchFamily="49" charset="0"/>
-              </a:rPr>
-              <a:t>/#/</a:t>
-            </a:r>
-            <a:r>
-              <a:rPr lang="en-US" dirty="0" err="1">
-                <a:solidFill>
-                  <a:srgbClr val="CE9178"/>
-                </a:solidFill>
-                <a:latin typeface="Menlo" panose="020B0609030804020204" pitchFamily="49" charset="0"/>
-              </a:rPr>
-              <a:t>sdfObject</a:t>
-            </a:r>
-            <a:r>
-              <a:rPr lang="en-US" dirty="0">
-                <a:solidFill>
-                  <a:srgbClr val="CE9178"/>
-                </a:solidFill>
-                <a:latin typeface="Menlo" panose="020B0609030804020204" pitchFamily="49" charset="0"/>
-              </a:rPr>
-              <a:t>/</a:t>
-            </a:r>
-            <a:r>
-              <a:rPr lang="en-US" dirty="0" err="1">
-                <a:solidFill>
-                  <a:srgbClr val="CE9178"/>
-                </a:solidFill>
-                <a:latin typeface="Menlo" panose="020B0609030804020204" pitchFamily="49" charset="0"/>
-              </a:rPr>
-              <a:t>AnalogValueObject</a:t>
-            </a:r>
-            <a:r>
-              <a:rPr lang="en-US" dirty="0">
-                <a:solidFill>
-                  <a:srgbClr val="CE9178"/>
-                </a:solidFill>
-                <a:latin typeface="Menlo" panose="020B0609030804020204" pitchFamily="49" charset="0"/>
-              </a:rPr>
-              <a:t> </a:t>
-            </a:r>
-            <a:endParaRPr lang="en-US" dirty="0">
-              <a:solidFill>
-                <a:srgbClr val="D4D4D4"/>
-              </a:solidFill>
-              <a:latin typeface="Menlo" panose="020B0609030804020204" pitchFamily="49" charset="0"/>
-            </a:endParaRPr>
-          </a:p>
-          <a:p>
-            <a:r>
-              <a:rPr lang="en-US" dirty="0">
-                <a:solidFill>
-                  <a:srgbClr val="CE9178"/>
-                </a:solidFill>
-                <a:latin typeface="Menlo" panose="020B0609030804020204" pitchFamily="49" charset="0"/>
-              </a:rPr>
-              <a:t> </a:t>
-            </a:r>
-            <a:endParaRPr lang="en-US" b="0" dirty="0">
-              <a:solidFill>
-                <a:srgbClr val="D4D4D4"/>
-              </a:solidFill>
-              <a:effectLst/>
-              <a:latin typeface="Menlo" panose="020B0609030804020204" pitchFamily="49" charset="0"/>
-            </a:endParaRPr>
+          <a:bodyPr/>
+          <a:lstStyle/>
+          <a:p>
+            <a:r>
+              <a:rPr lang="en-US" dirty="0"/>
+              <a:t>Information models for the application layer</a:t>
+            </a:r>
+          </a:p>
+          <a:p>
+            <a:pPr lvl="1"/>
+            <a:r>
+              <a:rPr lang="en-US" dirty="0"/>
+              <a:t>Semantically defined interaction affordances</a:t>
+            </a:r>
+          </a:p>
+          <a:p>
+            <a:r>
+              <a:rPr lang="en-US" dirty="0"/>
+              <a:t>SDF is Designed for models vs. instances</a:t>
+            </a:r>
+          </a:p>
+          <a:p>
+            <a:pPr lvl="1"/>
+            <a:r>
+              <a:rPr lang="en-US" dirty="0"/>
+              <a:t>Managed URIs point to concepts vs. entry points</a:t>
+            </a:r>
+          </a:p>
+          <a:p>
+            <a:pPr lvl="1"/>
+            <a:r>
+              <a:rPr lang="en-US" dirty="0"/>
+              <a:t>Schema driven with object-property style ontology</a:t>
+            </a:r>
+          </a:p>
+          <a:p>
+            <a:pPr lvl="1"/>
+            <a:r>
+              <a:rPr lang="en-US" dirty="0"/>
+              <a:t>Uses external protocol binding</a:t>
+            </a:r>
+          </a:p>
+          <a:p>
+            <a:pPr lvl="1"/>
+            <a:r>
+              <a:rPr lang="en-US" dirty="0"/>
+              <a:t>Data item constraints vs. fixed data schemas</a:t>
+            </a:r>
+          </a:p>
+          <a:p>
+            <a:r>
+              <a:rPr lang="en-US" dirty="0" err="1"/>
+              <a:t>OneDM</a:t>
+            </a:r>
+            <a:r>
+              <a:rPr lang="en-US" dirty="0"/>
+              <a:t> is a Multi-standard collaboration</a:t>
+            </a:r>
+          </a:p>
+          <a:p>
+            <a:pPr lvl="1"/>
+            <a:r>
+              <a:rPr lang="en-US" dirty="0"/>
+              <a:t>Common best practices</a:t>
+            </a:r>
+          </a:p>
+          <a:p>
+            <a:pPr lvl="1"/>
+            <a:r>
+              <a:rPr lang="en-US" dirty="0"/>
+              <a:t>Use case categorization</a:t>
+            </a:r>
+          </a:p>
+          <a:p>
+            <a:pPr lvl="1"/>
+            <a:r>
+              <a:rPr lang="en-US" dirty="0"/>
+              <a:t>Multi-source content</a:t>
+            </a:r>
+          </a:p>
+          <a:p>
+            <a:pPr lvl="1"/>
+            <a:r>
+              <a:rPr lang="en-US" dirty="0"/>
+              <a:t>Managed namespaces </a:t>
+            </a:r>
           </a:p>
         </p:txBody>
       </p:sp>
     </p:spTree>
     <p:extLst>
       <p:ext uri="{BB962C8B-B14F-4D97-AF65-F5344CB8AC3E}">
-        <p14:creationId xmlns:p14="http://schemas.microsoft.com/office/powerpoint/2010/main" val="428243562"/>
+        <p14:creationId xmlns:p14="http://schemas.microsoft.com/office/powerpoint/2010/main" val="1389393048"/>
       </p:ext>
     </p:extLst>
   </p:cSld>
@@ -11583,7 +11051,7 @@
           <p:cNvPr id="2" name="Title 1">
             <a:extLst>
               <a:ext uri="{FF2B5EF4-FFF2-40B4-BE49-F238E27FC236}">
-                <a16:creationId xmlns:a16="http://schemas.microsoft.com/office/drawing/2014/main" id="{F3A7E0FD-2571-4048-8BBF-140AF204019B}"/>
+                <a16:creationId xmlns:a16="http://schemas.microsoft.com/office/drawing/2014/main" id="{9C172BB1-C4E0-8042-8DA5-CC94AB8F17CC}"/>
               </a:ext>
             </a:extLst>
           </p:cNvPr>
@@ -11596,7 +11064,7 @@
         </p:nvSpPr>
         <p:spPr>
           <a:xfrm>
-            <a:off x="1306213" y="102368"/>
+            <a:off x="1211620" y="186451"/>
             <a:ext cx="7293219" cy="1006474"/>
           </a:xfrm>
         </p:spPr>
@@ -11606,7 +11074,7 @@
           <a:p>
             <a:r>
               <a:rPr lang="en-US" dirty="0"/>
-              <a:t>Sensor Design Patterns</a:t>
+              <a:t>ASDF Requirements</a:t>
             </a:r>
           </a:p>
         </p:txBody>
@@ -11616,7 +11084,7 @@
           <p:cNvPr id="3" name="Content Placeholder 2">
             <a:extLst>
               <a:ext uri="{FF2B5EF4-FFF2-40B4-BE49-F238E27FC236}">
-                <a16:creationId xmlns:a16="http://schemas.microsoft.com/office/drawing/2014/main" id="{064F01F6-9430-D047-A16B-C567DCCC1567}"/>
+                <a16:creationId xmlns:a16="http://schemas.microsoft.com/office/drawing/2014/main" id="{2DF12A16-DF50-4E4A-A136-16EC823D4E62}"/>
               </a:ext>
             </a:extLst>
           </p:cNvPr>
@@ -11629,97 +11097,105 @@
         </p:nvSpPr>
         <p:spPr>
           <a:xfrm>
-            <a:off x="536027" y="961697"/>
-            <a:ext cx="8063405" cy="5607269"/>
+            <a:off x="492016" y="1192925"/>
+            <a:ext cx="8179020" cy="4585555"/>
           </a:xfrm>
         </p:spPr>
         <p:txBody>
-          <a:bodyPr>
-            <a:noAutofit/>
-          </a:bodyPr>
-          <a:lstStyle/>
-          <a:p>
-            <a:r>
-              <a:rPr lang="en-US" sz="2400" dirty="0"/>
-              <a:t>Generic Sensor object with quantity type specialization via property or data type</a:t>
+          <a:bodyPr/>
+          <a:lstStyle/>
+          <a:p>
+            <a:r>
+              <a:rPr lang="en-US" dirty="0"/>
+              <a:t>1</a:t>
+            </a:r>
+            <a:r>
+              <a:rPr lang="en-US" baseline="30000" dirty="0"/>
+              <a:t>st</a:t>
+            </a:r>
+            <a:r>
+              <a:rPr lang="en-US" dirty="0"/>
+              <a:t> RFC content for usable specification – current draft plus editorial work (2d+)</a:t>
             </a:r>
           </a:p>
           <a:p>
             <a:pPr lvl="1"/>
             <a:r>
-              <a:rPr lang="en-US" sz="2000" dirty="0"/>
-              <a:t>Bluetooth Mesh, BACnet, IPSO </a:t>
-            </a:r>
-          </a:p>
-          <a:p>
-            <a:r>
-              <a:rPr lang="en-US" sz="2400" dirty="0"/>
-              <a:t>Specialized object types for the quantity type being sensed</a:t>
+              <a:rPr lang="en-US" dirty="0"/>
+              <a:t>Meeting at IETF 112 </a:t>
             </a:r>
           </a:p>
           <a:p>
             <a:pPr lvl="1"/>
             <a:r>
-              <a:rPr lang="en-US" sz="2000" dirty="0"/>
-              <a:t>OCF, ZCL, IPSO</a:t>
+              <a:rPr lang="en-US" dirty="0"/>
+              <a:t>Design team meeting before, to review current ID and structure the new document work – reuse </a:t>
+            </a:r>
+            <a:r>
+              <a:rPr lang="en-US" dirty="0" err="1"/>
+              <a:t>OneDM</a:t>
+            </a:r>
+            <a:r>
+              <a:rPr lang="en-US" dirty="0"/>
+              <a:t> slot early October</a:t>
+            </a:r>
+          </a:p>
+          <a:p>
+            <a:r>
+              <a:rPr lang="en-US" dirty="0"/>
+              <a:t>Document: Mapping file, mapping patterns, custom vocabulary</a:t>
             </a:r>
           </a:p>
           <a:p>
             <a:pPr lvl="1"/>
             <a:r>
-              <a:rPr lang="en-US" sz="2000" dirty="0"/>
-              <a:t>Common design pattern with specialized object names</a:t>
+              <a:rPr lang="en-US" dirty="0"/>
+              <a:t>Value transform, range and offset, units, categorical equivalence </a:t>
+            </a:r>
+          </a:p>
+          <a:p>
+            <a:r>
+              <a:rPr lang="en-US" dirty="0"/>
+              <a:t>Relational typed links as qualities of an element</a:t>
             </a:r>
           </a:p>
           <a:p>
             <a:pPr lvl="1"/>
             <a:r>
-              <a:rPr lang="en-US" sz="2000" dirty="0"/>
-              <a:t>Units, value range as properties (could add quantity type)</a:t>
-            </a:r>
-          </a:p>
-          <a:p>
-            <a:r>
-              <a:rPr lang="en-US" sz="2400" dirty="0"/>
-              <a:t>Multi-sensors are common, with composite data and shared settings properties</a:t>
-            </a:r>
-          </a:p>
-          <a:p>
-            <a:r>
-              <a:rPr lang="en-US" sz="2400" dirty="0"/>
-              <a:t>There could be a large number of types to cover concentration sensors as separate types</a:t>
+              <a:rPr lang="en-US" dirty="0"/>
+              <a:t>Any URI target + relation type + target attributes</a:t>
+            </a:r>
+          </a:p>
+          <a:p>
+            <a:r>
+              <a:rPr lang="en-US" dirty="0"/>
+              <a:t>Application Link: pointer data type as property or I/O</a:t>
             </a:r>
           </a:p>
           <a:p>
             <a:pPr lvl="1"/>
             <a:r>
-              <a:rPr lang="en-US" sz="2000" dirty="0"/>
-              <a:t>There is no material difference between "A CO2 concentration sensor" and "A sensor that measures CO2 concentration"</a:t>
+              <a:rPr lang="en-US" dirty="0" err="1"/>
+              <a:t>sdfPointer</a:t>
+            </a:r>
+            <a:r>
+              <a:rPr lang="en-US" dirty="0"/>
+              <a:t> can be a place holder for protocol specific links</a:t>
             </a:r>
           </a:p>
           <a:p>
             <a:pPr lvl="1"/>
             <a:r>
-              <a:rPr lang="en-US" sz="2000" dirty="0"/>
-              <a:t>Is there a modular design that would enable redundant  descriptive styles with alternate names? </a:t>
-            </a:r>
-          </a:p>
-          <a:p>
-            <a:pPr lvl="1"/>
-            <a:r>
-              <a:rPr lang="en-US" sz="2000" dirty="0"/>
-              <a:t>What are the use case differentiators?</a:t>
-            </a:r>
-          </a:p>
-          <a:p>
-            <a:endParaRPr lang="en-US" sz="2400" dirty="0"/>
+              <a:rPr lang="en-US" dirty="0"/>
+              <a:t>Application link with additional relations, to specialize an application link using typed links, e.g. to constrain what an application link can point to</a:t>
+            </a:r>
           </a:p>
         </p:txBody>
       </p:sp>
     </p:spTree>
     <p:extLst>
       <p:ext uri="{BB962C8B-B14F-4D97-AF65-F5344CB8AC3E}">
-        <p14:creationId xmlns:p14="http://schemas.microsoft.com/office/powerpoint/2010/main" val="3795664331"/>
+        <p14:creationId xmlns:p14="http://schemas.microsoft.com/office/powerpoint/2010/main" val="2917907532"/>
       </p:ext>
     </p:extLst>
   </p:cSld>
@@ -11751,7 +11227,7 @@
           <p:cNvPr id="2" name="Title 1">
             <a:extLst>
               <a:ext uri="{FF2B5EF4-FFF2-40B4-BE49-F238E27FC236}">
-                <a16:creationId xmlns:a16="http://schemas.microsoft.com/office/drawing/2014/main" id="{F3A7E0FD-2571-4048-8BBF-140AF204019B}"/>
+                <a16:creationId xmlns:a16="http://schemas.microsoft.com/office/drawing/2014/main" id="{A3A36315-C1C9-4949-9CFF-61E343C5A034}"/>
               </a:ext>
             </a:extLst>
           </p:cNvPr>
@@ -11762,125 +11238,627 @@
             <p:ph type="title"/>
           </p:nvPr>
         </p:nvSpPr>
-        <p:spPr>
-          <a:xfrm>
-            <a:off x="1306213" y="102368"/>
-            <a:ext cx="7293219" cy="1006474"/>
-          </a:xfrm>
-        </p:spPr>
-        <p:txBody>
-          <a:bodyPr/>
-          <a:lstStyle/>
-          <a:p>
-            <a:r>
-              <a:rPr lang="en-US" dirty="0"/>
-              <a:t>Sensor Design Patterns</a:t>
-            </a:r>
-          </a:p>
-        </p:txBody>
-      </p:sp>
-      <p:sp>
-        <p:nvSpPr>
-          <p:cNvPr id="3" name="Content Placeholder 2">
+        <p:spPr/>
+        <p:txBody>
+          <a:bodyPr>
+            <a:normAutofit fontScale="90000"/>
+          </a:bodyPr>
+          <a:lstStyle/>
+          <a:p>
+            <a:r>
+              <a:rPr lang="en-US" dirty="0"/>
+              <a:t>Example Application Link with Relational Constraint  </a:t>
+            </a:r>
+          </a:p>
+        </p:txBody>
+      </p:sp>
+      <p:sp>
+        <p:nvSpPr>
+          <p:cNvPr id="4" name="Rectangle 3">
             <a:extLst>
               <a:ext uri="{FF2B5EF4-FFF2-40B4-BE49-F238E27FC236}">
-                <a16:creationId xmlns:a16="http://schemas.microsoft.com/office/drawing/2014/main" id="{064F01F6-9430-D047-A16B-C567DCCC1567}"/>
+                <a16:creationId xmlns:a16="http://schemas.microsoft.com/office/drawing/2014/main" id="{7C4B5CEC-3F40-F04C-B006-57CFB72E9E04}"/>
               </a:ext>
             </a:extLst>
           </p:cNvPr>
-          <p:cNvSpPr>
-            <a:spLocks noGrp="1"/>
-          </p:cNvSpPr>
-          <p:nvPr>
-            <p:ph idx="1"/>
-          </p:nvPr>
+          <p:cNvSpPr/>
+          <p:nvPr/>
         </p:nvSpPr>
         <p:spPr>
           <a:xfrm>
-            <a:off x="536027" y="961697"/>
-            <a:ext cx="8063405" cy="5607269"/>
+            <a:off x="1096006" y="2060901"/>
+            <a:ext cx="7070532" cy="3970318"/>
           </a:xfrm>
+          <a:prstGeom prst="rect">
+            <a:avLst/>
+          </a:prstGeom>
         </p:spPr>
         <p:txBody>
-          <a:bodyPr>
-            <a:noAutofit/>
+          <a:bodyPr wrap="square">
+            <a:spAutoFit/>
           </a:bodyPr>
           <a:lstStyle/>
           <a:p>
             <a:r>
-              <a:rPr lang="en-US" sz="2400" dirty="0"/>
-              <a:t>Guideline topic</a:t>
-            </a:r>
-          </a:p>
-          <a:p>
-            <a:r>
-              <a:rPr lang="en-US" sz="2400" dirty="0"/>
-              <a:t>Ecosystem survey – pros and cons</a:t>
-            </a:r>
-          </a:p>
-          <a:p>
-            <a:r>
-              <a:rPr lang="en-US" sz="2400" dirty="0"/>
-              <a:t>Review Board venue + experts</a:t>
-            </a:r>
-          </a:p>
-          <a:p>
-            <a:r>
-              <a:rPr lang="en-US" sz="2400" dirty="0"/>
-              <a:t>Keep programmatic translation feature – minimum effort</a:t>
-            </a:r>
-          </a:p>
-          <a:p>
-            <a:r>
-              <a:rPr lang="en-US" sz="2400" dirty="0"/>
-              <a:t>Bluetooth Mesh models as interesting design point for expressive capability</a:t>
-            </a:r>
-          </a:p>
-          <a:p>
-            <a:r>
-              <a:rPr lang="en-US" sz="2400" dirty="0"/>
-              <a:t>Agenda of topics – start 9/29 (WISHI with DTDL 1hr before)</a:t>
-            </a:r>
-          </a:p>
-          <a:p>
-            <a:pPr lvl="1"/>
-            <a:r>
-              <a:rPr lang="en-US" sz="1600" dirty="0"/>
-              <a:t>Units</a:t>
-            </a:r>
-          </a:p>
-          <a:p>
-            <a:pPr lvl="1"/>
-            <a:r>
-              <a:rPr lang="en-US" sz="1600" dirty="0"/>
-              <a:t>Review isomorphism in existing models, what are the common elements and what is a common set of design patterns (inheritance, </a:t>
-            </a:r>
-            <a:r>
-              <a:rPr lang="en-US" sz="1600" dirty="0" err="1"/>
-              <a:t>mixins</a:t>
-            </a:r>
-            <a:r>
-              <a:rPr lang="en-US" sz="1600" dirty="0"/>
-              <a:t>, modularity) – common factors, leverage someone's IPSO background - </a:t>
-            </a:r>
-            <a:r>
-              <a:rPr lang="en-US" sz="1600" dirty="0" err="1"/>
+              <a:rPr lang="en-US" dirty="0" err="1">
+                <a:solidFill>
+                  <a:srgbClr val="569CD6"/>
+                </a:solidFill>
+                <a:latin typeface="Menlo" panose="020B0609030804020204" pitchFamily="49" charset="0"/>
+              </a:rPr>
+              <a:t>sdfProperty</a:t>
+            </a:r>
+            <a:r>
+              <a:rPr lang="en-US" dirty="0">
+                <a:solidFill>
+                  <a:srgbClr val="D4D4D4"/>
+                </a:solidFill>
+                <a:latin typeface="Menlo" panose="020B0609030804020204" pitchFamily="49" charset="0"/>
+              </a:rPr>
+              <a:t>:</a:t>
+            </a:r>
+          </a:p>
+          <a:p>
+            <a:r>
+              <a:rPr lang="en-US" dirty="0">
+                <a:solidFill>
+                  <a:srgbClr val="569CD6"/>
+                </a:solidFill>
+                <a:latin typeface="Menlo" panose="020B0609030804020204" pitchFamily="49" charset="0"/>
+              </a:rPr>
+              <a:t>  </a:t>
+            </a:r>
+            <a:r>
+              <a:rPr lang="en-US" dirty="0" err="1">
+                <a:solidFill>
+                  <a:srgbClr val="569CD6"/>
+                </a:solidFill>
+                <a:latin typeface="Menlo" panose="020B0609030804020204" pitchFamily="49" charset="0"/>
+              </a:rPr>
+              <a:t>InputLink</a:t>
+            </a:r>
+            <a:r>
+              <a:rPr lang="en-US" dirty="0">
+                <a:solidFill>
+                  <a:srgbClr val="D4D4D4"/>
+                </a:solidFill>
+                <a:latin typeface="Menlo" panose="020B0609030804020204" pitchFamily="49" charset="0"/>
+              </a:rPr>
+              <a:t>:</a:t>
+            </a:r>
+          </a:p>
+          <a:p>
+            <a:r>
+              <a:rPr lang="en-US" dirty="0">
+                <a:solidFill>
+                  <a:srgbClr val="569CD6"/>
+                </a:solidFill>
+                <a:latin typeface="Menlo" panose="020B0609030804020204" pitchFamily="49" charset="0"/>
+              </a:rPr>
+              <a:t>    description</a:t>
+            </a:r>
+            <a:r>
+              <a:rPr lang="en-US" dirty="0">
+                <a:solidFill>
+                  <a:srgbClr val="D4D4D4"/>
+                </a:solidFill>
+                <a:latin typeface="Menlo" panose="020B0609030804020204" pitchFamily="49" charset="0"/>
+              </a:rPr>
+              <a:t>: </a:t>
+            </a:r>
+            <a:r>
+              <a:rPr lang="en-US" dirty="0">
+                <a:solidFill>
+                  <a:srgbClr val="CE9178"/>
+                </a:solidFill>
+                <a:latin typeface="Menlo" panose="020B0609030804020204" pitchFamily="49" charset="0"/>
+              </a:rPr>
+              <a:t>pointer to the Input object </a:t>
+            </a:r>
+          </a:p>
+          <a:p>
+            <a:r>
+              <a:rPr lang="en-US" dirty="0">
+                <a:solidFill>
+                  <a:srgbClr val="569CD6"/>
+                </a:solidFill>
+                <a:latin typeface="Menlo" panose="020B0609030804020204" pitchFamily="49" charset="0"/>
+              </a:rPr>
+              <a:t>    </a:t>
+            </a:r>
+            <a:r>
+              <a:rPr lang="en-US" dirty="0" err="1">
+                <a:solidFill>
+                  <a:srgbClr val="569CD6"/>
+                </a:solidFill>
+                <a:latin typeface="Menlo" panose="020B0609030804020204" pitchFamily="49" charset="0"/>
+              </a:rPr>
               <a:t>sdfRef</a:t>
             </a:r>
             <a:r>
-              <a:rPr lang="en-US" sz="1600" dirty="0"/>
-              <a:t> with multiple sources </a:t>
-            </a:r>
-          </a:p>
-          <a:p>
-            <a:endParaRPr lang="en-US" sz="2400" dirty="0"/>
+              <a:rPr lang="en-US" dirty="0">
+                <a:solidFill>
+                  <a:srgbClr val="D4D4D4"/>
+                </a:solidFill>
+                <a:latin typeface="Menlo" panose="020B0609030804020204" pitchFamily="49" charset="0"/>
+              </a:rPr>
+              <a:t>: </a:t>
+            </a:r>
+            <a:r>
+              <a:rPr lang="en-US" dirty="0">
+                <a:solidFill>
+                  <a:srgbClr val="CE9178"/>
+                </a:solidFill>
+                <a:latin typeface="Menlo" panose="020B0609030804020204" pitchFamily="49" charset="0"/>
+              </a:rPr>
+              <a:t>/#/</a:t>
+            </a:r>
+            <a:r>
+              <a:rPr lang="en-US" dirty="0" err="1">
+                <a:solidFill>
+                  <a:srgbClr val="CE9178"/>
+                </a:solidFill>
+                <a:latin typeface="Menlo" panose="020B0609030804020204" pitchFamily="49" charset="0"/>
+              </a:rPr>
+              <a:t>sdfData</a:t>
+            </a:r>
+            <a:r>
+              <a:rPr lang="en-US" dirty="0">
+                <a:solidFill>
+                  <a:srgbClr val="CE9178"/>
+                </a:solidFill>
+                <a:latin typeface="Menlo" panose="020B0609030804020204" pitchFamily="49" charset="0"/>
+              </a:rPr>
+              <a:t>/</a:t>
+            </a:r>
+            <a:r>
+              <a:rPr lang="en-US" dirty="0" err="1">
+                <a:solidFill>
+                  <a:srgbClr val="CE9178"/>
+                </a:solidFill>
+                <a:latin typeface="Menlo" panose="020B0609030804020204" pitchFamily="49" charset="0"/>
+              </a:rPr>
+              <a:t>SdfPointer</a:t>
+            </a:r>
+            <a:endParaRPr lang="en-US" dirty="0">
+              <a:solidFill>
+                <a:srgbClr val="D4D4D4"/>
+              </a:solidFill>
+              <a:latin typeface="Menlo" panose="020B0609030804020204" pitchFamily="49" charset="0"/>
+            </a:endParaRPr>
+          </a:p>
+          <a:p>
+            <a:r>
+              <a:rPr lang="en-US" dirty="0">
+                <a:solidFill>
+                  <a:srgbClr val="569CD6"/>
+                </a:solidFill>
+                <a:latin typeface="Menlo" panose="020B0609030804020204" pitchFamily="49" charset="0"/>
+              </a:rPr>
+              <a:t>    </a:t>
+            </a:r>
+            <a:r>
+              <a:rPr lang="en-US" dirty="0" err="1">
+                <a:solidFill>
+                  <a:srgbClr val="569CD6"/>
+                </a:solidFill>
+                <a:latin typeface="Menlo" panose="020B0609030804020204" pitchFamily="49" charset="0"/>
+              </a:rPr>
+              <a:t>sdfRelation</a:t>
+            </a:r>
+            <a:r>
+              <a:rPr lang="en-US" dirty="0">
+                <a:solidFill>
+                  <a:srgbClr val="D4D4D4"/>
+                </a:solidFill>
+                <a:latin typeface="Menlo" panose="020B0609030804020204" pitchFamily="49" charset="0"/>
+              </a:rPr>
+              <a:t>:</a:t>
+            </a:r>
+          </a:p>
+          <a:p>
+            <a:r>
+              <a:rPr lang="en-US" dirty="0">
+                <a:solidFill>
+                  <a:srgbClr val="D4D4D4"/>
+                </a:solidFill>
+                <a:latin typeface="Menlo" panose="020B0609030804020204" pitchFamily="49" charset="0"/>
+              </a:rPr>
+              <a:t>      - </a:t>
+            </a:r>
+            <a:r>
+              <a:rPr lang="en-US" dirty="0" err="1">
+                <a:solidFill>
+                  <a:srgbClr val="569CD6"/>
+                </a:solidFill>
+                <a:latin typeface="Menlo" panose="020B0609030804020204" pitchFamily="49" charset="0"/>
+              </a:rPr>
+              <a:t>rel</a:t>
+            </a:r>
+            <a:r>
+              <a:rPr lang="en-US" dirty="0">
+                <a:solidFill>
+                  <a:srgbClr val="D4D4D4"/>
+                </a:solidFill>
+                <a:latin typeface="Menlo" panose="020B0609030804020204" pitchFamily="49" charset="0"/>
+              </a:rPr>
+              <a:t>: </a:t>
+            </a:r>
+            <a:r>
+              <a:rPr lang="en-US" dirty="0" err="1">
+                <a:solidFill>
+                  <a:srgbClr val="CE9178"/>
+                </a:solidFill>
+                <a:latin typeface="Menlo" panose="020B0609030804020204" pitchFamily="49" charset="0"/>
+              </a:rPr>
+              <a:t>AllowedType</a:t>
+            </a:r>
+            <a:endParaRPr lang="en-US" dirty="0">
+              <a:solidFill>
+                <a:srgbClr val="D4D4D4"/>
+              </a:solidFill>
+              <a:latin typeface="Menlo" panose="020B0609030804020204" pitchFamily="49" charset="0"/>
+            </a:endParaRPr>
+          </a:p>
+          <a:p>
+            <a:r>
+              <a:rPr lang="en-US" dirty="0">
+                <a:solidFill>
+                  <a:srgbClr val="569CD6"/>
+                </a:solidFill>
+                <a:latin typeface="Menlo" panose="020B0609030804020204" pitchFamily="49" charset="0"/>
+              </a:rPr>
+              <a:t>        target</a:t>
+            </a:r>
+            <a:r>
+              <a:rPr lang="en-US" dirty="0">
+                <a:solidFill>
+                  <a:srgbClr val="D4D4D4"/>
+                </a:solidFill>
+                <a:latin typeface="Menlo" panose="020B0609030804020204" pitchFamily="49" charset="0"/>
+              </a:rPr>
+              <a:t>: </a:t>
+            </a:r>
+            <a:r>
+              <a:rPr lang="en-US" dirty="0">
+                <a:solidFill>
+                  <a:srgbClr val="CE9178"/>
+                </a:solidFill>
+                <a:latin typeface="Menlo" panose="020B0609030804020204" pitchFamily="49" charset="0"/>
+              </a:rPr>
+              <a:t>/#/</a:t>
+            </a:r>
+            <a:r>
+              <a:rPr lang="en-US" dirty="0" err="1">
+                <a:solidFill>
+                  <a:srgbClr val="CE9178"/>
+                </a:solidFill>
+                <a:latin typeface="Menlo" panose="020B0609030804020204" pitchFamily="49" charset="0"/>
+              </a:rPr>
+              <a:t>sdfObject</a:t>
+            </a:r>
+            <a:r>
+              <a:rPr lang="en-US" dirty="0">
+                <a:solidFill>
+                  <a:srgbClr val="CE9178"/>
+                </a:solidFill>
+                <a:latin typeface="Menlo" panose="020B0609030804020204" pitchFamily="49" charset="0"/>
+              </a:rPr>
+              <a:t>/</a:t>
+            </a:r>
+            <a:r>
+              <a:rPr lang="en-US" dirty="0" err="1">
+                <a:solidFill>
+                  <a:srgbClr val="CE9178"/>
+                </a:solidFill>
+                <a:latin typeface="Menlo" panose="020B0609030804020204" pitchFamily="49" charset="0"/>
+              </a:rPr>
+              <a:t>AnalogInputObject</a:t>
+            </a:r>
+            <a:endParaRPr lang="en-US" dirty="0">
+              <a:solidFill>
+                <a:srgbClr val="CE9178"/>
+              </a:solidFill>
+              <a:latin typeface="Menlo" panose="020B0609030804020204" pitchFamily="49" charset="0"/>
+            </a:endParaRPr>
+          </a:p>
+          <a:p>
+            <a:r>
+              <a:rPr lang="en-US" dirty="0">
+                <a:solidFill>
+                  <a:srgbClr val="569CD6"/>
+                </a:solidFill>
+                <a:latin typeface="Menlo" panose="020B0609030804020204" pitchFamily="49" charset="0"/>
+              </a:rPr>
+              <a:t>  </a:t>
+            </a:r>
+            <a:r>
+              <a:rPr lang="en-US" dirty="0" err="1">
+                <a:solidFill>
+                  <a:srgbClr val="569CD6"/>
+                </a:solidFill>
+                <a:latin typeface="Menlo" panose="020B0609030804020204" pitchFamily="49" charset="0"/>
+              </a:rPr>
+              <a:t>SetpointLink</a:t>
+            </a:r>
+            <a:r>
+              <a:rPr lang="en-US" dirty="0">
+                <a:solidFill>
+                  <a:srgbClr val="D4D4D4"/>
+                </a:solidFill>
+                <a:latin typeface="Menlo" panose="020B0609030804020204" pitchFamily="49" charset="0"/>
+              </a:rPr>
+              <a:t>:</a:t>
+            </a:r>
+          </a:p>
+          <a:p>
+            <a:r>
+              <a:rPr lang="en-US" dirty="0">
+                <a:solidFill>
+                  <a:srgbClr val="569CD6"/>
+                </a:solidFill>
+                <a:latin typeface="Menlo" panose="020B0609030804020204" pitchFamily="49" charset="0"/>
+              </a:rPr>
+              <a:t>    description</a:t>
+            </a:r>
+            <a:r>
+              <a:rPr lang="en-US" dirty="0">
+                <a:solidFill>
+                  <a:srgbClr val="D4D4D4"/>
+                </a:solidFill>
+                <a:latin typeface="Menlo" panose="020B0609030804020204" pitchFamily="49" charset="0"/>
+              </a:rPr>
+              <a:t>: </a:t>
+            </a:r>
+            <a:r>
+              <a:rPr lang="en-US" dirty="0">
+                <a:solidFill>
+                  <a:srgbClr val="CE9178"/>
+                </a:solidFill>
+                <a:latin typeface="Menlo" panose="020B0609030804020204" pitchFamily="49" charset="0"/>
+              </a:rPr>
+              <a:t>pointer to the Setpoint object</a:t>
+            </a:r>
+          </a:p>
+          <a:p>
+            <a:r>
+              <a:rPr lang="en-US" dirty="0">
+                <a:solidFill>
+                  <a:srgbClr val="569CD6"/>
+                </a:solidFill>
+                <a:latin typeface="Menlo" panose="020B0609030804020204" pitchFamily="49" charset="0"/>
+              </a:rPr>
+              <a:t>    </a:t>
+            </a:r>
+            <a:r>
+              <a:rPr lang="en-US" dirty="0" err="1">
+                <a:solidFill>
+                  <a:srgbClr val="569CD6"/>
+                </a:solidFill>
+                <a:latin typeface="Menlo" panose="020B0609030804020204" pitchFamily="49" charset="0"/>
+              </a:rPr>
+              <a:t>sdfRef</a:t>
+            </a:r>
+            <a:r>
+              <a:rPr lang="en-US" dirty="0">
+                <a:solidFill>
+                  <a:srgbClr val="D4D4D4"/>
+                </a:solidFill>
+                <a:latin typeface="Menlo" panose="020B0609030804020204" pitchFamily="49" charset="0"/>
+              </a:rPr>
+              <a:t>: </a:t>
+            </a:r>
+            <a:r>
+              <a:rPr lang="en-US" dirty="0">
+                <a:solidFill>
+                  <a:srgbClr val="CE9178"/>
+                </a:solidFill>
+                <a:latin typeface="Menlo" panose="020B0609030804020204" pitchFamily="49" charset="0"/>
+              </a:rPr>
+              <a:t>/#/</a:t>
+            </a:r>
+            <a:r>
+              <a:rPr lang="en-US" dirty="0" err="1">
+                <a:solidFill>
+                  <a:srgbClr val="CE9178"/>
+                </a:solidFill>
+                <a:latin typeface="Menlo" panose="020B0609030804020204" pitchFamily="49" charset="0"/>
+              </a:rPr>
+              <a:t>sdfData</a:t>
+            </a:r>
+            <a:r>
+              <a:rPr lang="en-US" dirty="0">
+                <a:solidFill>
+                  <a:srgbClr val="CE9178"/>
+                </a:solidFill>
+                <a:latin typeface="Menlo" panose="020B0609030804020204" pitchFamily="49" charset="0"/>
+              </a:rPr>
+              <a:t>/</a:t>
+            </a:r>
+            <a:r>
+              <a:rPr lang="en-US" dirty="0" err="1">
+                <a:solidFill>
+                  <a:srgbClr val="CE9178"/>
+                </a:solidFill>
+                <a:latin typeface="Menlo" panose="020B0609030804020204" pitchFamily="49" charset="0"/>
+              </a:rPr>
+              <a:t>SdfPointer</a:t>
+            </a:r>
+            <a:endParaRPr lang="en-US" dirty="0">
+              <a:solidFill>
+                <a:srgbClr val="D4D4D4"/>
+              </a:solidFill>
+              <a:latin typeface="Menlo" panose="020B0609030804020204" pitchFamily="49" charset="0"/>
+            </a:endParaRPr>
+          </a:p>
+          <a:p>
+            <a:r>
+              <a:rPr lang="en-US" dirty="0">
+                <a:solidFill>
+                  <a:srgbClr val="569CD6"/>
+                </a:solidFill>
+                <a:latin typeface="Menlo" panose="020B0609030804020204" pitchFamily="49" charset="0"/>
+              </a:rPr>
+              <a:t>    </a:t>
+            </a:r>
+            <a:r>
+              <a:rPr lang="en-US" dirty="0" err="1">
+                <a:solidFill>
+                  <a:srgbClr val="569CD6"/>
+                </a:solidFill>
+                <a:latin typeface="Menlo" panose="020B0609030804020204" pitchFamily="49" charset="0"/>
+              </a:rPr>
+              <a:t>sdfRelation</a:t>
+            </a:r>
+            <a:r>
+              <a:rPr lang="en-US" dirty="0">
+                <a:solidFill>
+                  <a:srgbClr val="D4D4D4"/>
+                </a:solidFill>
+                <a:latin typeface="Menlo" panose="020B0609030804020204" pitchFamily="49" charset="0"/>
+              </a:rPr>
+              <a:t>:</a:t>
+            </a:r>
+          </a:p>
+          <a:p>
+            <a:r>
+              <a:rPr lang="en-US" dirty="0">
+                <a:solidFill>
+                  <a:srgbClr val="D4D4D4"/>
+                </a:solidFill>
+                <a:latin typeface="Menlo" panose="020B0609030804020204" pitchFamily="49" charset="0"/>
+              </a:rPr>
+              <a:t>      - </a:t>
+            </a:r>
+            <a:r>
+              <a:rPr lang="en-US" dirty="0" err="1">
+                <a:solidFill>
+                  <a:srgbClr val="569CD6"/>
+                </a:solidFill>
+                <a:latin typeface="Menlo" panose="020B0609030804020204" pitchFamily="49" charset="0"/>
+              </a:rPr>
+              <a:t>rel</a:t>
+            </a:r>
+            <a:r>
+              <a:rPr lang="en-US" dirty="0">
+                <a:solidFill>
+                  <a:srgbClr val="D4D4D4"/>
+                </a:solidFill>
+                <a:latin typeface="Menlo" panose="020B0609030804020204" pitchFamily="49" charset="0"/>
+              </a:rPr>
+              <a:t>: </a:t>
+            </a:r>
+            <a:r>
+              <a:rPr lang="en-US" dirty="0" err="1">
+                <a:solidFill>
+                  <a:srgbClr val="CE9178"/>
+                </a:solidFill>
+                <a:latin typeface="Menlo" panose="020B0609030804020204" pitchFamily="49" charset="0"/>
+              </a:rPr>
+              <a:t>AllowedType</a:t>
+            </a:r>
+            <a:endParaRPr lang="en-US" dirty="0">
+              <a:solidFill>
+                <a:srgbClr val="D4D4D4"/>
+              </a:solidFill>
+              <a:latin typeface="Menlo" panose="020B0609030804020204" pitchFamily="49" charset="0"/>
+            </a:endParaRPr>
+          </a:p>
+          <a:p>
+            <a:r>
+              <a:rPr lang="en-US" dirty="0">
+                <a:solidFill>
+                  <a:srgbClr val="569CD6"/>
+                </a:solidFill>
+                <a:latin typeface="Menlo" panose="020B0609030804020204" pitchFamily="49" charset="0"/>
+              </a:rPr>
+              <a:t>        target</a:t>
+            </a:r>
+            <a:r>
+              <a:rPr lang="en-US" dirty="0">
+                <a:solidFill>
+                  <a:srgbClr val="D4D4D4"/>
+                </a:solidFill>
+                <a:latin typeface="Menlo" panose="020B0609030804020204" pitchFamily="49" charset="0"/>
+              </a:rPr>
+              <a:t>: </a:t>
+            </a:r>
+            <a:r>
+              <a:rPr lang="en-US" dirty="0">
+                <a:solidFill>
+                  <a:srgbClr val="CE9178"/>
+                </a:solidFill>
+                <a:latin typeface="Menlo" panose="020B0609030804020204" pitchFamily="49" charset="0"/>
+              </a:rPr>
+              <a:t>/#/</a:t>
+            </a:r>
+            <a:r>
+              <a:rPr lang="en-US" dirty="0" err="1">
+                <a:solidFill>
+                  <a:srgbClr val="CE9178"/>
+                </a:solidFill>
+                <a:latin typeface="Menlo" panose="020B0609030804020204" pitchFamily="49" charset="0"/>
+              </a:rPr>
+              <a:t>sdfObject</a:t>
+            </a:r>
+            <a:r>
+              <a:rPr lang="en-US" dirty="0">
+                <a:solidFill>
+                  <a:srgbClr val="CE9178"/>
+                </a:solidFill>
+                <a:latin typeface="Menlo" panose="020B0609030804020204" pitchFamily="49" charset="0"/>
+              </a:rPr>
+              <a:t>/</a:t>
+            </a:r>
+            <a:r>
+              <a:rPr lang="en-US" dirty="0" err="1">
+                <a:solidFill>
+                  <a:srgbClr val="CE9178"/>
+                </a:solidFill>
+                <a:latin typeface="Menlo" panose="020B0609030804020204" pitchFamily="49" charset="0"/>
+              </a:rPr>
+              <a:t>AnalogValueObject</a:t>
+            </a:r>
+            <a:r>
+              <a:rPr lang="en-US" dirty="0">
+                <a:solidFill>
+                  <a:srgbClr val="CE9178"/>
+                </a:solidFill>
+                <a:latin typeface="Menlo" panose="020B0609030804020204" pitchFamily="49" charset="0"/>
+              </a:rPr>
+              <a:t> </a:t>
+            </a:r>
+            <a:endParaRPr lang="en-US" dirty="0">
+              <a:solidFill>
+                <a:srgbClr val="D4D4D4"/>
+              </a:solidFill>
+              <a:latin typeface="Menlo" panose="020B0609030804020204" pitchFamily="49" charset="0"/>
+            </a:endParaRPr>
+          </a:p>
+          <a:p>
+            <a:r>
+              <a:rPr lang="en-US" dirty="0">
+                <a:solidFill>
+                  <a:srgbClr val="CE9178"/>
+                </a:solidFill>
+                <a:latin typeface="Menlo" panose="020B0609030804020204" pitchFamily="49" charset="0"/>
+              </a:rPr>
+              <a:t> </a:t>
+            </a:r>
+            <a:endParaRPr lang="en-US" b="0" dirty="0">
+              <a:solidFill>
+                <a:srgbClr val="D4D4D4"/>
+              </a:solidFill>
+              <a:effectLst/>
+              <a:latin typeface="Menlo" panose="020B0609030804020204" pitchFamily="49" charset="0"/>
+            </a:endParaRPr>
           </a:p>
         </p:txBody>
       </p:sp>
     </p:spTree>
     <p:extLst>
       <p:ext uri="{BB962C8B-B14F-4D97-AF65-F5344CB8AC3E}">
-        <p14:creationId xmlns:p14="http://schemas.microsoft.com/office/powerpoint/2010/main" val="3196670343"/>
+        <p14:creationId xmlns:p14="http://schemas.microsoft.com/office/powerpoint/2010/main" val="428243562"/>
       </p:ext>
     </p:extLst>
   </p:cSld>
@@ -11912,7 +11890,7 @@
           <p:cNvPr id="2" name="Title 1">
             <a:extLst>
               <a:ext uri="{FF2B5EF4-FFF2-40B4-BE49-F238E27FC236}">
-                <a16:creationId xmlns:a16="http://schemas.microsoft.com/office/drawing/2014/main" id="{CB561393-CDC0-6141-AB5C-E31D8D02DB4B}"/>
+                <a16:creationId xmlns:a16="http://schemas.microsoft.com/office/drawing/2014/main" id="{F3A7E0FD-2571-4048-8BBF-140AF204019B}"/>
               </a:ext>
             </a:extLst>
           </p:cNvPr>
@@ -11923,14 +11901,19 @@
             <p:ph type="title"/>
           </p:nvPr>
         </p:nvSpPr>
-        <p:spPr/>
-        <p:txBody>
-          <a:bodyPr/>
-          <a:lstStyle/>
-          <a:p>
-            <a:r>
-              <a:rPr lang="en-US" dirty="0"/>
-              <a:t>External SDF models?</a:t>
+        <p:spPr>
+          <a:xfrm>
+            <a:off x="1306213" y="102368"/>
+            <a:ext cx="7293219" cy="1006474"/>
+          </a:xfrm>
+        </p:spPr>
+        <p:txBody>
+          <a:bodyPr/>
+          <a:lstStyle/>
+          <a:p>
+            <a:r>
+              <a:rPr lang="en-US" dirty="0"/>
+              <a:t>Sensor Design Patterns</a:t>
             </a:r>
           </a:p>
         </p:txBody>
@@ -11940,7 +11923,7 @@
           <p:cNvPr id="3" name="Content Placeholder 2">
             <a:extLst>
               <a:ext uri="{FF2B5EF4-FFF2-40B4-BE49-F238E27FC236}">
-                <a16:creationId xmlns:a16="http://schemas.microsoft.com/office/drawing/2014/main" id="{A6D8D4D1-4CC7-6048-AFDC-B1EE0FA903C3}"/>
+                <a16:creationId xmlns:a16="http://schemas.microsoft.com/office/drawing/2014/main" id="{064F01F6-9430-D047-A16B-C567DCCC1567}"/>
               </a:ext>
             </a:extLst>
           </p:cNvPr>
@@ -11951,42 +11934,99 @@
             <p:ph idx="1"/>
           </p:nvPr>
         </p:nvSpPr>
-        <p:spPr/>
-        <p:txBody>
-          <a:bodyPr/>
-          <a:lstStyle/>
+        <p:spPr>
+          <a:xfrm>
+            <a:off x="536027" y="961697"/>
+            <a:ext cx="8063405" cy="5607269"/>
+          </a:xfrm>
+        </p:spPr>
+        <p:txBody>
+          <a:bodyPr>
+            <a:noAutofit/>
+          </a:bodyPr>
+          <a:lstStyle/>
+          <a:p>
+            <a:r>
+              <a:rPr lang="en-US" sz="2400" dirty="0"/>
+              <a:t>Generic Sensor object with quantity type specialization via property or data type</a:t>
+            </a:r>
+          </a:p>
           <a:p>
             <a:pPr lvl="1"/>
             <a:r>
-              <a:rPr lang="en-US" dirty="0"/>
-              <a:t>ASHRAE 223p ? External organization, work with ASDF</a:t>
+              <a:rPr lang="en-US" sz="2000" dirty="0"/>
+              <a:t>Bluetooth Mesh, BACnet, IPSO </a:t>
+            </a:r>
+          </a:p>
+          <a:p>
+            <a:r>
+              <a:rPr lang="en-US" sz="2400" dirty="0"/>
+              <a:t>Specialized object types for the quantity type being sensed</a:t>
             </a:r>
           </a:p>
           <a:p>
             <a:pPr lvl="1"/>
             <a:r>
-              <a:rPr lang="en-US" dirty="0"/>
-              <a:t>Should this be discussed further as a thing? Central place for external repo consolidation? These can be checked in </a:t>
-            </a:r>
-            <a:r>
-              <a:rPr lang="en-US" dirty="0" err="1"/>
-              <a:t>OneDM</a:t>
-            </a:r>
-            <a:endParaRPr lang="en-US" dirty="0"/>
+              <a:rPr lang="en-US" sz="2000" dirty="0"/>
+              <a:t>OCF, ZCL, IPSO</a:t>
+            </a:r>
           </a:p>
           <a:p>
             <a:pPr lvl="1"/>
             <a:r>
-              <a:rPr lang="en-US" dirty="0"/>
-              <a:t>Need a pilot example to point to</a:t>
-            </a:r>
+              <a:rPr lang="en-US" sz="2000" dirty="0"/>
+              <a:t>Common design pattern with specialized object names</a:t>
+            </a:r>
+          </a:p>
+          <a:p>
+            <a:pPr lvl="1"/>
+            <a:r>
+              <a:rPr lang="en-US" sz="2000" dirty="0"/>
+              <a:t>Units, value range as properties (could add quantity type)</a:t>
+            </a:r>
+          </a:p>
+          <a:p>
+            <a:r>
+              <a:rPr lang="en-US" sz="2400" dirty="0"/>
+              <a:t>Multi-sensors are common, with composite data and shared settings properties</a:t>
+            </a:r>
+          </a:p>
+          <a:p>
+            <a:r>
+              <a:rPr lang="en-US" sz="2400" dirty="0"/>
+              <a:t>There could be a large number of types to cover concentration sensors as separate types</a:t>
+            </a:r>
+          </a:p>
+          <a:p>
+            <a:pPr lvl="1"/>
+            <a:r>
+              <a:rPr lang="en-US" sz="2000" dirty="0"/>
+              <a:t>There is no material difference between "A CO2 concentration sensor" and "A sensor that measures CO2 concentration"</a:t>
+            </a:r>
+          </a:p>
+          <a:p>
+            <a:pPr lvl="1"/>
+            <a:r>
+              <a:rPr lang="en-US" sz="2000" dirty="0"/>
+              <a:t>Is there a modular design that would enable redundant  descriptive styles with alternate names? </a:t>
+            </a:r>
+          </a:p>
+          <a:p>
+            <a:pPr lvl="1"/>
+            <a:r>
+              <a:rPr lang="en-US" sz="2000" dirty="0"/>
+              <a:t>What are the use case differentiators?</a:t>
+            </a:r>
+          </a:p>
+          <a:p>
+            <a:endParaRPr lang="en-US" sz="2400" dirty="0"/>
           </a:p>
         </p:txBody>
       </p:sp>
     </p:spTree>
     <p:extLst>
       <p:ext uri="{BB962C8B-B14F-4D97-AF65-F5344CB8AC3E}">
-        <p14:creationId xmlns:p14="http://schemas.microsoft.com/office/powerpoint/2010/main" val="1033181223"/>
+        <p14:creationId xmlns:p14="http://schemas.microsoft.com/office/powerpoint/2010/main" val="3795664331"/>
       </p:ext>
     </p:extLst>
   </p:cSld>
@@ -12018,7 +12058,7 @@
           <p:cNvPr id="2" name="Title 1">
             <a:extLst>
               <a:ext uri="{FF2B5EF4-FFF2-40B4-BE49-F238E27FC236}">
-                <a16:creationId xmlns:a16="http://schemas.microsoft.com/office/drawing/2014/main" id="{9B917999-96DA-F84B-9561-8A1A26AD5B0C}"/>
+                <a16:creationId xmlns:a16="http://schemas.microsoft.com/office/drawing/2014/main" id="{F3A7E0FD-2571-4048-8BBF-140AF204019B}"/>
               </a:ext>
             </a:extLst>
           </p:cNvPr>
@@ -12031,7 +12071,7 @@
         </p:nvSpPr>
         <p:spPr>
           <a:xfrm>
-            <a:off x="1222130" y="0"/>
+            <a:off x="1306213" y="102368"/>
             <a:ext cx="7293219" cy="1006474"/>
           </a:xfrm>
         </p:spPr>
@@ -12041,17 +12081,17 @@
           <a:p>
             <a:r>
               <a:rPr lang="en-US" dirty="0"/>
-              <a:t>Review Board</a:t>
-            </a:r>
-          </a:p>
-        </p:txBody>
-      </p:sp>
-      <p:sp>
-        <p:nvSpPr>
-          <p:cNvPr id="5" name="Content Placeholder 2">
+              <a:t>Sensor Design Patterns</a:t>
+            </a:r>
+          </a:p>
+        </p:txBody>
+      </p:sp>
+      <p:sp>
+        <p:nvSpPr>
+          <p:cNvPr id="3" name="Content Placeholder 2">
             <a:extLst>
               <a:ext uri="{FF2B5EF4-FFF2-40B4-BE49-F238E27FC236}">
-                <a16:creationId xmlns:a16="http://schemas.microsoft.com/office/drawing/2014/main" id="{098670AF-C243-574F-99EE-6314F3F42DCC}"/>
+                <a16:creationId xmlns:a16="http://schemas.microsoft.com/office/drawing/2014/main" id="{064F01F6-9430-D047-A16B-C567DCCC1567}"/>
               </a:ext>
             </a:extLst>
           </p:cNvPr>
@@ -12064,132 +12104,90 @@
         </p:nvSpPr>
         <p:spPr>
           <a:xfrm>
-            <a:off x="628649" y="503237"/>
-            <a:ext cx="7886700" cy="5030109"/>
+            <a:off x="536027" y="961697"/>
+            <a:ext cx="8063405" cy="5607269"/>
           </a:xfrm>
         </p:spPr>
         <p:txBody>
-          <a:bodyPr/>
-          <a:lstStyle/>
-          <a:p>
-            <a:r>
-              <a:rPr lang="en-US" dirty="0"/>
-              <a:t>Discussion from 9/8 on naming conventions </a:t>
+          <a:bodyPr>
+            <a:noAutofit/>
+          </a:bodyPr>
+          <a:lstStyle/>
+          <a:p>
+            <a:r>
+              <a:rPr lang="en-US" sz="2400" dirty="0"/>
+              <a:t>Guideline topic</a:t>
+            </a:r>
+          </a:p>
+          <a:p>
+            <a:r>
+              <a:rPr lang="en-US" sz="2400" dirty="0"/>
+              <a:t>Ecosystem survey – pros and cons</a:t>
+            </a:r>
+          </a:p>
+          <a:p>
+            <a:r>
+              <a:rPr lang="en-US" sz="2400" dirty="0"/>
+              <a:t>Review Board venue + experts</a:t>
+            </a:r>
+          </a:p>
+          <a:p>
+            <a:r>
+              <a:rPr lang="en-US" sz="2400" dirty="0"/>
+              <a:t>Keep programmatic translation feature – minimum effort</a:t>
+            </a:r>
+          </a:p>
+          <a:p>
+            <a:r>
+              <a:rPr lang="en-US" sz="2400" dirty="0"/>
+              <a:t>Bluetooth Mesh models as interesting design point for expressive capability</a:t>
+            </a:r>
+          </a:p>
+          <a:p>
+            <a:r>
+              <a:rPr lang="en-US" sz="2400" dirty="0"/>
+              <a:t>Agenda of topics – start 9/29 (WISHI with DTDL 1hr before)</a:t>
             </a:r>
           </a:p>
           <a:p>
             <a:pPr lvl="1"/>
             <a:r>
-              <a:rPr lang="en-US" dirty="0"/>
-              <a:t>Objects and Properties </a:t>
-            </a:r>
-          </a:p>
-          <a:p>
-            <a:r>
-              <a:rPr lang="en-US" dirty="0"/>
-              <a:t>Review examples from ecosystems</a:t>
+              <a:rPr lang="en-US" sz="1600" dirty="0"/>
+              <a:t>Units</a:t>
             </a:r>
           </a:p>
           <a:p>
             <a:pPr lvl="1"/>
             <a:r>
-              <a:rPr lang="en-US" dirty="0"/>
-              <a:t>OCF</a:t>
-            </a:r>
-          </a:p>
-          <a:p>
-            <a:pPr lvl="1"/>
-            <a:r>
-              <a:rPr lang="en-US" dirty="0"/>
-              <a:t>OMA</a:t>
-            </a:r>
-          </a:p>
-          <a:p>
-            <a:pPr lvl="1"/>
-            <a:r>
-              <a:rPr lang="en-US" dirty="0"/>
-              <a:t>Zigbee</a:t>
-            </a:r>
-          </a:p>
-          <a:p>
-            <a:pPr lvl="1"/>
-            <a:r>
-              <a:rPr lang="en-US" dirty="0"/>
-              <a:t>Bluetooth Mesh</a:t>
-            </a:r>
-          </a:p>
-          <a:p>
-            <a:pPr lvl="1"/>
-            <a:r>
-              <a:rPr lang="en-US" dirty="0"/>
-              <a:t>Other? </a:t>
-            </a:r>
-          </a:p>
-          <a:p>
-            <a:r>
-              <a:rPr lang="en-US" dirty="0"/>
-              <a:t>Besides naming (naming is a symptom)</a:t>
-            </a:r>
-          </a:p>
-          <a:p>
-            <a:pPr lvl="1"/>
-            <a:r>
-              <a:rPr lang="en-US" dirty="0"/>
-              <a:t>What is the bigger problem?</a:t>
-            </a:r>
-          </a:p>
-          <a:p>
-            <a:pPr lvl="1"/>
-            <a:r>
-              <a:rPr lang="en-US" dirty="0"/>
-              <a:t>Reusability</a:t>
-            </a:r>
-          </a:p>
-          <a:p>
-            <a:pPr lvl="1"/>
-            <a:r>
-              <a:rPr lang="en-US" dirty="0"/>
-              <a:t>Composability – OCF model</a:t>
-            </a:r>
-          </a:p>
-          <a:p>
-            <a:pPr lvl="1"/>
-            <a:r>
-              <a:rPr lang="en-US" dirty="0"/>
-              <a:t>Need to work from a vision of all the possible derivations and uses across </a:t>
-            </a:r>
-          </a:p>
-          <a:p>
-            <a:pPr lvl="1"/>
-            <a:r>
-              <a:rPr lang="en-US" dirty="0"/>
-              <a:t>Do we need to look at other examples? Mode vs. state</a:t>
-            </a:r>
-          </a:p>
-          <a:p>
-            <a:pPr lvl="1"/>
-            <a:r>
-              <a:rPr lang="en-US" dirty="0"/>
-              <a:t>What about sensors? Many issues to drive </a:t>
-            </a:r>
-          </a:p>
-          <a:p>
-            <a:pPr lvl="1"/>
-            <a:r>
-              <a:rPr lang="en-US" dirty="0"/>
-              <a:t>There may be a shape transform pattern</a:t>
-            </a:r>
-          </a:p>
-          <a:p>
-            <a:pPr lvl="1"/>
-            <a:endParaRPr lang="en-US" dirty="0"/>
+              <a:rPr lang="en-US" sz="1600" dirty="0"/>
+              <a:t>Review isomorphism in existing models, what are the common elements and what is a common set of design patterns (inheritance, </a:t>
+            </a:r>
+            <a:r>
+              <a:rPr lang="en-US" sz="1600" dirty="0" err="1"/>
+              <a:t>mixins</a:t>
+            </a:r>
+            <a:r>
+              <a:rPr lang="en-US" sz="1600" dirty="0"/>
+              <a:t>, modularity) – common factors, leverage someone's IPSO background - </a:t>
+            </a:r>
+            <a:r>
+              <a:rPr lang="en-US" sz="1600" dirty="0" err="1"/>
+              <a:t>sdfRef</a:t>
+            </a:r>
+            <a:r>
+              <a:rPr lang="en-US" sz="1600" dirty="0"/>
+              <a:t> with multiple sources </a:t>
+            </a:r>
+          </a:p>
+          <a:p>
+            <a:endParaRPr lang="en-US" sz="2400" dirty="0"/>
           </a:p>
         </p:txBody>
       </p:sp>
     </p:spTree>
     <p:extLst>
       <p:ext uri="{BB962C8B-B14F-4D97-AF65-F5344CB8AC3E}">
-        <p14:creationId xmlns:p14="http://schemas.microsoft.com/office/powerpoint/2010/main" val="351770316"/>
+        <p14:creationId xmlns:p14="http://schemas.microsoft.com/office/powerpoint/2010/main" val="3196670343"/>
       </p:ext>
     </p:extLst>
   </p:cSld>
@@ -12221,7 +12219,7 @@
           <p:cNvPr id="2" name="Title 1">
             <a:extLst>
               <a:ext uri="{FF2B5EF4-FFF2-40B4-BE49-F238E27FC236}">
-                <a16:creationId xmlns:a16="http://schemas.microsoft.com/office/drawing/2014/main" id="{82B73035-0A6C-2447-90E0-C81C8FC66401}"/>
+                <a16:creationId xmlns:a16="http://schemas.microsoft.com/office/drawing/2014/main" id="{CB561393-CDC0-6141-AB5C-E31D8D02DB4B}"/>
               </a:ext>
             </a:extLst>
           </p:cNvPr>
@@ -12232,23 +12230,14 @@
             <p:ph type="title"/>
           </p:nvPr>
         </p:nvSpPr>
-        <p:spPr>
-          <a:xfrm>
-            <a:off x="1222130" y="165431"/>
-            <a:ext cx="7293219" cy="1006474"/>
-          </a:xfrm>
-        </p:spPr>
-        <p:txBody>
-          <a:bodyPr/>
-          <a:lstStyle/>
-          <a:p>
-            <a:r>
-              <a:rPr lang="en-US" dirty="0" err="1"/>
-              <a:t>OneDM</a:t>
-            </a:r>
-            <a:r>
-              <a:rPr lang="en-US" dirty="0"/>
-              <a:t> Adoption Process </a:t>
+        <p:spPr/>
+        <p:txBody>
+          <a:bodyPr/>
+          <a:lstStyle/>
+          <a:p>
+            <a:r>
+              <a:rPr lang="en-US" dirty="0"/>
+              <a:t>External SDF models?</a:t>
             </a:r>
           </a:p>
         </p:txBody>
@@ -12258,7 +12247,7 @@
           <p:cNvPr id="3" name="Content Placeholder 2">
             <a:extLst>
               <a:ext uri="{FF2B5EF4-FFF2-40B4-BE49-F238E27FC236}">
-                <a16:creationId xmlns:a16="http://schemas.microsoft.com/office/drawing/2014/main" id="{F5DC17ED-3B19-9740-8AA3-5035DBEB1963}"/>
+                <a16:creationId xmlns:a16="http://schemas.microsoft.com/office/drawing/2014/main" id="{A6D8D4D1-4CC7-6048-AFDC-B1EE0FA903C3}"/>
               </a:ext>
             </a:extLst>
           </p:cNvPr>
@@ -12269,251 +12258,42 @@
             <p:ph idx="1"/>
           </p:nvPr>
         </p:nvSpPr>
-        <p:spPr>
-          <a:xfrm>
-            <a:off x="628649" y="1171905"/>
-            <a:ext cx="7886700" cy="5102771"/>
-          </a:xfrm>
-        </p:spPr>
-        <p:txBody>
-          <a:bodyPr/>
-          <a:lstStyle/>
-          <a:p>
-            <a:r>
-              <a:rPr lang="en-US" sz="2400" b="1" dirty="0"/>
-              <a:t>Proposal document to review </a:t>
-            </a:r>
-          </a:p>
-          <a:p>
-            <a:r>
-              <a:rPr lang="en-US" sz="1800" dirty="0">
-                <a:hlinkClick r:id="rId2"/>
-              </a:rPr>
-              <a:t>https://github.com/one-data-model/processes/blob/master/adoption.md</a:t>
-            </a:r>
-            <a:endParaRPr lang="en-US" sz="1800" dirty="0"/>
-          </a:p>
-          <a:p>
-            <a:r>
-              <a:rPr lang="en-US" sz="2400" dirty="0"/>
-              <a:t>Set up a review board – current ecosystems represented initially, later we can add other ecosystems</a:t>
-            </a:r>
-          </a:p>
-          <a:p>
-            <a:r>
-              <a:rPr lang="en-US" sz="2400" dirty="0"/>
-              <a:t>Need a document to describe the review board – consensus, process, co-opting new members – get people to sign up</a:t>
-            </a:r>
-          </a:p>
-          <a:p>
-            <a:r>
-              <a:rPr lang="en-US" sz="1800" dirty="0">
-                <a:hlinkClick r:id="rId3"/>
-              </a:rPr>
-              <a:t>https://github.com/one-data-model/processes/blob/master/review-board.md</a:t>
-            </a:r>
-            <a:endParaRPr lang="en-US" sz="1800" dirty="0"/>
-          </a:p>
-          <a:p>
-            <a:r>
-              <a:rPr lang="en-US" sz="1800" dirty="0">
-                <a:hlinkClick r:id="rId4"/>
-              </a:rPr>
-              <a:t>https://github.com/one-data-model/processes/wiki/Review-Board-Nomination</a:t>
-            </a:r>
-            <a:endParaRPr lang="en-US" sz="1800" dirty="0"/>
-          </a:p>
-          <a:p>
-            <a:pPr marL="457200" lvl="1" indent="0">
-              <a:buNone/>
-            </a:pPr>
-            <a:r>
-              <a:rPr lang="en-US" sz="2000" dirty="0"/>
-              <a:t>7 nominations and 2</a:t>
-            </a:r>
-            <a:r>
-              <a:rPr lang="en-US" sz="2000" baseline="30000" dirty="0"/>
-              <a:t>nd</a:t>
-            </a:r>
-            <a:r>
-              <a:rPr lang="en-US" sz="2000" dirty="0"/>
-              <a:t> </a:t>
-            </a:r>
-          </a:p>
-          <a:p>
-            <a:pPr marL="457200" lvl="1" indent="0">
-              <a:buNone/>
-            </a:pPr>
-            <a:r>
-              <a:rPr lang="en-US" sz="2000" dirty="0"/>
-              <a:t>Length of term: 1</a:t>
-            </a:r>
-            <a:r>
-              <a:rPr lang="en-US" sz="2000" baseline="30000" dirty="0"/>
-              <a:t>st</a:t>
-            </a:r>
-            <a:r>
-              <a:rPr lang="en-US" sz="2000" dirty="0"/>
-              <a:t> RB Provisional for 6 months to re-evaluate</a:t>
-            </a:r>
-          </a:p>
-          <a:p>
-            <a:pPr marL="457200" lvl="1" indent="0">
-              <a:buNone/>
-            </a:pPr>
-            <a:r>
-              <a:rPr lang="en-US" sz="2000" dirty="0"/>
-              <a:t>RB can co-opt anyone at any time</a:t>
-            </a:r>
-          </a:p>
-          <a:p>
-            <a:pPr marL="457200" lvl="1" indent="0">
-              <a:buNone/>
-            </a:pPr>
-            <a:r>
-              <a:rPr lang="en-US" sz="2000" dirty="0"/>
-              <a:t>Resolved Aug 23</a:t>
-            </a:r>
-            <a:r>
-              <a:rPr lang="en-US" sz="2000" baseline="30000" dirty="0"/>
-              <a:t>rd</a:t>
-            </a:r>
-            <a:endParaRPr lang="en-US" sz="2000" dirty="0"/>
-          </a:p>
-          <a:p>
-            <a:pPr marL="457200" lvl="1" indent="0">
-              <a:buNone/>
-            </a:pPr>
-            <a:r>
-              <a:rPr lang="en-US" sz="2000" dirty="0"/>
-              <a:t>Date for 1</a:t>
-            </a:r>
-            <a:r>
-              <a:rPr lang="en-US" sz="2000" baseline="30000" dirty="0"/>
-              <a:t>st</a:t>
-            </a:r>
-            <a:r>
-              <a:rPr lang="en-US" sz="2000" dirty="0"/>
-              <a:t> review board kickoff meeting – secretary role (</a:t>
-            </a:r>
-            <a:r>
-              <a:rPr lang="en-US" sz="2000" dirty="0" err="1"/>
-              <a:t>Niklas</a:t>
-            </a:r>
-            <a:r>
-              <a:rPr lang="en-US" sz="2000" dirty="0"/>
-              <a:t>)</a:t>
-            </a:r>
-          </a:p>
-          <a:p>
-            <a:pPr marL="457200" lvl="1" indent="0">
-              <a:buNone/>
-            </a:pPr>
-            <a:r>
-              <a:rPr lang="en-US" sz="2000" dirty="0"/>
-              <a:t>11 days notice required 2 weeks from now – doodle Aug. 30 for dry run and discuss contributions</a:t>
-            </a:r>
-          </a:p>
-          <a:p>
-            <a:pPr marL="457200" lvl="1" indent="0">
-              <a:buNone/>
-            </a:pPr>
-            <a:r>
-              <a:rPr lang="en-US" sz="2000" dirty="0" err="1"/>
-              <a:t>Niklas</a:t>
-            </a:r>
-            <a:r>
-              <a:rPr lang="en-US" sz="2000" dirty="0"/>
-              <a:t> will send out a notice on Wiki or </a:t>
-            </a:r>
-            <a:r>
-              <a:rPr lang="en-US" sz="2000" dirty="0" err="1"/>
-              <a:t>github</a:t>
-            </a:r>
-            <a:endParaRPr lang="en-US" sz="2000" dirty="0"/>
-          </a:p>
-          <a:p>
-            <a:pPr marL="457200" lvl="1" indent="0">
-              <a:buNone/>
-            </a:pPr>
-            <a:r>
-              <a:rPr lang="en-US" sz="2000" dirty="0"/>
-              <a:t>Need an </a:t>
-            </a:r>
-            <a:r>
-              <a:rPr lang="en-US" sz="2000" dirty="0" err="1"/>
-              <a:t>async</a:t>
-            </a:r>
-            <a:r>
-              <a:rPr lang="en-US" sz="2000" dirty="0"/>
-              <a:t>. option to participate</a:t>
-            </a:r>
-          </a:p>
-          <a:p>
-            <a:pPr marL="457200" lvl="1" indent="0">
-              <a:buNone/>
-            </a:pPr>
-            <a:r>
-              <a:rPr lang="en-US" sz="2000" dirty="0"/>
-              <a:t>Sept 8</a:t>
-            </a:r>
-            <a:r>
-              <a:rPr lang="en-US" sz="2000" baseline="30000" dirty="0"/>
-              <a:t>th</a:t>
-            </a:r>
-            <a:r>
-              <a:rPr lang="en-US" sz="2000" dirty="0"/>
-              <a:t> next available slot meets notice requirements</a:t>
-            </a:r>
-          </a:p>
-          <a:p>
-            <a:pPr marL="457200" lvl="1" indent="0">
-              <a:buNone/>
-            </a:pPr>
-            <a:r>
-              <a:rPr lang="en-US" sz="2000" dirty="0"/>
-              <a:t>------------</a:t>
-            </a:r>
-          </a:p>
-          <a:p>
-            <a:pPr marL="914400" lvl="1" indent="-457200">
-              <a:buFont typeface="+mj-lt"/>
-              <a:buAutoNum type="arabicPeriod"/>
-            </a:pPr>
-            <a:r>
-              <a:rPr lang="en-US" sz="1800" dirty="0"/>
-              <a:t>SDF &amp; Best Practices </a:t>
-            </a:r>
-          </a:p>
-          <a:p>
-            <a:pPr marL="914400" lvl="1" indent="-457200">
-              <a:buFont typeface="+mj-lt"/>
-              <a:buAutoNum type="arabicPeriod"/>
-            </a:pPr>
-            <a:r>
-              <a:rPr lang="en-US" sz="1800" dirty="0"/>
-              <a:t>Ecosystems represented – conversion tools, technical review, fit for purpose </a:t>
-            </a:r>
-          </a:p>
-          <a:p>
-            <a:pPr marL="914400" lvl="1" indent="-457200">
-              <a:buFont typeface="+mj-lt"/>
-              <a:buAutoNum type="arabicPeriod"/>
-            </a:pPr>
-            <a:r>
-              <a:rPr lang="en-US" sz="1800" dirty="0"/>
-              <a:t>Harmonize across industry (don't create another level of approval in the process) (escalation process e.g. discuss process) set of individuals</a:t>
-            </a:r>
-          </a:p>
-          <a:p>
-            <a:endParaRPr lang="en-US" sz="1800" dirty="0"/>
+        <p:spPr/>
+        <p:txBody>
+          <a:bodyPr/>
+          <a:lstStyle/>
+          <a:p>
+            <a:pPr lvl="1"/>
+            <a:r>
+              <a:rPr lang="en-US" dirty="0"/>
+              <a:t>ASHRAE 223p ? External organization, work with ASDF</a:t>
+            </a:r>
+          </a:p>
+          <a:p>
+            <a:pPr lvl="1"/>
+            <a:r>
+              <a:rPr lang="en-US" dirty="0"/>
+              <a:t>Should this be discussed further as a thing? Central place for external repo consolidation? These can be checked in </a:t>
+            </a:r>
+            <a:r>
+              <a:rPr lang="en-US" dirty="0" err="1"/>
+              <a:t>OneDM</a:t>
+            </a:r>
+            <a:endParaRPr lang="en-US" dirty="0"/>
+          </a:p>
+          <a:p>
+            <a:pPr lvl="1"/>
+            <a:r>
+              <a:rPr lang="en-US" dirty="0"/>
+              <a:t>Need a pilot example to point to</a:t>
+            </a:r>
           </a:p>
         </p:txBody>
       </p:sp>
     </p:spTree>
     <p:extLst>
       <p:ext uri="{BB962C8B-B14F-4D97-AF65-F5344CB8AC3E}">
-        <p14:creationId xmlns:p14="http://schemas.microsoft.com/office/powerpoint/2010/main" val="542224981"/>
+        <p14:creationId xmlns:p14="http://schemas.microsoft.com/office/powerpoint/2010/main" val="1033181223"/>
       </p:ext>
     </p:extLst>
   </p:cSld>
@@ -12545,7 +12325,7 @@
           <p:cNvPr id="2" name="Title 1">
             <a:extLst>
               <a:ext uri="{FF2B5EF4-FFF2-40B4-BE49-F238E27FC236}">
-                <a16:creationId xmlns:a16="http://schemas.microsoft.com/office/drawing/2014/main" id="{271744A5-50CC-B140-A00E-8CC90FE869DB}"/>
+                <a16:creationId xmlns:a16="http://schemas.microsoft.com/office/drawing/2014/main" id="{9B917999-96DA-F84B-9561-8A1A26AD5B0C}"/>
               </a:ext>
             </a:extLst>
           </p:cNvPr>
@@ -12556,34 +12336,29 @@
             <p:ph type="title"/>
           </p:nvPr>
         </p:nvSpPr>
-        <p:spPr/>
-        <p:txBody>
-          <a:bodyPr>
-            <a:normAutofit/>
-          </a:bodyPr>
-          <a:lstStyle/>
-          <a:p>
-            <a:r>
-              <a:rPr lang="en-US" dirty="0"/>
-              <a:t>Conclusion from August 23</a:t>
-            </a:r>
-            <a:r>
-              <a:rPr lang="en-US" baseline="30000" dirty="0"/>
-              <a:t>rd</a:t>
-            </a:r>
-            <a:r>
-              <a:rPr lang="en-US" dirty="0"/>
-              <a:t> </a:t>
-            </a:r>
-          </a:p>
-        </p:txBody>
-      </p:sp>
-      <p:sp>
-        <p:nvSpPr>
-          <p:cNvPr id="3" name="Content Placeholder 2">
+        <p:spPr>
+          <a:xfrm>
+            <a:off x="1222130" y="0"/>
+            <a:ext cx="7293219" cy="1006474"/>
+          </a:xfrm>
+        </p:spPr>
+        <p:txBody>
+          <a:bodyPr/>
+          <a:lstStyle/>
+          <a:p>
+            <a:r>
+              <a:rPr lang="en-US" dirty="0"/>
+              <a:t>Review Board</a:t>
+            </a:r>
+          </a:p>
+        </p:txBody>
+      </p:sp>
+      <p:sp>
+        <p:nvSpPr>
+          <p:cNvPr id="5" name="Content Placeholder 2">
             <a:extLst>
               <a:ext uri="{FF2B5EF4-FFF2-40B4-BE49-F238E27FC236}">
-                <a16:creationId xmlns:a16="http://schemas.microsoft.com/office/drawing/2014/main" id="{3E01B5F4-0D67-0B4F-9DD5-49954B861438}"/>
+                <a16:creationId xmlns:a16="http://schemas.microsoft.com/office/drawing/2014/main" id="{098670AF-C243-574F-99EE-6314F3F42DCC}"/>
               </a:ext>
             </a:extLst>
           </p:cNvPr>
@@ -12594,126 +12369,126 @@
             <p:ph idx="1"/>
           </p:nvPr>
         </p:nvSpPr>
-        <p:spPr/>
-        <p:txBody>
-          <a:bodyPr/>
-          <a:lstStyle/>
-          <a:p>
-            <a:r>
-              <a:rPr lang="en-US" dirty="0"/>
-              <a:t>Next meeting August 30, 0800 Pacific Time</a:t>
-            </a:r>
-          </a:p>
-          <a:p>
-            <a:r>
-              <a:rPr lang="en-US" dirty="0"/>
-              <a:t>AOB </a:t>
+        <p:spPr>
+          <a:xfrm>
+            <a:off x="628649" y="503237"/>
+            <a:ext cx="7886700" cy="5030109"/>
+          </a:xfrm>
+        </p:spPr>
+        <p:txBody>
+          <a:bodyPr/>
+          <a:lstStyle/>
+          <a:p>
+            <a:r>
+              <a:rPr lang="en-US" dirty="0"/>
+              <a:t>Discussion from 9/8 on naming conventions </a:t>
             </a:r>
           </a:p>
           <a:p>
             <a:pPr lvl="1"/>
             <a:r>
               <a:rPr lang="en-US" dirty="0"/>
-              <a:t>Another round of outreach when we have the review board to report</a:t>
+              <a:t>Objects and Properties </a:t>
+            </a:r>
+          </a:p>
+          <a:p>
+            <a:r>
+              <a:rPr lang="en-US" dirty="0"/>
+              <a:t>Review examples from ecosystems</a:t>
             </a:r>
           </a:p>
           <a:p>
             <a:pPr lvl="1"/>
             <a:r>
               <a:rPr lang="en-US" dirty="0"/>
-              <a:t>Approach CSA again – Alan Soloway?</a:t>
+              <a:t>OCF</a:t>
             </a:r>
           </a:p>
           <a:p>
             <a:pPr lvl="1"/>
             <a:r>
               <a:rPr lang="en-US" dirty="0"/>
-              <a:t>Offer a seminar/workshop/</a:t>
-            </a:r>
-            <a:r>
-              <a:rPr lang="en-US" dirty="0" err="1"/>
-              <a:t>q&amp;a</a:t>
-            </a:r>
-            <a:r>
-              <a:rPr lang="en-US" dirty="0"/>
-              <a:t> – follow on from hive</a:t>
+              <a:t>OMA</a:t>
             </a:r>
           </a:p>
           <a:p>
             <a:pPr lvl="1"/>
             <a:r>
               <a:rPr lang="en-US" dirty="0"/>
-              <a:t>Get a BSD-licensed version of ZCL </a:t>
+              <a:t>Zigbee</a:t>
             </a:r>
           </a:p>
           <a:p>
             <a:pPr lvl="1"/>
             <a:r>
               <a:rPr lang="en-US" dirty="0"/>
-              <a:t>Communicate with CSA on converter and experimental use</a:t>
+              <a:t>Bluetooth Mesh</a:t>
             </a:r>
           </a:p>
           <a:p>
             <a:pPr lvl="1"/>
             <a:r>
               <a:rPr lang="en-US" dirty="0"/>
-              <a:t>Bluetooth Mesh models</a:t>
+              <a:t>Other? </a:t>
+            </a:r>
+          </a:p>
+          <a:p>
+            <a:r>
+              <a:rPr lang="en-US" dirty="0"/>
+              <a:t>Besides naming (naming is a symptom)</a:t>
             </a:r>
           </a:p>
           <a:p>
             <a:pPr lvl="1"/>
             <a:r>
               <a:rPr lang="en-US" dirty="0"/>
-              <a:t>Start with the sensor model? Too much complexity at once but very attractive – where is a pointer?</a:t>
+              <a:t>What is the bigger problem?</a:t>
             </a:r>
           </a:p>
           <a:p>
             <a:pPr lvl="1"/>
             <a:r>
               <a:rPr lang="en-US" dirty="0"/>
-              <a:t>Binary switch, level, luminary to compare with OCF, Zigbee, OMA</a:t>
+              <a:t>Reusability</a:t>
             </a:r>
           </a:p>
           <a:p>
             <a:pPr lvl="1"/>
             <a:r>
               <a:rPr lang="en-US" dirty="0"/>
-              <a:t>Decompose vertically starting with characteristic and property models, layering the data presentation model separately</a:t>
-            </a:r>
-          </a:p>
-          <a:p>
-            <a:r>
-              <a:rPr lang="en-US" dirty="0"/>
-              <a:t>Adjourn</a:t>
-            </a:r>
-          </a:p>
-        </p:txBody>
-      </p:sp>
-      <p:sp>
-        <p:nvSpPr>
-          <p:cNvPr id="6" name="Slide Number Placeholder 5">
-            <a:extLst>
-              <a:ext uri="{FF2B5EF4-FFF2-40B4-BE49-F238E27FC236}">
-                <a16:creationId xmlns:a16="http://schemas.microsoft.com/office/drawing/2014/main" id="{936DCD67-528E-E94B-B5CF-F45B24550A6F}"/>
-              </a:ext>
-            </a:extLst>
-          </p:cNvPr>
-          <p:cNvSpPr>
-            <a:spLocks noGrp="1"/>
-          </p:cNvSpPr>
-          <p:nvPr>
-            <p:ph type="sldNum" sz="quarter" idx="12"/>
-          </p:nvPr>
-        </p:nvSpPr>
-        <p:spPr/>
-        <p:txBody>
-          <a:bodyPr/>
-          <a:lstStyle/>
-          <a:p>
-            <a:fld id="{AEC7C1BC-5028-4D6D-9D11-35ECB2EE6680}" type="slidenum">
-              <a:rPr lang="en-US" smtClean="0"/>
-              <a:t>38</a:t>
-            </a:fld>
+              <a:t>Composability – OCF model</a:t>
+            </a:r>
+          </a:p>
+          <a:p>
+            <a:pPr lvl="1"/>
+            <a:r>
+              <a:rPr lang="en-US" dirty="0"/>
+              <a:t>Need to work from a vision of all the possible derivations and uses across </a:t>
+            </a:r>
+          </a:p>
+          <a:p>
+            <a:pPr lvl="1"/>
+            <a:r>
+              <a:rPr lang="en-US" dirty="0"/>
+              <a:t>Do we need to look at other examples? Mode vs. state</a:t>
+            </a:r>
+          </a:p>
+          <a:p>
+            <a:pPr lvl="1"/>
+            <a:r>
+              <a:rPr lang="en-US" dirty="0"/>
+              <a:t>What about sensors? Many issues to drive </a:t>
+            </a:r>
+          </a:p>
+          <a:p>
+            <a:pPr lvl="1"/>
+            <a:r>
+              <a:rPr lang="en-US" dirty="0"/>
+              <a:t>There may be a shape transform pattern</a:t>
+            </a:r>
+          </a:p>
+          <a:p>
+            <a:pPr lvl="1"/>
             <a:endParaRPr lang="en-US" dirty="0"/>
           </a:p>
         </p:txBody>
@@ -12721,7 +12496,7 @@
     </p:spTree>
     <p:extLst>
       <p:ext uri="{BB962C8B-B14F-4D97-AF65-F5344CB8AC3E}">
-        <p14:creationId xmlns:p14="http://schemas.microsoft.com/office/powerpoint/2010/main" val="2406904080"/>
+        <p14:creationId xmlns:p14="http://schemas.microsoft.com/office/powerpoint/2010/main" val="351770316"/>
       </p:ext>
     </p:extLst>
   </p:cSld>
@@ -12764,7 +12539,12 @@
             <p:ph type="title"/>
           </p:nvPr>
         </p:nvSpPr>
-        <p:spPr/>
+        <p:spPr>
+          <a:xfrm>
+            <a:off x="1222130" y="165431"/>
+            <a:ext cx="7293219" cy="1006474"/>
+          </a:xfrm>
+        </p:spPr>
         <p:txBody>
           <a:bodyPr/>
           <a:lstStyle/>
@@ -12798,7 +12578,7 @@
         </p:nvSpPr>
         <p:spPr>
           <a:xfrm>
-            <a:off x="628649" y="1371601"/>
+            <a:off x="628649" y="1171905"/>
             <a:ext cx="7886700" cy="5102771"/>
           </a:xfrm>
         </p:spPr>
@@ -12823,43 +12603,213 @@
           <a:p>
             <a:r>
               <a:rPr lang="en-US" sz="2400" dirty="0"/>
-              <a:t>Any comments or questions?</a:t>
-            </a:r>
-          </a:p>
-          <a:p>
-            <a:r>
-              <a:rPr lang="en-US" sz="2400" dirty="0"/>
-              <a:t>Ready to adopt the process?</a:t>
-            </a:r>
-          </a:p>
-          <a:p>
-            <a:r>
-              <a:rPr lang="en-US" sz="2400" dirty="0"/>
-              <a:t>Schedule a review cycle for the initial models</a:t>
-            </a:r>
-          </a:p>
-          <a:p>
-            <a:r>
-              <a:rPr lang="en-US" sz="2400" dirty="0"/>
-              <a:t>Invitations and outreach to subject/domain experts</a:t>
-            </a:r>
-          </a:p>
-          <a:p>
-            <a:r>
-              <a:rPr lang="en-US" sz="2400" dirty="0"/>
               <a:t>Set up a review board – current ecosystems represented initially, later we can add other ecosystems</a:t>
-            </a:r>
-          </a:p>
-          <a:p>
-            <a:r>
-              <a:rPr lang="en-US" sz="2400" dirty="0"/>
-              <a:t>1. SDF &amp; Best Practices 2. ecosystems represented – conversion tools, technical review, fit for purpose 3. harmonize across industry (don't create another level of approval in the process) (escalation process e.g. discuss process) set of individuals</a:t>
             </a:r>
           </a:p>
           <a:p>
             <a:r>
               <a:rPr lang="en-US" sz="2400" dirty="0"/>
               <a:t>Need a document to describe the review board – consensus, process, co-opting new members – get people to sign up</a:t>
+            </a:r>
+          </a:p>
+          <a:p>
+            <a:r>
+              <a:rPr lang="en-US" sz="1800" dirty="0">
+                <a:hlinkClick r:id="rId3"/>
+              </a:rPr>
+              <a:t>https://github.com/one-data-model/processes/blob/master/review-board.md</a:t>
+            </a:r>
+            <a:endParaRPr lang="en-US" sz="1800" dirty="0"/>
+          </a:p>
+          <a:p>
+            <a:r>
+              <a:rPr lang="en-US" sz="1800" dirty="0">
+                <a:hlinkClick r:id="rId4"/>
+              </a:rPr>
+              <a:t>https://github.com/one-data-model/processes/wiki/Review-Board-Nomination</a:t>
+            </a:r>
+            <a:endParaRPr lang="en-US" sz="1800" dirty="0"/>
+          </a:p>
+          <a:p>
+            <a:pPr marL="457200" lvl="1" indent="0">
+              <a:buNone/>
+            </a:pPr>
+            <a:r>
+              <a:rPr lang="en-US" sz="2000" dirty="0"/>
+              <a:t>7 nominations and 2</a:t>
+            </a:r>
+            <a:r>
+              <a:rPr lang="en-US" sz="2000" baseline="30000" dirty="0"/>
+              <a:t>nd</a:t>
+            </a:r>
+            <a:r>
+              <a:rPr lang="en-US" sz="2000" dirty="0"/>
+              <a:t> </a:t>
+            </a:r>
+          </a:p>
+          <a:p>
+            <a:pPr marL="457200" lvl="1" indent="0">
+              <a:buNone/>
+            </a:pPr>
+            <a:r>
+              <a:rPr lang="en-US" sz="2000" dirty="0"/>
+              <a:t>Length of term: 1</a:t>
+            </a:r>
+            <a:r>
+              <a:rPr lang="en-US" sz="2000" baseline="30000" dirty="0"/>
+              <a:t>st</a:t>
+            </a:r>
+            <a:r>
+              <a:rPr lang="en-US" sz="2000" dirty="0"/>
+              <a:t> RB Provisional for 6 months to re-evaluate</a:t>
+            </a:r>
+          </a:p>
+          <a:p>
+            <a:pPr marL="457200" lvl="1" indent="0">
+              <a:buNone/>
+            </a:pPr>
+            <a:r>
+              <a:rPr lang="en-US" sz="2000" dirty="0"/>
+              <a:t>RB can co-opt anyone at any time</a:t>
+            </a:r>
+          </a:p>
+          <a:p>
+            <a:pPr marL="457200" lvl="1" indent="0">
+              <a:buNone/>
+            </a:pPr>
+            <a:r>
+              <a:rPr lang="en-US" sz="2000" dirty="0"/>
+              <a:t>Resolved Aug 23</a:t>
+            </a:r>
+            <a:r>
+              <a:rPr lang="en-US" sz="2000" baseline="30000" dirty="0"/>
+              <a:t>rd</a:t>
+            </a:r>
+            <a:endParaRPr lang="en-US" sz="2000" dirty="0"/>
+          </a:p>
+          <a:p>
+            <a:pPr marL="457200" lvl="1" indent="0">
+              <a:buNone/>
+            </a:pPr>
+            <a:r>
+              <a:rPr lang="en-US" sz="2000" dirty="0"/>
+              <a:t>Date for 1</a:t>
+            </a:r>
+            <a:r>
+              <a:rPr lang="en-US" sz="2000" baseline="30000" dirty="0"/>
+              <a:t>st</a:t>
+            </a:r>
+            <a:r>
+              <a:rPr lang="en-US" sz="2000" dirty="0"/>
+              <a:t> review board kickoff meeting – secretary role (</a:t>
+            </a:r>
+            <a:r>
+              <a:rPr lang="en-US" sz="2000" dirty="0" err="1"/>
+              <a:t>Niklas</a:t>
+            </a:r>
+            <a:r>
+              <a:rPr lang="en-US" sz="2000" dirty="0"/>
+              <a:t>)</a:t>
+            </a:r>
+          </a:p>
+          <a:p>
+            <a:pPr marL="457200" lvl="1" indent="0">
+              <a:buNone/>
+            </a:pPr>
+            <a:r>
+              <a:rPr lang="en-US" sz="2000" dirty="0"/>
+              <a:t>11 days notice required 2 weeks from now – doodle Aug. 30 for dry run and discuss contributions</a:t>
+            </a:r>
+          </a:p>
+          <a:p>
+            <a:pPr marL="457200" lvl="1" indent="0">
+              <a:buNone/>
+            </a:pPr>
+            <a:r>
+              <a:rPr lang="en-US" sz="2000" dirty="0" err="1"/>
+              <a:t>Niklas</a:t>
+            </a:r>
+            <a:r>
+              <a:rPr lang="en-US" sz="2000" dirty="0"/>
+              <a:t> will send out a notice on Wiki or </a:t>
+            </a:r>
+            <a:r>
+              <a:rPr lang="en-US" sz="2000" dirty="0" err="1"/>
+              <a:t>github</a:t>
+            </a:r>
+            <a:endParaRPr lang="en-US" sz="2000" dirty="0"/>
+          </a:p>
+          <a:p>
+            <a:pPr marL="457200" lvl="1" indent="0">
+              <a:buNone/>
+            </a:pPr>
+            <a:r>
+              <a:rPr lang="en-US" sz="2000" dirty="0"/>
+              <a:t>Need an </a:t>
+            </a:r>
+            <a:r>
+              <a:rPr lang="en-US" sz="2000" dirty="0" err="1"/>
+              <a:t>async</a:t>
+            </a:r>
+            <a:r>
+              <a:rPr lang="en-US" sz="2000" dirty="0"/>
+              <a:t>. option to participate</a:t>
+            </a:r>
+          </a:p>
+          <a:p>
+            <a:pPr marL="457200" lvl="1" indent="0">
+              <a:buNone/>
+            </a:pPr>
+            <a:r>
+              <a:rPr lang="en-US" sz="2000" dirty="0"/>
+              <a:t>Sept 8</a:t>
+            </a:r>
+            <a:r>
+              <a:rPr lang="en-US" sz="2000" baseline="30000" dirty="0"/>
+              <a:t>th</a:t>
+            </a:r>
+            <a:r>
+              <a:rPr lang="en-US" sz="2000" dirty="0"/>
+              <a:t> next available slot meets notice requirements</a:t>
+            </a:r>
+          </a:p>
+          <a:p>
+            <a:pPr marL="457200" lvl="1" indent="0">
+              <a:buNone/>
+            </a:pPr>
+            <a:r>
+              <a:rPr lang="en-US" sz="2000" dirty="0"/>
+              <a:t>------------</a:t>
+            </a:r>
+          </a:p>
+          <a:p>
+            <a:pPr marL="914400" lvl="1" indent="-457200">
+              <a:buFont typeface="+mj-lt"/>
+              <a:buAutoNum type="arabicPeriod"/>
+            </a:pPr>
+            <a:r>
+              <a:rPr lang="en-US" sz="1800" dirty="0"/>
+              <a:t>SDF &amp; Best Practices </a:t>
+            </a:r>
+          </a:p>
+          <a:p>
+            <a:pPr marL="914400" lvl="1" indent="-457200">
+              <a:buFont typeface="+mj-lt"/>
+              <a:buAutoNum type="arabicPeriod"/>
+            </a:pPr>
+            <a:r>
+              <a:rPr lang="en-US" sz="1800" dirty="0"/>
+              <a:t>Ecosystems represented – conversion tools, technical review, fit for purpose </a:t>
+            </a:r>
+          </a:p>
+          <a:p>
+            <a:pPr marL="914400" lvl="1" indent="-457200">
+              <a:buFont typeface="+mj-lt"/>
+              <a:buAutoNum type="arabicPeriod"/>
+            </a:pPr>
+            <a:r>
+              <a:rPr lang="en-US" sz="1800" dirty="0"/>
+              <a:t>Harmonize across industry (don't create another level of approval in the process) (escalation process e.g. discuss process) set of individuals</a:t>
             </a:r>
           </a:p>
           <a:p>
@@ -12870,7 +12820,7 @@
     </p:spTree>
     <p:extLst>
       <p:ext uri="{BB962C8B-B14F-4D97-AF65-F5344CB8AC3E}">
-        <p14:creationId xmlns:p14="http://schemas.microsoft.com/office/powerpoint/2010/main" val="3931097886"/>
+        <p14:creationId xmlns:p14="http://schemas.microsoft.com/office/powerpoint/2010/main" val="542224981"/>
       </p:ext>
     </p:extLst>
   </p:cSld>
@@ -12902,7 +12852,7 @@
           <p:cNvPr id="2" name="Title 1">
             <a:extLst>
               <a:ext uri="{FF2B5EF4-FFF2-40B4-BE49-F238E27FC236}">
-                <a16:creationId xmlns:a16="http://schemas.microsoft.com/office/drawing/2014/main" id="{D2D69004-2B6E-C542-83C9-7D0E332DF8C1}"/>
+                <a16:creationId xmlns:a16="http://schemas.microsoft.com/office/drawing/2014/main" id="{F41D091C-DCE3-4546-A8D2-8290BE03D9EC}"/>
               </a:ext>
             </a:extLst>
           </p:cNvPr>
@@ -12920,7 +12870,7 @@
           <a:p>
             <a:r>
               <a:rPr lang="en-US" dirty="0"/>
-              <a:t>Venue shift</a:t>
+              <a:t>Adoption process</a:t>
             </a:r>
           </a:p>
         </p:txBody>
@@ -12930,7 +12880,7 @@
           <p:cNvPr id="3" name="Content Placeholder 2">
             <a:extLst>
               <a:ext uri="{FF2B5EF4-FFF2-40B4-BE49-F238E27FC236}">
-                <a16:creationId xmlns:a16="http://schemas.microsoft.com/office/drawing/2014/main" id="{F2F7A4F6-3331-EC4C-BB8C-3EB6F3B90246}"/>
+                <a16:creationId xmlns:a16="http://schemas.microsoft.com/office/drawing/2014/main" id="{8AFE09A2-792C-0340-A08A-9D48FCB1855E}"/>
               </a:ext>
             </a:extLst>
           </p:cNvPr>
@@ -12948,68 +12898,15 @@
           <a:p>
             <a:r>
               <a:rPr lang="en-US" dirty="0"/>
-              <a:t>New mailing list at </a:t>
-            </a:r>
-            <a:r>
-              <a:rPr lang="en-US" dirty="0" err="1"/>
-              <a:t>groups.io</a:t>
-            </a:r>
-            <a:endParaRPr lang="en-US" dirty="0"/>
-          </a:p>
-          <a:p>
-            <a:pPr lvl="1"/>
-            <a:r>
-              <a:rPr lang="en-US" dirty="0"/>
-              <a:t>https://</a:t>
-            </a:r>
-            <a:r>
-              <a:rPr lang="en-US" dirty="0" err="1"/>
-              <a:t>groups.io</a:t>
-            </a:r>
-            <a:r>
-              <a:rPr lang="en-US" dirty="0"/>
-              <a:t>/</a:t>
-            </a:r>
-            <a:r>
-              <a:rPr lang="en-US" dirty="0" err="1"/>
-              <a:t>onedm</a:t>
-            </a:r>
-            <a:endParaRPr lang="en-US" dirty="0"/>
-          </a:p>
-          <a:p>
-            <a:r>
-              <a:rPr lang="en-US" dirty="0"/>
-              <a:t>Move enterprise admin, calendar, etc. to </a:t>
-            </a:r>
-            <a:r>
-              <a:rPr lang="en-US" dirty="0" err="1"/>
-              <a:t>github</a:t>
-            </a:r>
-            <a:endParaRPr lang="en-US" dirty="0"/>
-          </a:p>
-          <a:p>
-            <a:r>
-              <a:rPr lang="en-US" dirty="0"/>
-              <a:t>Set up a blog on </a:t>
-            </a:r>
-            <a:r>
-              <a:rPr lang="en-US" dirty="0" err="1"/>
-              <a:t>onedm.org</a:t>
-            </a:r>
-            <a:endParaRPr lang="en-US" dirty="0"/>
-          </a:p>
-          <a:p>
-            <a:pPr marL="0" indent="0">
-              <a:buNone/>
-            </a:pPr>
-            <a:endParaRPr lang="en-US" dirty="0"/>
+              <a:t>Status and plan</a:t>
+            </a:r>
           </a:p>
         </p:txBody>
       </p:sp>
     </p:spTree>
     <p:extLst>
       <p:ext uri="{BB962C8B-B14F-4D97-AF65-F5344CB8AC3E}">
-        <p14:creationId xmlns:p14="http://schemas.microsoft.com/office/powerpoint/2010/main" val="3921261989"/>
+        <p14:creationId xmlns:p14="http://schemas.microsoft.com/office/powerpoint/2010/main" val="964714880"/>
       </p:ext>
     </p:extLst>
   </p:cSld>
@@ -13041,7 +12938,7 @@
           <p:cNvPr id="2" name="Title 1">
             <a:extLst>
               <a:ext uri="{FF2B5EF4-FFF2-40B4-BE49-F238E27FC236}">
-                <a16:creationId xmlns:a16="http://schemas.microsoft.com/office/drawing/2014/main" id="{8DA996AB-4CCF-9A4D-8283-4BF0D8182E45}"/>
+                <a16:creationId xmlns:a16="http://schemas.microsoft.com/office/drawing/2014/main" id="{271744A5-50CC-B140-A00E-8CC90FE869DB}"/>
               </a:ext>
             </a:extLst>
           </p:cNvPr>
@@ -13054,12 +12951,22 @@
         </p:nvSpPr>
         <p:spPr/>
         <p:txBody>
-          <a:bodyPr/>
-          <a:lstStyle/>
-          <a:p>
-            <a:r>
-              <a:rPr lang="en-US" dirty="0"/>
-              <a:t>Provisional Models</a:t>
+          <a:bodyPr>
+            <a:normAutofit/>
+          </a:bodyPr>
+          <a:lstStyle/>
+          <a:p>
+            <a:r>
+              <a:rPr lang="en-US" dirty="0"/>
+              <a:t>Conclusion from August 23</a:t>
+            </a:r>
+            <a:r>
+              <a:rPr lang="en-US" baseline="30000" dirty="0"/>
+              <a:t>rd</a:t>
+            </a:r>
+            <a:r>
+              <a:rPr lang="en-US" dirty="0"/>
+              <a:t> </a:t>
             </a:r>
           </a:p>
         </p:txBody>
@@ -13069,7 +12976,7 @@
           <p:cNvPr id="3" name="Content Placeholder 2">
             <a:extLst>
               <a:ext uri="{FF2B5EF4-FFF2-40B4-BE49-F238E27FC236}">
-                <a16:creationId xmlns:a16="http://schemas.microsoft.com/office/drawing/2014/main" id="{2E9D51C6-993F-3449-B619-FB9514632060}"/>
+                <a16:creationId xmlns:a16="http://schemas.microsoft.com/office/drawing/2014/main" id="{3E01B5F4-0D67-0B4F-9DD5-49954B861438}"/>
               </a:ext>
             </a:extLst>
           </p:cNvPr>
@@ -13087,72 +12994,127 @@
           <a:p>
             <a:r>
               <a:rPr lang="en-US" dirty="0"/>
-              <a:t>OCF contribution list sent by </a:t>
+              <a:t>Next meeting August 30, 0800 Pacific Time</a:t>
+            </a:r>
+          </a:p>
+          <a:p>
+            <a:r>
+              <a:rPr lang="en-US" dirty="0"/>
+              <a:t>AOB </a:t>
+            </a:r>
+          </a:p>
+          <a:p>
+            <a:pPr lvl="1"/>
+            <a:r>
+              <a:rPr lang="en-US" dirty="0"/>
+              <a:t>Another round of outreach when we have the review board to report</a:t>
+            </a:r>
+          </a:p>
+          <a:p>
+            <a:pPr lvl="1"/>
+            <a:r>
+              <a:rPr lang="en-US" dirty="0"/>
+              <a:t>Approach CSA again – Alan Soloway?</a:t>
+            </a:r>
+          </a:p>
+          <a:p>
+            <a:pPr lvl="1"/>
+            <a:r>
+              <a:rPr lang="en-US" dirty="0"/>
+              <a:t>Offer a seminar/workshop/</a:t>
             </a:r>
             <a:r>
               <a:rPr lang="en-US" dirty="0" err="1"/>
-              <a:t>Wouter</a:t>
-            </a:r>
-            <a:r>
-              <a:rPr lang="en-US" dirty="0"/>
-              <a:t> </a:t>
-            </a:r>
-          </a:p>
-          <a:p>
-            <a:r>
-              <a:rPr lang="en-US" dirty="0"/>
-              <a:t>Question on namespace syntax required</a:t>
+              <a:t>q&amp;a</a:t>
+            </a:r>
+            <a:r>
+              <a:rPr lang="en-US" dirty="0"/>
+              <a:t> – follow on from hive</a:t>
             </a:r>
           </a:p>
           <a:p>
             <a:pPr lvl="1"/>
             <a:r>
-              <a:rPr lang="en-US" dirty="0">
-                <a:hlinkClick r:id="rId2"/>
-              </a:rPr>
-              <a:t>https://onedm.org/playground/</a:t>
-            </a:r>
+              <a:rPr lang="en-US" dirty="0"/>
+              <a:t>Get a BSD-licensed version of ZCL </a:t>
+            </a:r>
+          </a:p>
+          <a:p>
+            <a:pPr lvl="1"/>
+            <a:r>
+              <a:rPr lang="en-US" dirty="0"/>
+              <a:t>Communicate with CSA on converter and experimental use</a:t>
+            </a:r>
+          </a:p>
+          <a:p>
+            <a:pPr lvl="1"/>
+            <a:r>
+              <a:rPr lang="en-US" dirty="0"/>
+              <a:t>Bluetooth Mesh models</a:t>
+            </a:r>
+          </a:p>
+          <a:p>
+            <a:pPr lvl="1"/>
+            <a:r>
+              <a:rPr lang="en-US" dirty="0"/>
+              <a:t>Start with the sensor model? Too much complexity at once but very attractive – where is a pointer?</a:t>
+            </a:r>
+          </a:p>
+          <a:p>
+            <a:pPr lvl="1"/>
+            <a:r>
+              <a:rPr lang="en-US" dirty="0"/>
+              <a:t>Binary switch, level, luminary to compare with OCF, Zigbee, OMA</a:t>
+            </a:r>
+          </a:p>
+          <a:p>
+            <a:pPr lvl="1"/>
+            <a:r>
+              <a:rPr lang="en-US" dirty="0"/>
+              <a:t>Decompose vertically starting with characteristic and property models, layering the data presentation model separately</a:t>
+            </a:r>
+          </a:p>
+          <a:p>
+            <a:r>
+              <a:rPr lang="en-US" dirty="0"/>
+              <a:t>Adjourn</a:t>
+            </a:r>
+          </a:p>
+        </p:txBody>
+      </p:sp>
+      <p:sp>
+        <p:nvSpPr>
+          <p:cNvPr id="6" name="Slide Number Placeholder 5">
+            <a:extLst>
+              <a:ext uri="{FF2B5EF4-FFF2-40B4-BE49-F238E27FC236}">
+                <a16:creationId xmlns:a16="http://schemas.microsoft.com/office/drawing/2014/main" id="{936DCD67-528E-E94B-B5CF-F45B24550A6F}"/>
+              </a:ext>
+            </a:extLst>
+          </p:cNvPr>
+          <p:cNvSpPr>
+            <a:spLocks noGrp="1"/>
+          </p:cNvSpPr>
+          <p:nvPr>
+            <p:ph type="sldNum" sz="quarter" idx="12"/>
+          </p:nvPr>
+        </p:nvSpPr>
+        <p:spPr/>
+        <p:txBody>
+          <a:bodyPr/>
+          <a:lstStyle/>
+          <a:p>
+            <a:fld id="{AEC7C1BC-5028-4D6D-9D11-35ECB2EE6680}" type="slidenum">
+              <a:rPr lang="en-US" smtClean="0"/>
+              <a:t>40</a:t>
+            </a:fld>
             <a:endParaRPr lang="en-US" dirty="0"/>
-          </a:p>
-          <a:p>
-            <a:r>
-              <a:rPr lang="en-US" dirty="0"/>
-              <a:t>OCF-style process based on constructive feedback</a:t>
-            </a:r>
-          </a:p>
-          <a:p>
-            <a:pPr lvl="1"/>
-            <a:r>
-              <a:rPr lang="en-US" dirty="0"/>
-              <a:t>Make concrete proposals to make it better</a:t>
-            </a:r>
-          </a:p>
-          <a:p>
-            <a:pPr lvl="1"/>
-            <a:r>
-              <a:rPr lang="en-US" dirty="0"/>
-              <a:t>Chairs drive consensus and help break deadlocks</a:t>
-            </a:r>
-          </a:p>
-          <a:p>
-            <a:pPr lvl="1"/>
-            <a:r>
-              <a:rPr lang="en-US" dirty="0"/>
-              <a:t>RFC 2418 defined WG chair role </a:t>
-            </a:r>
-          </a:p>
-          <a:p>
-            <a:r>
-              <a:rPr lang="en-US" dirty="0"/>
-              <a:t>OMA model contribution strawman voltage and current sensor – discussion around how to handle quantities and units being measured</a:t>
-            </a:r>
           </a:p>
         </p:txBody>
       </p:sp>
     </p:spTree>
     <p:extLst>
       <p:ext uri="{BB962C8B-B14F-4D97-AF65-F5344CB8AC3E}">
-        <p14:creationId xmlns:p14="http://schemas.microsoft.com/office/powerpoint/2010/main" val="3244528928"/>
+        <p14:creationId xmlns:p14="http://schemas.microsoft.com/office/powerpoint/2010/main" val="2406904080"/>
       </p:ext>
     </p:extLst>
   </p:cSld>
@@ -13184,7 +13146,7 @@
           <p:cNvPr id="2" name="Title 1">
             <a:extLst>
               <a:ext uri="{FF2B5EF4-FFF2-40B4-BE49-F238E27FC236}">
-                <a16:creationId xmlns:a16="http://schemas.microsoft.com/office/drawing/2014/main" id="{C9BC6E3F-11C2-AF46-9DA2-BF0E63F790EC}"/>
+                <a16:creationId xmlns:a16="http://schemas.microsoft.com/office/drawing/2014/main" id="{82B73035-0A6C-2447-90E0-C81C8FC66401}"/>
               </a:ext>
             </a:extLst>
           </p:cNvPr>
@@ -13195,309 +13157,113 @@
             <p:ph type="title"/>
           </p:nvPr>
         </p:nvSpPr>
-        <p:spPr>
-          <a:xfrm>
-            <a:off x="1384175" y="226231"/>
-            <a:ext cx="7293219" cy="1006474"/>
-          </a:xfrm>
-        </p:spPr>
-        <p:txBody>
-          <a:bodyPr>
-            <a:normAutofit/>
-          </a:bodyPr>
-          <a:lstStyle/>
-          <a:p>
-            <a:r>
-              <a:rPr lang="en-US" dirty="0">
-                <a:solidFill>
-                  <a:srgbClr val="555555"/>
-                </a:solidFill>
-                <a:latin typeface="Helvetica Neue" panose="02000503000000020004" pitchFamily="2" charset="0"/>
-              </a:rPr>
-              <a:t>OCF dishwasher and dryer </a:t>
-            </a:r>
-            <a:endParaRPr lang="en-US" dirty="0"/>
-          </a:p>
-        </p:txBody>
-      </p:sp>
-      <p:sp>
-        <p:nvSpPr>
-          <p:cNvPr id="4" name="Rectangle 3">
+        <p:spPr/>
+        <p:txBody>
+          <a:bodyPr/>
+          <a:lstStyle/>
+          <a:p>
+            <a:r>
+              <a:rPr lang="en-US" dirty="0" err="1"/>
+              <a:t>OneDM</a:t>
+            </a:r>
+            <a:r>
+              <a:rPr lang="en-US" dirty="0"/>
+              <a:t> Adoption Process </a:t>
+            </a:r>
+          </a:p>
+        </p:txBody>
+      </p:sp>
+      <p:sp>
+        <p:nvSpPr>
+          <p:cNvPr id="3" name="Content Placeholder 2">
             <a:extLst>
               <a:ext uri="{FF2B5EF4-FFF2-40B4-BE49-F238E27FC236}">
-                <a16:creationId xmlns:a16="http://schemas.microsoft.com/office/drawing/2014/main" id="{4FDECD5B-85AD-4E48-B004-71967FB1D779}"/>
+                <a16:creationId xmlns:a16="http://schemas.microsoft.com/office/drawing/2014/main" id="{F5DC17ED-3B19-9740-8AA3-5035DBEB1963}"/>
               </a:ext>
             </a:extLst>
           </p:cNvPr>
-          <p:cNvSpPr/>
-          <p:nvPr/>
+          <p:cNvSpPr>
+            <a:spLocks noGrp="1"/>
+          </p:cNvSpPr>
+          <p:nvPr>
+            <p:ph idx="1"/>
+          </p:nvPr>
         </p:nvSpPr>
         <p:spPr>
           <a:xfrm>
-            <a:off x="509286" y="1394751"/>
-            <a:ext cx="8472668" cy="4801314"/>
+            <a:off x="628649" y="1371601"/>
+            <a:ext cx="7886700" cy="5102771"/>
           </a:xfrm>
-          <a:prstGeom prst="rect">
-            <a:avLst/>
-          </a:prstGeom>
         </p:spPr>
         <p:txBody>
-          <a:bodyPr wrap="square">
-            <a:spAutoFit/>
-          </a:bodyPr>
-          <a:lstStyle/>
-          <a:p>
-            <a:pPr fontAlgn="base"/>
-            <a:r>
-              <a:rPr lang="en-US" dirty="0">
-                <a:solidFill>
-                  <a:srgbClr val="114488"/>
-                </a:solidFill>
-                <a:latin typeface="inherit"/>
+          <a:bodyPr/>
+          <a:lstStyle/>
+          <a:p>
+            <a:r>
+              <a:rPr lang="en-US" sz="2400" b="1" dirty="0"/>
+              <a:t>Proposal document to review </a:t>
+            </a:r>
+          </a:p>
+          <a:p>
+            <a:r>
+              <a:rPr lang="en-US" sz="1800" dirty="0">
                 <a:hlinkClick r:id="rId2"/>
               </a:rPr>
-              <a:t>https://openconnectivityfoundation.github.io/devicemodels/docs/index.html</a:t>
-            </a:r>
-            <a:br>
-              <a:rPr lang="en-US" dirty="0">
-                <a:solidFill>
-                  <a:srgbClr val="555555"/>
-                </a:solidFill>
-                <a:latin typeface="Helvetica Neue" panose="02000503000000020004" pitchFamily="2" charset="0"/>
-              </a:rPr>
-            </a:br>
-            <a:endParaRPr lang="en-US" dirty="0">
-              <a:solidFill>
-                <a:srgbClr val="555555"/>
-              </a:solidFill>
-              <a:latin typeface="Helvetica Neue" panose="02000503000000020004" pitchFamily="2" charset="0"/>
-            </a:endParaRPr>
-          </a:p>
-          <a:p>
-            <a:pPr fontAlgn="base"/>
-            <a:r>
-              <a:rPr lang="en-US" dirty="0" err="1">
-                <a:solidFill>
-                  <a:srgbClr val="555555"/>
-                </a:solidFill>
-                <a:latin typeface="Helvetica Neue" panose="02000503000000020004" pitchFamily="2" charset="0"/>
-              </a:rPr>
-              <a:t>oic.d.dishwasher</a:t>
-            </a:r>
-            <a:r>
-              <a:rPr lang="en-US" dirty="0">
-                <a:solidFill>
-                  <a:srgbClr val="555555"/>
-                </a:solidFill>
-                <a:latin typeface="Helvetica Neue" panose="02000503000000020004" pitchFamily="2" charset="0"/>
-              </a:rPr>
-              <a:t> contains the mandatory resources:</a:t>
-            </a:r>
-            <a:br>
-              <a:rPr lang="en-US" dirty="0">
-                <a:solidFill>
-                  <a:srgbClr val="555555"/>
-                </a:solidFill>
-                <a:latin typeface="Helvetica Neue" panose="02000503000000020004" pitchFamily="2" charset="0"/>
-              </a:rPr>
-            </a:br>
-            <a:r>
-              <a:rPr lang="en-US" dirty="0" err="1">
-                <a:solidFill>
-                  <a:srgbClr val="212529"/>
-                </a:solidFill>
-                <a:latin typeface="inherit"/>
-              </a:rPr>
-              <a:t>oic.r.switch.binary</a:t>
-            </a:r>
-            <a:r>
-              <a:rPr lang="en-US" dirty="0">
-                <a:solidFill>
-                  <a:srgbClr val="212529"/>
-                </a:solidFill>
-                <a:latin typeface="inherit"/>
-              </a:rPr>
-              <a:t>, </a:t>
-            </a:r>
-            <a:r>
-              <a:rPr lang="en-US" dirty="0" err="1">
-                <a:solidFill>
-                  <a:srgbClr val="212529"/>
-                </a:solidFill>
-                <a:latin typeface="inherit"/>
-              </a:rPr>
-              <a:t>oic.r.mode</a:t>
-            </a:r>
-            <a:endParaRPr lang="en-US" dirty="0">
-              <a:solidFill>
-                <a:srgbClr val="555555"/>
-              </a:solidFill>
-              <a:latin typeface="Helvetica Neue" panose="02000503000000020004" pitchFamily="2" charset="0"/>
-            </a:endParaRPr>
-          </a:p>
-          <a:p>
-            <a:pPr fontAlgn="base"/>
-            <a:endParaRPr lang="en-US" dirty="0">
-              <a:solidFill>
-                <a:srgbClr val="555555"/>
-              </a:solidFill>
-              <a:latin typeface="Helvetica Neue" panose="02000503000000020004" pitchFamily="2" charset="0"/>
-            </a:endParaRPr>
-          </a:p>
-          <a:p>
-            <a:pPr fontAlgn="base"/>
-            <a:r>
-              <a:rPr lang="en-US" dirty="0" err="1">
-                <a:solidFill>
-                  <a:srgbClr val="555555"/>
-                </a:solidFill>
-                <a:latin typeface="Helvetica Neue" panose="02000503000000020004" pitchFamily="2" charset="0"/>
-              </a:rPr>
-              <a:t>oic.d.dryer</a:t>
-            </a:r>
-            <a:r>
-              <a:rPr lang="en-US" dirty="0">
-                <a:solidFill>
-                  <a:srgbClr val="555555"/>
-                </a:solidFill>
-                <a:latin typeface="Helvetica Neue" panose="02000503000000020004" pitchFamily="2" charset="0"/>
-              </a:rPr>
-              <a:t> contains the mandatory resources</a:t>
-            </a:r>
-          </a:p>
-          <a:p>
-            <a:pPr fontAlgn="base"/>
-            <a:r>
-              <a:rPr lang="en-US" dirty="0" err="1">
-                <a:solidFill>
-                  <a:srgbClr val="212529"/>
-                </a:solidFill>
-                <a:latin typeface="inherit"/>
-              </a:rPr>
-              <a:t>oic.r.switch.binary</a:t>
-            </a:r>
-            <a:r>
-              <a:rPr lang="en-US" dirty="0">
-                <a:solidFill>
-                  <a:srgbClr val="212529"/>
-                </a:solidFill>
-                <a:latin typeface="inherit"/>
-              </a:rPr>
-              <a:t>, </a:t>
-            </a:r>
-            <a:r>
-              <a:rPr lang="en-US" dirty="0" err="1">
-                <a:solidFill>
-                  <a:srgbClr val="212529"/>
-                </a:solidFill>
-                <a:latin typeface="inherit"/>
-              </a:rPr>
-              <a:t>oic.r.operational.state</a:t>
-            </a:r>
-            <a:endParaRPr lang="en-US" dirty="0">
-              <a:solidFill>
-                <a:srgbClr val="555555"/>
-              </a:solidFill>
-              <a:latin typeface="Helvetica Neue" panose="02000503000000020004" pitchFamily="2" charset="0"/>
-            </a:endParaRPr>
-          </a:p>
-          <a:p>
-            <a:pPr fontAlgn="base"/>
-            <a:endParaRPr lang="en-US" dirty="0">
-              <a:solidFill>
-                <a:srgbClr val="555555"/>
-              </a:solidFill>
-              <a:latin typeface="Helvetica Neue" panose="02000503000000020004" pitchFamily="2" charset="0"/>
-            </a:endParaRPr>
-          </a:p>
-          <a:p>
-            <a:pPr fontAlgn="base"/>
-            <a:r>
-              <a:rPr lang="en-US" dirty="0">
-                <a:solidFill>
-                  <a:srgbClr val="555555"/>
-                </a:solidFill>
-                <a:latin typeface="Helvetica Neue" panose="02000503000000020004" pitchFamily="2" charset="0"/>
-              </a:rPr>
-              <a:t>These 3 resources are already as SDF in the playground:</a:t>
-            </a:r>
-          </a:p>
-          <a:p>
-            <a:pPr fontAlgn="base"/>
-            <a:r>
-              <a:rPr lang="en-US" dirty="0">
-                <a:solidFill>
-                  <a:srgbClr val="114488"/>
-                </a:solidFill>
-                <a:latin typeface="inherit"/>
-                <a:hlinkClick r:id="rId3"/>
-              </a:rPr>
-              <a:t>https://github.com/one-data-model/playground/blob/master/sdfObject/sdfobject-switch_binary.sdf.json</a:t>
-            </a:r>
-            <a:endParaRPr lang="en-US" dirty="0">
-              <a:solidFill>
-                <a:srgbClr val="114488"/>
-              </a:solidFill>
-              <a:latin typeface="inherit"/>
-            </a:endParaRPr>
-          </a:p>
-          <a:p>
-            <a:pPr fontAlgn="base"/>
-            <a:endParaRPr lang="en-US" dirty="0">
-              <a:solidFill>
-                <a:srgbClr val="555555"/>
-              </a:solidFill>
-              <a:latin typeface="Helvetica Neue" panose="02000503000000020004" pitchFamily="2" charset="0"/>
-            </a:endParaRPr>
-          </a:p>
-          <a:p>
-            <a:pPr fontAlgn="base"/>
-            <a:r>
-              <a:rPr lang="en-US" dirty="0">
-                <a:solidFill>
-                  <a:srgbClr val="114488"/>
-                </a:solidFill>
-                <a:latin typeface="inherit"/>
-                <a:hlinkClick r:id="rId4"/>
-              </a:rPr>
-              <a:t>https://github.com/one-data-model/playground/blob/master/sdfObject/sdfobject-mode.sdf.json</a:t>
-            </a:r>
-            <a:endParaRPr lang="en-US" dirty="0">
-              <a:solidFill>
-                <a:srgbClr val="114488"/>
-              </a:solidFill>
-              <a:latin typeface="inherit"/>
-            </a:endParaRPr>
-          </a:p>
-          <a:p>
-            <a:pPr fontAlgn="base"/>
-            <a:endParaRPr lang="en-US" dirty="0">
-              <a:solidFill>
-                <a:srgbClr val="555555"/>
-              </a:solidFill>
-              <a:latin typeface="Helvetica Neue" panose="02000503000000020004" pitchFamily="2" charset="0"/>
-            </a:endParaRPr>
-          </a:p>
-          <a:p>
-            <a:pPr fontAlgn="base"/>
-            <a:r>
-              <a:rPr lang="en-US" dirty="0">
-                <a:solidFill>
-                  <a:srgbClr val="114488"/>
-                </a:solidFill>
-                <a:latin typeface="inherit"/>
-                <a:hlinkClick r:id="rId5"/>
-              </a:rPr>
-              <a:t>https://github.com/one-data-model/playground/blob/master/sdfObject/sdfobject-operational_state.sdf.json</a:t>
-            </a:r>
-            <a:endParaRPr lang="en-US" dirty="0"/>
+              <a:t>https://github.com/one-data-model/processes/blob/master/adoption.md</a:t>
+            </a:r>
+            <a:endParaRPr lang="en-US" sz="1800" dirty="0"/>
+          </a:p>
+          <a:p>
+            <a:r>
+              <a:rPr lang="en-US" sz="2400" dirty="0"/>
+              <a:t>Any comments or questions?</a:t>
+            </a:r>
+          </a:p>
+          <a:p>
+            <a:r>
+              <a:rPr lang="en-US" sz="2400" dirty="0"/>
+              <a:t>Ready to adopt the process?</a:t>
+            </a:r>
+          </a:p>
+          <a:p>
+            <a:r>
+              <a:rPr lang="en-US" sz="2400" dirty="0"/>
+              <a:t>Schedule a review cycle for the initial models</a:t>
+            </a:r>
+          </a:p>
+          <a:p>
+            <a:r>
+              <a:rPr lang="en-US" sz="2400" dirty="0"/>
+              <a:t>Invitations and outreach to subject/domain experts</a:t>
+            </a:r>
+          </a:p>
+          <a:p>
+            <a:r>
+              <a:rPr lang="en-US" sz="2400" dirty="0"/>
+              <a:t>Set up a review board – current ecosystems represented initially, later we can add other ecosystems</a:t>
+            </a:r>
+          </a:p>
+          <a:p>
+            <a:r>
+              <a:rPr lang="en-US" sz="2400" dirty="0"/>
+              <a:t>1. SDF &amp; Best Practices 2. ecosystems represented – conversion tools, technical review, fit for purpose 3. harmonize across industry (don't create another level of approval in the process) (escalation process e.g. discuss process) set of individuals</a:t>
+            </a:r>
+          </a:p>
+          <a:p>
+            <a:r>
+              <a:rPr lang="en-US" sz="2400" dirty="0"/>
+              <a:t>Need a document to describe the review board – consensus, process, co-opting new members – get people to sign up</a:t>
+            </a:r>
+          </a:p>
+          <a:p>
+            <a:endParaRPr lang="en-US" sz="1800" dirty="0"/>
           </a:p>
         </p:txBody>
       </p:sp>
     </p:spTree>
     <p:extLst>
       <p:ext uri="{BB962C8B-B14F-4D97-AF65-F5344CB8AC3E}">
-        <p14:creationId xmlns:p14="http://schemas.microsoft.com/office/powerpoint/2010/main" val="1660301845"/>
+        <p14:creationId xmlns:p14="http://schemas.microsoft.com/office/powerpoint/2010/main" val="3931097886"/>
       </p:ext>
     </p:extLst>
   </p:cSld>
@@ -13529,6 +13295,494 @@
           <p:cNvPr id="2" name="Title 1">
             <a:extLst>
               <a:ext uri="{FF2B5EF4-FFF2-40B4-BE49-F238E27FC236}">
+                <a16:creationId xmlns:a16="http://schemas.microsoft.com/office/drawing/2014/main" id="{8DA996AB-4CCF-9A4D-8283-4BF0D8182E45}"/>
+              </a:ext>
+            </a:extLst>
+          </p:cNvPr>
+          <p:cNvSpPr>
+            <a:spLocks noGrp="1"/>
+          </p:cNvSpPr>
+          <p:nvPr>
+            <p:ph type="title"/>
+          </p:nvPr>
+        </p:nvSpPr>
+        <p:spPr/>
+        <p:txBody>
+          <a:bodyPr/>
+          <a:lstStyle/>
+          <a:p>
+            <a:r>
+              <a:rPr lang="en-US" dirty="0"/>
+              <a:t>Provisional Models</a:t>
+            </a:r>
+          </a:p>
+        </p:txBody>
+      </p:sp>
+      <p:sp>
+        <p:nvSpPr>
+          <p:cNvPr id="3" name="Content Placeholder 2">
+            <a:extLst>
+              <a:ext uri="{FF2B5EF4-FFF2-40B4-BE49-F238E27FC236}">
+                <a16:creationId xmlns:a16="http://schemas.microsoft.com/office/drawing/2014/main" id="{2E9D51C6-993F-3449-B619-FB9514632060}"/>
+              </a:ext>
+            </a:extLst>
+          </p:cNvPr>
+          <p:cNvSpPr>
+            <a:spLocks noGrp="1"/>
+          </p:cNvSpPr>
+          <p:nvPr>
+            <p:ph idx="1"/>
+          </p:nvPr>
+        </p:nvSpPr>
+        <p:spPr/>
+        <p:txBody>
+          <a:bodyPr/>
+          <a:lstStyle/>
+          <a:p>
+            <a:r>
+              <a:rPr lang="en-US" dirty="0"/>
+              <a:t>OCF contribution list sent by </a:t>
+            </a:r>
+            <a:r>
+              <a:rPr lang="en-US" dirty="0" err="1"/>
+              <a:t>Wouter</a:t>
+            </a:r>
+            <a:r>
+              <a:rPr lang="en-US" dirty="0"/>
+              <a:t> </a:t>
+            </a:r>
+          </a:p>
+          <a:p>
+            <a:r>
+              <a:rPr lang="en-US" dirty="0"/>
+              <a:t>Question on namespace syntax required</a:t>
+            </a:r>
+          </a:p>
+          <a:p>
+            <a:pPr lvl="1"/>
+            <a:r>
+              <a:rPr lang="en-US" dirty="0">
+                <a:hlinkClick r:id="rId2"/>
+              </a:rPr>
+              <a:t>https://onedm.org/playground/</a:t>
+            </a:r>
+            <a:endParaRPr lang="en-US" dirty="0"/>
+          </a:p>
+          <a:p>
+            <a:r>
+              <a:rPr lang="en-US" dirty="0"/>
+              <a:t>OCF-style process based on constructive feedback</a:t>
+            </a:r>
+          </a:p>
+          <a:p>
+            <a:pPr lvl="1"/>
+            <a:r>
+              <a:rPr lang="en-US" dirty="0"/>
+              <a:t>Make concrete proposals to make it better</a:t>
+            </a:r>
+          </a:p>
+          <a:p>
+            <a:pPr lvl="1"/>
+            <a:r>
+              <a:rPr lang="en-US" dirty="0"/>
+              <a:t>Chairs drive consensus and help break deadlocks</a:t>
+            </a:r>
+          </a:p>
+          <a:p>
+            <a:pPr lvl="1"/>
+            <a:r>
+              <a:rPr lang="en-US" dirty="0"/>
+              <a:t>RFC 2418 defined WG chair role </a:t>
+            </a:r>
+          </a:p>
+          <a:p>
+            <a:r>
+              <a:rPr lang="en-US" dirty="0"/>
+              <a:t>OMA model contribution strawman voltage and current sensor – discussion around how to handle quantities and units being measured</a:t>
+            </a:r>
+          </a:p>
+        </p:txBody>
+      </p:sp>
+    </p:spTree>
+    <p:extLst>
+      <p:ext uri="{BB962C8B-B14F-4D97-AF65-F5344CB8AC3E}">
+        <p14:creationId xmlns:p14="http://schemas.microsoft.com/office/powerpoint/2010/main" val="3244528928"/>
+      </p:ext>
+    </p:extLst>
+  </p:cSld>
+  <p:clrMapOvr>
+    <a:masterClrMapping/>
+  </p:clrMapOvr>
+</p:sld>
+</file>
+
+<file path=ppt/slides/slide43.xml><?xml version="1.0" encoding="utf-8"?>
+<p:sld xmlns:a="http://schemas.openxmlformats.org/drawingml/2006/main" xmlns:r="http://schemas.openxmlformats.org/officeDocument/2006/relationships" xmlns:p="http://schemas.openxmlformats.org/presentationml/2006/main">
+  <p:cSld>
+    <p:spTree>
+      <p:nvGrpSpPr>
+        <p:cNvPr id="1" name=""/>
+        <p:cNvGrpSpPr/>
+        <p:nvPr/>
+      </p:nvGrpSpPr>
+      <p:grpSpPr>
+        <a:xfrm>
+          <a:off x="0" y="0"/>
+          <a:ext cx="0" cy="0"/>
+          <a:chOff x="0" y="0"/>
+          <a:chExt cx="0" cy="0"/>
+        </a:xfrm>
+      </p:grpSpPr>
+      <p:sp>
+        <p:nvSpPr>
+          <p:cNvPr id="2" name="Title 1">
+            <a:extLst>
+              <a:ext uri="{FF2B5EF4-FFF2-40B4-BE49-F238E27FC236}">
+                <a16:creationId xmlns:a16="http://schemas.microsoft.com/office/drawing/2014/main" id="{C9BC6E3F-11C2-AF46-9DA2-BF0E63F790EC}"/>
+              </a:ext>
+            </a:extLst>
+          </p:cNvPr>
+          <p:cNvSpPr>
+            <a:spLocks noGrp="1"/>
+          </p:cNvSpPr>
+          <p:nvPr>
+            <p:ph type="title"/>
+          </p:nvPr>
+        </p:nvSpPr>
+        <p:spPr>
+          <a:xfrm>
+            <a:off x="1384175" y="226231"/>
+            <a:ext cx="7293219" cy="1006474"/>
+          </a:xfrm>
+        </p:spPr>
+        <p:txBody>
+          <a:bodyPr>
+            <a:normAutofit/>
+          </a:bodyPr>
+          <a:lstStyle/>
+          <a:p>
+            <a:r>
+              <a:rPr lang="en-US" dirty="0">
+                <a:solidFill>
+                  <a:srgbClr val="555555"/>
+                </a:solidFill>
+                <a:latin typeface="Helvetica Neue" panose="02000503000000020004" pitchFamily="2" charset="0"/>
+              </a:rPr>
+              <a:t>OCF dishwasher and dryer </a:t>
+            </a:r>
+            <a:endParaRPr lang="en-US" dirty="0"/>
+          </a:p>
+        </p:txBody>
+      </p:sp>
+      <p:sp>
+        <p:nvSpPr>
+          <p:cNvPr id="4" name="Rectangle 3">
+            <a:extLst>
+              <a:ext uri="{FF2B5EF4-FFF2-40B4-BE49-F238E27FC236}">
+                <a16:creationId xmlns:a16="http://schemas.microsoft.com/office/drawing/2014/main" id="{4FDECD5B-85AD-4E48-B004-71967FB1D779}"/>
+              </a:ext>
+            </a:extLst>
+          </p:cNvPr>
+          <p:cNvSpPr/>
+          <p:nvPr/>
+        </p:nvSpPr>
+        <p:spPr>
+          <a:xfrm>
+            <a:off x="509286" y="1394751"/>
+            <a:ext cx="8472668" cy="4801314"/>
+          </a:xfrm>
+          <a:prstGeom prst="rect">
+            <a:avLst/>
+          </a:prstGeom>
+        </p:spPr>
+        <p:txBody>
+          <a:bodyPr wrap="square">
+            <a:spAutoFit/>
+          </a:bodyPr>
+          <a:lstStyle/>
+          <a:p>
+            <a:pPr fontAlgn="base"/>
+            <a:r>
+              <a:rPr lang="en-US" dirty="0">
+                <a:solidFill>
+                  <a:srgbClr val="114488"/>
+                </a:solidFill>
+                <a:latin typeface="inherit"/>
+                <a:hlinkClick r:id="rId2"/>
+              </a:rPr>
+              <a:t>https://openconnectivityfoundation.github.io/devicemodels/docs/index.html</a:t>
+            </a:r>
+            <a:br>
+              <a:rPr lang="en-US" dirty="0">
+                <a:solidFill>
+                  <a:srgbClr val="555555"/>
+                </a:solidFill>
+                <a:latin typeface="Helvetica Neue" panose="02000503000000020004" pitchFamily="2" charset="0"/>
+              </a:rPr>
+            </a:br>
+            <a:endParaRPr lang="en-US" dirty="0">
+              <a:solidFill>
+                <a:srgbClr val="555555"/>
+              </a:solidFill>
+              <a:latin typeface="Helvetica Neue" panose="02000503000000020004" pitchFamily="2" charset="0"/>
+            </a:endParaRPr>
+          </a:p>
+          <a:p>
+            <a:pPr fontAlgn="base"/>
+            <a:r>
+              <a:rPr lang="en-US" dirty="0" err="1">
+                <a:solidFill>
+                  <a:srgbClr val="555555"/>
+                </a:solidFill>
+                <a:latin typeface="Helvetica Neue" panose="02000503000000020004" pitchFamily="2" charset="0"/>
+              </a:rPr>
+              <a:t>oic.d.dishwasher</a:t>
+            </a:r>
+            <a:r>
+              <a:rPr lang="en-US" dirty="0">
+                <a:solidFill>
+                  <a:srgbClr val="555555"/>
+                </a:solidFill>
+                <a:latin typeface="Helvetica Neue" panose="02000503000000020004" pitchFamily="2" charset="0"/>
+              </a:rPr>
+              <a:t> contains the mandatory resources:</a:t>
+            </a:r>
+            <a:br>
+              <a:rPr lang="en-US" dirty="0">
+                <a:solidFill>
+                  <a:srgbClr val="555555"/>
+                </a:solidFill>
+                <a:latin typeface="Helvetica Neue" panose="02000503000000020004" pitchFamily="2" charset="0"/>
+              </a:rPr>
+            </a:br>
+            <a:r>
+              <a:rPr lang="en-US" dirty="0" err="1">
+                <a:solidFill>
+                  <a:srgbClr val="212529"/>
+                </a:solidFill>
+                <a:latin typeface="inherit"/>
+              </a:rPr>
+              <a:t>oic.r.switch.binary</a:t>
+            </a:r>
+            <a:r>
+              <a:rPr lang="en-US" dirty="0">
+                <a:solidFill>
+                  <a:srgbClr val="212529"/>
+                </a:solidFill>
+                <a:latin typeface="inherit"/>
+              </a:rPr>
+              <a:t>, </a:t>
+            </a:r>
+            <a:r>
+              <a:rPr lang="en-US" dirty="0" err="1">
+                <a:solidFill>
+                  <a:srgbClr val="212529"/>
+                </a:solidFill>
+                <a:latin typeface="inherit"/>
+              </a:rPr>
+              <a:t>oic.r.mode</a:t>
+            </a:r>
+            <a:endParaRPr lang="en-US" dirty="0">
+              <a:solidFill>
+                <a:srgbClr val="555555"/>
+              </a:solidFill>
+              <a:latin typeface="Helvetica Neue" panose="02000503000000020004" pitchFamily="2" charset="0"/>
+            </a:endParaRPr>
+          </a:p>
+          <a:p>
+            <a:pPr fontAlgn="base"/>
+            <a:endParaRPr lang="en-US" dirty="0">
+              <a:solidFill>
+                <a:srgbClr val="555555"/>
+              </a:solidFill>
+              <a:latin typeface="Helvetica Neue" panose="02000503000000020004" pitchFamily="2" charset="0"/>
+            </a:endParaRPr>
+          </a:p>
+          <a:p>
+            <a:pPr fontAlgn="base"/>
+            <a:r>
+              <a:rPr lang="en-US" dirty="0" err="1">
+                <a:solidFill>
+                  <a:srgbClr val="555555"/>
+                </a:solidFill>
+                <a:latin typeface="Helvetica Neue" panose="02000503000000020004" pitchFamily="2" charset="0"/>
+              </a:rPr>
+              <a:t>oic.d.dryer</a:t>
+            </a:r>
+            <a:r>
+              <a:rPr lang="en-US" dirty="0">
+                <a:solidFill>
+                  <a:srgbClr val="555555"/>
+                </a:solidFill>
+                <a:latin typeface="Helvetica Neue" panose="02000503000000020004" pitchFamily="2" charset="0"/>
+              </a:rPr>
+              <a:t> contains the mandatory resources</a:t>
+            </a:r>
+          </a:p>
+          <a:p>
+            <a:pPr fontAlgn="base"/>
+            <a:r>
+              <a:rPr lang="en-US" dirty="0" err="1">
+                <a:solidFill>
+                  <a:srgbClr val="212529"/>
+                </a:solidFill>
+                <a:latin typeface="inherit"/>
+              </a:rPr>
+              <a:t>oic.r.switch.binary</a:t>
+            </a:r>
+            <a:r>
+              <a:rPr lang="en-US" dirty="0">
+                <a:solidFill>
+                  <a:srgbClr val="212529"/>
+                </a:solidFill>
+                <a:latin typeface="inherit"/>
+              </a:rPr>
+              <a:t>, </a:t>
+            </a:r>
+            <a:r>
+              <a:rPr lang="en-US" dirty="0" err="1">
+                <a:solidFill>
+                  <a:srgbClr val="212529"/>
+                </a:solidFill>
+                <a:latin typeface="inherit"/>
+              </a:rPr>
+              <a:t>oic.r.operational.state</a:t>
+            </a:r>
+            <a:endParaRPr lang="en-US" dirty="0">
+              <a:solidFill>
+                <a:srgbClr val="555555"/>
+              </a:solidFill>
+              <a:latin typeface="Helvetica Neue" panose="02000503000000020004" pitchFamily="2" charset="0"/>
+            </a:endParaRPr>
+          </a:p>
+          <a:p>
+            <a:pPr fontAlgn="base"/>
+            <a:endParaRPr lang="en-US" dirty="0">
+              <a:solidFill>
+                <a:srgbClr val="555555"/>
+              </a:solidFill>
+              <a:latin typeface="Helvetica Neue" panose="02000503000000020004" pitchFamily="2" charset="0"/>
+            </a:endParaRPr>
+          </a:p>
+          <a:p>
+            <a:pPr fontAlgn="base"/>
+            <a:r>
+              <a:rPr lang="en-US" dirty="0">
+                <a:solidFill>
+                  <a:srgbClr val="555555"/>
+                </a:solidFill>
+                <a:latin typeface="Helvetica Neue" panose="02000503000000020004" pitchFamily="2" charset="0"/>
+              </a:rPr>
+              <a:t>These 3 resources are already as SDF in the playground:</a:t>
+            </a:r>
+          </a:p>
+          <a:p>
+            <a:pPr fontAlgn="base"/>
+            <a:r>
+              <a:rPr lang="en-US" dirty="0">
+                <a:solidFill>
+                  <a:srgbClr val="114488"/>
+                </a:solidFill>
+                <a:latin typeface="inherit"/>
+                <a:hlinkClick r:id="rId3"/>
+              </a:rPr>
+              <a:t>https://github.com/one-data-model/playground/blob/master/sdfObject/sdfobject-switch_binary.sdf.json</a:t>
+            </a:r>
+            <a:endParaRPr lang="en-US" dirty="0">
+              <a:solidFill>
+                <a:srgbClr val="114488"/>
+              </a:solidFill>
+              <a:latin typeface="inherit"/>
+            </a:endParaRPr>
+          </a:p>
+          <a:p>
+            <a:pPr fontAlgn="base"/>
+            <a:endParaRPr lang="en-US" dirty="0">
+              <a:solidFill>
+                <a:srgbClr val="555555"/>
+              </a:solidFill>
+              <a:latin typeface="Helvetica Neue" panose="02000503000000020004" pitchFamily="2" charset="0"/>
+            </a:endParaRPr>
+          </a:p>
+          <a:p>
+            <a:pPr fontAlgn="base"/>
+            <a:r>
+              <a:rPr lang="en-US" dirty="0">
+                <a:solidFill>
+                  <a:srgbClr val="114488"/>
+                </a:solidFill>
+                <a:latin typeface="inherit"/>
+                <a:hlinkClick r:id="rId4"/>
+              </a:rPr>
+              <a:t>https://github.com/one-data-model/playground/blob/master/sdfObject/sdfobject-mode.sdf.json</a:t>
+            </a:r>
+            <a:endParaRPr lang="en-US" dirty="0">
+              <a:solidFill>
+                <a:srgbClr val="114488"/>
+              </a:solidFill>
+              <a:latin typeface="inherit"/>
+            </a:endParaRPr>
+          </a:p>
+          <a:p>
+            <a:pPr fontAlgn="base"/>
+            <a:endParaRPr lang="en-US" dirty="0">
+              <a:solidFill>
+                <a:srgbClr val="555555"/>
+              </a:solidFill>
+              <a:latin typeface="Helvetica Neue" panose="02000503000000020004" pitchFamily="2" charset="0"/>
+            </a:endParaRPr>
+          </a:p>
+          <a:p>
+            <a:pPr fontAlgn="base"/>
+            <a:r>
+              <a:rPr lang="en-US" dirty="0">
+                <a:solidFill>
+                  <a:srgbClr val="114488"/>
+                </a:solidFill>
+                <a:latin typeface="inherit"/>
+                <a:hlinkClick r:id="rId5"/>
+              </a:rPr>
+              <a:t>https://github.com/one-data-model/playground/blob/master/sdfObject/sdfobject-operational_state.sdf.json</a:t>
+            </a:r>
+            <a:endParaRPr lang="en-US" dirty="0"/>
+          </a:p>
+        </p:txBody>
+      </p:sp>
+    </p:spTree>
+    <p:extLst>
+      <p:ext uri="{BB962C8B-B14F-4D97-AF65-F5344CB8AC3E}">
+        <p14:creationId xmlns:p14="http://schemas.microsoft.com/office/powerpoint/2010/main" val="1660301845"/>
+      </p:ext>
+    </p:extLst>
+  </p:cSld>
+  <p:clrMapOvr>
+    <a:masterClrMapping/>
+  </p:clrMapOvr>
+</p:sld>
+</file>
+
+<file path=ppt/slides/slide44.xml><?xml version="1.0" encoding="utf-8"?>
+<p:sld xmlns:a="http://schemas.openxmlformats.org/drawingml/2006/main" xmlns:r="http://schemas.openxmlformats.org/officeDocument/2006/relationships" xmlns:p="http://schemas.openxmlformats.org/presentationml/2006/main">
+  <p:cSld>
+    <p:spTree>
+      <p:nvGrpSpPr>
+        <p:cNvPr id="1" name=""/>
+        <p:cNvGrpSpPr/>
+        <p:nvPr/>
+      </p:nvGrpSpPr>
+      <p:grpSpPr>
+        <a:xfrm>
+          <a:off x="0" y="0"/>
+          <a:ext cx="0" cy="0"/>
+          <a:chOff x="0" y="0"/>
+          <a:chExt cx="0" cy="0"/>
+        </a:xfrm>
+      </p:grpSpPr>
+      <p:sp>
+        <p:nvSpPr>
+          <p:cNvPr id="2" name="Title 1">
+            <a:extLst>
+              <a:ext uri="{FF2B5EF4-FFF2-40B4-BE49-F238E27FC236}">
                 <a16:creationId xmlns:a16="http://schemas.microsoft.com/office/drawing/2014/main" id="{688EC9EB-E633-974A-B25D-CF6C2175EC4C}"/>
               </a:ext>
             </a:extLst>
@@ -13681,7 +13935,7 @@
 </p:sld>
 </file>
 
-<file path=ppt/slides/slide43.xml><?xml version="1.0" encoding="utf-8"?>
+<file path=ppt/slides/slide45.xml><?xml version="1.0" encoding="utf-8"?>
 <p:sld xmlns:a="http://schemas.openxmlformats.org/drawingml/2006/main" xmlns:r="http://schemas.openxmlformats.org/officeDocument/2006/relationships" xmlns:p="http://schemas.openxmlformats.org/presentationml/2006/main">
   <p:cSld>
     <p:spTree>
@@ -13831,7 +14085,7 @@
           <p:cNvPr id="2" name="Title 1">
             <a:extLst>
               <a:ext uri="{FF2B5EF4-FFF2-40B4-BE49-F238E27FC236}">
-                <a16:creationId xmlns:a16="http://schemas.microsoft.com/office/drawing/2014/main" id="{0541076E-CCD5-EF4D-BB56-8AE864213CFA}"/>
+                <a16:creationId xmlns:a16="http://schemas.microsoft.com/office/drawing/2014/main" id="{D2D69004-2B6E-C542-83C9-7D0E332DF8C1}"/>
               </a:ext>
             </a:extLst>
           </p:cNvPr>
@@ -13849,7 +14103,7 @@
           <a:p>
             <a:r>
               <a:rPr lang="en-US" dirty="0"/>
-              <a:t>2022-01-31 conclusions</a:t>
+              <a:t>Announcements</a:t>
             </a:r>
           </a:p>
         </p:txBody>
@@ -13859,7 +14113,7 @@
           <p:cNvPr id="3" name="Content Placeholder 2">
             <a:extLst>
               <a:ext uri="{FF2B5EF4-FFF2-40B4-BE49-F238E27FC236}">
-                <a16:creationId xmlns:a16="http://schemas.microsoft.com/office/drawing/2014/main" id="{DDE838F5-4463-2E40-8211-021BCA819D90}"/>
+                <a16:creationId xmlns:a16="http://schemas.microsoft.com/office/drawing/2014/main" id="{F2F7A4F6-3331-EC4C-BB8C-3EB6F3B90246}"/>
               </a:ext>
             </a:extLst>
           </p:cNvPr>
@@ -13877,28 +14131,32 @@
           <a:p>
             <a:r>
               <a:rPr lang="en-US" dirty="0"/>
-              <a:t>Review board will not push for adoptions</a:t>
-            </a:r>
-          </a:p>
-          <a:p>
-            <a:r>
-              <a:rPr lang="en-US" dirty="0"/>
-              <a:t>(Best practices evolve)</a:t>
-            </a:r>
-          </a:p>
-          <a:p>
-            <a:r>
-              <a:rPr lang="en-US" dirty="0"/>
-              <a:t>Sensor design by a dedicated team – breakouts vs. agenda working time</a:t>
-            </a:r>
-          </a:p>
-          <a:p>
-            <a:r>
-              <a:rPr lang="en-US" dirty="0"/>
-              <a:t>Ecosystem repo tracking</a:t>
-            </a:r>
-          </a:p>
-          <a:p>
+              <a:t>New mailing list at </a:t>
+            </a:r>
+            <a:r>
+              <a:rPr lang="en-US" dirty="0" err="1"/>
+              <a:t>groups.io</a:t>
+            </a:r>
+            <a:endParaRPr lang="en-US" dirty="0"/>
+          </a:p>
+          <a:p>
+            <a:pPr lvl="1"/>
+            <a:r>
+              <a:rPr lang="en-US" dirty="0"/>
+              <a:t>https://</a:t>
+            </a:r>
+            <a:r>
+              <a:rPr lang="en-US" dirty="0" err="1"/>
+              <a:t>groups.io</a:t>
+            </a:r>
+            <a:r>
+              <a:rPr lang="en-US" dirty="0"/>
+              <a:t>/</a:t>
+            </a:r>
+            <a:r>
+              <a:rPr lang="en-US" dirty="0" err="1"/>
+              <a:t>onedm</a:t>
+            </a:r>
             <a:endParaRPr lang="en-US" dirty="0"/>
           </a:p>
         </p:txBody>
@@ -13906,7 +14164,7 @@
     </p:spTree>
     <p:extLst>
       <p:ext uri="{BB962C8B-B14F-4D97-AF65-F5344CB8AC3E}">
-        <p14:creationId xmlns:p14="http://schemas.microsoft.com/office/powerpoint/2010/main" val="1259333794"/>
+        <p14:creationId xmlns:p14="http://schemas.microsoft.com/office/powerpoint/2010/main" val="2980209700"/>
       </p:ext>
     </p:extLst>
   </p:cSld>
@@ -13938,7 +14196,7 @@
           <p:cNvPr id="2" name="Title 1">
             <a:extLst>
               <a:ext uri="{FF2B5EF4-FFF2-40B4-BE49-F238E27FC236}">
-                <a16:creationId xmlns:a16="http://schemas.microsoft.com/office/drawing/2014/main" id="{3DFB8F0B-73ED-4008-8CB1-A21230E0E203}"/>
+                <a16:creationId xmlns:a16="http://schemas.microsoft.com/office/drawing/2014/main" id="{D2D69004-2B6E-C542-83C9-7D0E332DF8C1}"/>
               </a:ext>
             </a:extLst>
           </p:cNvPr>
@@ -13946,32 +14204,106 @@
             <a:spLocks noGrp="1"/>
           </p:cNvSpPr>
           <p:nvPr>
-            <p:ph type="ctrTitle"/>
-          </p:nvPr>
-        </p:nvSpPr>
-        <p:spPr>
-          <a:xfrm>
-            <a:off x="828675" y="2618626"/>
-            <a:ext cx="7486650" cy="1146572"/>
-          </a:xfrm>
-        </p:spPr>
-        <p:txBody>
-          <a:bodyPr>
-            <a:normAutofit/>
-          </a:bodyPr>
-          <a:lstStyle/>
-          <a:p>
-            <a:r>
-              <a:rPr lang="en-US" sz="4050" dirty="0"/>
-              <a:t>Back up</a:t>
-            </a:r>
+            <p:ph type="title"/>
+          </p:nvPr>
+        </p:nvSpPr>
+        <p:spPr/>
+        <p:txBody>
+          <a:bodyPr/>
+          <a:lstStyle/>
+          <a:p>
+            <a:r>
+              <a:rPr lang="en-US" dirty="0"/>
+              <a:t>Venue shift</a:t>
+            </a:r>
+          </a:p>
+        </p:txBody>
+      </p:sp>
+      <p:sp>
+        <p:nvSpPr>
+          <p:cNvPr id="3" name="Content Placeholder 2">
+            <a:extLst>
+              <a:ext uri="{FF2B5EF4-FFF2-40B4-BE49-F238E27FC236}">
+                <a16:creationId xmlns:a16="http://schemas.microsoft.com/office/drawing/2014/main" id="{F2F7A4F6-3331-EC4C-BB8C-3EB6F3B90246}"/>
+              </a:ext>
+            </a:extLst>
+          </p:cNvPr>
+          <p:cNvSpPr>
+            <a:spLocks noGrp="1"/>
+          </p:cNvSpPr>
+          <p:nvPr>
+            <p:ph idx="1"/>
+          </p:nvPr>
+        </p:nvSpPr>
+        <p:spPr/>
+        <p:txBody>
+          <a:bodyPr/>
+          <a:lstStyle/>
+          <a:p>
+            <a:r>
+              <a:rPr lang="en-US" dirty="0"/>
+              <a:t>New mailing list at </a:t>
+            </a:r>
+            <a:r>
+              <a:rPr lang="en-US" dirty="0" err="1"/>
+              <a:t>groups.io</a:t>
+            </a:r>
+            <a:endParaRPr lang="en-US" dirty="0"/>
+          </a:p>
+          <a:p>
+            <a:pPr lvl="1"/>
+            <a:r>
+              <a:rPr lang="en-US" dirty="0"/>
+              <a:t>https://</a:t>
+            </a:r>
+            <a:r>
+              <a:rPr lang="en-US" dirty="0" err="1"/>
+              <a:t>groups.io</a:t>
+            </a:r>
+            <a:r>
+              <a:rPr lang="en-US" dirty="0"/>
+              <a:t>/</a:t>
+            </a:r>
+            <a:r>
+              <a:rPr lang="en-US" dirty="0" err="1"/>
+              <a:t>onedm</a:t>
+            </a:r>
+            <a:endParaRPr lang="en-US" dirty="0"/>
+          </a:p>
+          <a:p>
+            <a:r>
+              <a:rPr lang="en-US" dirty="0"/>
+              <a:t>Move enterprise admin, calendar, etc. to </a:t>
+            </a:r>
+            <a:r>
+              <a:rPr lang="en-US" dirty="0" err="1"/>
+              <a:t>github</a:t>
+            </a:r>
+            <a:endParaRPr lang="en-US" dirty="0"/>
+          </a:p>
+          <a:p>
+            <a:r>
+              <a:rPr lang="en-US" dirty="0"/>
+              <a:t>Set up a blog on </a:t>
+            </a:r>
+            <a:r>
+              <a:rPr lang="en-US" dirty="0" err="1"/>
+              <a:t>onedm.org</a:t>
+            </a:r>
+            <a:endParaRPr lang="en-US" dirty="0"/>
+          </a:p>
+          <a:p>
+            <a:pPr marL="0" indent="0">
+              <a:buNone/>
+            </a:pPr>
+            <a:endParaRPr lang="en-US" dirty="0"/>
           </a:p>
         </p:txBody>
       </p:sp>
     </p:spTree>
     <p:extLst>
       <p:ext uri="{BB962C8B-B14F-4D97-AF65-F5344CB8AC3E}">
-        <p14:creationId xmlns:p14="http://schemas.microsoft.com/office/powerpoint/2010/main" val="3711102350"/>
+        <p14:creationId xmlns:p14="http://schemas.microsoft.com/office/powerpoint/2010/main" val="3921261989"/>
       </p:ext>
     </p:extLst>
   </p:cSld>
@@ -14003,7 +14335,7 @@
           <p:cNvPr id="2" name="Title 1">
             <a:extLst>
               <a:ext uri="{FF2B5EF4-FFF2-40B4-BE49-F238E27FC236}">
-                <a16:creationId xmlns:a16="http://schemas.microsoft.com/office/drawing/2014/main" id="{E788B619-B998-F54C-B57B-DCC3A8E2DCEA}"/>
+                <a16:creationId xmlns:a16="http://schemas.microsoft.com/office/drawing/2014/main" id="{0541076E-CCD5-EF4D-BB56-8AE864213CFA}"/>
               </a:ext>
             </a:extLst>
           </p:cNvPr>
@@ -14014,19 +14346,14 @@
             <p:ph type="title"/>
           </p:nvPr>
         </p:nvSpPr>
-        <p:spPr>
-          <a:xfrm>
-            <a:off x="1211619" y="0"/>
-            <a:ext cx="7293219" cy="1006474"/>
-          </a:xfrm>
-        </p:spPr>
-        <p:txBody>
-          <a:bodyPr/>
-          <a:lstStyle/>
-          <a:p>
-            <a:r>
-              <a:rPr lang="en-US" dirty="0"/>
-              <a:t>Review, Adoption, Publication</a:t>
+        <p:spPr/>
+        <p:txBody>
+          <a:bodyPr/>
+          <a:lstStyle/>
+          <a:p>
+            <a:r>
+              <a:rPr lang="en-US" dirty="0"/>
+              <a:t>2022-01-31 conclusions</a:t>
             </a:r>
           </a:p>
         </p:txBody>
@@ -14036,7 +14363,7 @@
           <p:cNvPr id="3" name="Content Placeholder 2">
             <a:extLst>
               <a:ext uri="{FF2B5EF4-FFF2-40B4-BE49-F238E27FC236}">
-                <a16:creationId xmlns:a16="http://schemas.microsoft.com/office/drawing/2014/main" id="{0766CE3C-04F8-914F-B2C1-C4E40AEA5CD1}"/>
+                <a16:creationId xmlns:a16="http://schemas.microsoft.com/office/drawing/2014/main" id="{DDE838F5-4463-2E40-8211-021BCA819D90}"/>
               </a:ext>
             </a:extLst>
           </p:cNvPr>
@@ -14047,201 +14374,43 @@
             <p:ph idx="1"/>
           </p:nvPr>
         </p:nvSpPr>
-        <p:spPr>
-          <a:xfrm>
-            <a:off x="796815" y="846083"/>
-            <a:ext cx="7886700" cy="5460124"/>
-          </a:xfrm>
-        </p:spPr>
-        <p:txBody>
-          <a:bodyPr>
-            <a:noAutofit/>
-          </a:bodyPr>
-          <a:lstStyle/>
-          <a:p>
-            <a:r>
-              <a:rPr lang="en-US" sz="1600" dirty="0"/>
-              <a:t>Review from last meeting</a:t>
-            </a:r>
-          </a:p>
-          <a:p>
-            <a:r>
-              <a:rPr lang="en-US" sz="1600" dirty="0"/>
-              <a:t>Alignment as a background process</a:t>
-            </a:r>
-          </a:p>
-          <a:p>
-            <a:r>
-              <a:rPr lang="en-US" sz="1600" dirty="0"/>
-              <a:t>Toolchain</a:t>
-            </a:r>
-          </a:p>
-          <a:p>
-            <a:r>
-              <a:rPr lang="en-US" sz="1600" dirty="0"/>
-              <a:t>Next steps, going forward</a:t>
-            </a:r>
-          </a:p>
-          <a:p>
-            <a:pPr lvl="1"/>
-            <a:r>
-              <a:rPr lang="en-US" sz="1400" dirty="0"/>
-              <a:t>Get multiple spaces going as a priority</a:t>
-            </a:r>
-          </a:p>
-          <a:p>
-            <a:pPr lvl="1"/>
-            <a:r>
-              <a:rPr lang="en-US" sz="1400" dirty="0"/>
-              <a:t>Announce this on a blog article </a:t>
-            </a:r>
-            <a:r>
-              <a:rPr lang="en-US" sz="1400" dirty="0" err="1"/>
-              <a:t>onedm</a:t>
-            </a:r>
-            <a:r>
-              <a:rPr lang="en-US" sz="1400" dirty="0"/>
-              <a:t> website</a:t>
-            </a:r>
-          </a:p>
-          <a:p>
-            <a:pPr lvl="1"/>
-            <a:r>
-              <a:rPr lang="en-US" sz="1400" dirty="0"/>
-              <a:t>Monthly publications, news and updates</a:t>
-            </a:r>
-          </a:p>
-          <a:p>
-            <a:r>
-              <a:rPr lang="en-US" sz="1600" dirty="0"/>
-              <a:t>People can run private repos on their own account with </a:t>
-            </a:r>
-            <a:r>
-              <a:rPr lang="en-US" sz="1600" dirty="0" err="1"/>
-              <a:t>onedm</a:t>
-            </a:r>
-            <a:r>
-              <a:rPr lang="en-US" sz="1600" dirty="0"/>
-              <a:t> CI as </a:t>
-            </a:r>
-            <a:r>
-              <a:rPr lang="en-US" sz="1600" dirty="0" err="1"/>
-              <a:t>github</a:t>
-            </a:r>
-            <a:r>
-              <a:rPr lang="en-US" sz="1600" dirty="0"/>
-              <a:t> actions</a:t>
-            </a:r>
-          </a:p>
-          <a:p>
-            <a:r>
-              <a:rPr lang="en-US" sz="1600" dirty="0"/>
-              <a:t>Public models on </a:t>
-            </a:r>
-            <a:r>
-              <a:rPr lang="en-US" sz="1600" dirty="0" err="1"/>
-              <a:t>onedm.org</a:t>
-            </a:r>
-            <a:endParaRPr lang="en-US" sz="1600" dirty="0"/>
-          </a:p>
-          <a:p>
-            <a:pPr lvl="1"/>
-            <a:r>
-              <a:rPr lang="en-US" sz="1400" dirty="0"/>
-              <a:t>Template work task</a:t>
-            </a:r>
-          </a:p>
-          <a:p>
-            <a:pPr lvl="1"/>
-            <a:r>
-              <a:rPr lang="en-US" sz="1400" dirty="0" err="1"/>
-              <a:t>Wouter</a:t>
-            </a:r>
-            <a:r>
-              <a:rPr lang="en-US" sz="1400" dirty="0"/>
-              <a:t> and Carsten can work from a script (</a:t>
-            </a:r>
-            <a:r>
-              <a:rPr lang="en-US" sz="1400" dirty="0" err="1"/>
-              <a:t>run.sh</a:t>
-            </a:r>
-            <a:r>
-              <a:rPr lang="en-US" sz="1400" dirty="0"/>
-              <a:t> in the </a:t>
-            </a:r>
-            <a:r>
-              <a:rPr lang="en-US" sz="1400" dirty="0" err="1"/>
-              <a:t>pg</a:t>
-            </a:r>
-            <a:r>
-              <a:rPr lang="en-US" sz="1400" dirty="0"/>
-              <a:t>)</a:t>
-            </a:r>
-          </a:p>
-          <a:p>
-            <a:pPr lvl="1"/>
-            <a:r>
-              <a:rPr lang="en-US" sz="1400" dirty="0" err="1"/>
-              <a:t>Githup</a:t>
-            </a:r>
-            <a:r>
-              <a:rPr lang="en-US" sz="1400" dirty="0"/>
-              <a:t> platform installed packages can easily be resolved</a:t>
-            </a:r>
-          </a:p>
-          <a:p>
-            <a:pPr lvl="1"/>
-            <a:r>
-              <a:rPr lang="en-US" sz="1400" dirty="0" err="1"/>
-              <a:t>Orgname</a:t>
-            </a:r>
-            <a:r>
-              <a:rPr lang="en-US" sz="1400" dirty="0"/>
-              <a:t> in the repo naming e.g. ipso-models </a:t>
-            </a:r>
-            <a:r>
-              <a:rPr lang="en-US" sz="1400" dirty="0" err="1"/>
-              <a:t>ocf</a:t>
-            </a:r>
-            <a:r>
-              <a:rPr lang="en-US" sz="1400" dirty="0"/>
-              <a:t>-models </a:t>
-            </a:r>
-            <a:r>
-              <a:rPr lang="en-US" sz="1400" dirty="0" err="1"/>
-              <a:t>sunspec</a:t>
-            </a:r>
-            <a:r>
-              <a:rPr lang="en-US" sz="1400" dirty="0"/>
-              <a:t>-models</a:t>
-            </a:r>
-          </a:p>
-          <a:p>
-            <a:r>
-              <a:rPr lang="en-US" sz="1600" dirty="0"/>
-              <a:t>Start with (ipso or </a:t>
-            </a:r>
-            <a:r>
-              <a:rPr lang="en-US" sz="1600" dirty="0" err="1"/>
-              <a:t>oma</a:t>
-            </a:r>
-            <a:r>
-              <a:rPr lang="en-US" sz="1600" dirty="0"/>
-              <a:t>) –models</a:t>
-            </a:r>
-          </a:p>
-          <a:p>
-            <a:r>
-              <a:rPr lang="en-US" sz="1600" dirty="0"/>
-              <a:t>Bluetooth mesh? Practical considerations need characteristics and data types, need a converter – need URI for the source so translations can be automated – start by working with Simon on publishing the underlying dictionaries</a:t>
-            </a:r>
+        <p:spPr/>
+        <p:txBody>
+          <a:bodyPr/>
+          <a:lstStyle/>
+          <a:p>
+            <a:r>
+              <a:rPr lang="en-US" dirty="0"/>
+              <a:t>Review board will not push for adoptions</a:t>
+            </a:r>
+          </a:p>
+          <a:p>
+            <a:r>
+              <a:rPr lang="en-US" dirty="0"/>
+              <a:t>(Best practices evolve)</a:t>
+            </a:r>
+          </a:p>
+          <a:p>
+            <a:r>
+              <a:rPr lang="en-US" dirty="0"/>
+              <a:t>Sensor design by a dedicated team – breakouts vs. agenda working time</a:t>
+            </a:r>
+          </a:p>
+          <a:p>
+            <a:r>
+              <a:rPr lang="en-US" dirty="0"/>
+              <a:t>Ecosystem repo tracking</a:t>
+            </a:r>
+          </a:p>
+          <a:p>
+            <a:endParaRPr lang="en-US" dirty="0"/>
           </a:p>
         </p:txBody>
       </p:sp>
     </p:spTree>
     <p:extLst>
       <p:ext uri="{BB962C8B-B14F-4D97-AF65-F5344CB8AC3E}">
-        <p14:creationId xmlns:p14="http://schemas.microsoft.com/office/powerpoint/2010/main" val="2660491959"/>
+        <p14:creationId xmlns:p14="http://schemas.microsoft.com/office/powerpoint/2010/main" val="1259333794"/>
       </p:ext>
     </p:extLst>
   </p:cSld>
@@ -14270,134 +14439,43 @@
       </p:grpSpPr>
       <p:sp>
         <p:nvSpPr>
-          <p:cNvPr id="2" name="Title 1"/>
-          <p:cNvSpPr>
-            <a:spLocks noGrp="1"/>
-          </p:cNvSpPr>
-          <p:nvPr>
-            <p:ph type="title"/>
+          <p:cNvPr id="2" name="Title 1">
+            <a:extLst>
+              <a:ext uri="{FF2B5EF4-FFF2-40B4-BE49-F238E27FC236}">
+                <a16:creationId xmlns:a16="http://schemas.microsoft.com/office/drawing/2014/main" id="{3DFB8F0B-73ED-4008-8CB1-A21230E0E203}"/>
+              </a:ext>
+            </a:extLst>
+          </p:cNvPr>
+          <p:cNvSpPr>
+            <a:spLocks noGrp="1"/>
+          </p:cNvSpPr>
+          <p:nvPr>
+            <p:ph type="ctrTitle"/>
           </p:nvPr>
         </p:nvSpPr>
         <p:spPr>
           <a:xfrm>
-            <a:off x="1358765" y="239003"/>
-            <a:ext cx="7293219" cy="1006474"/>
+            <a:off x="828675" y="2618626"/>
+            <a:ext cx="7486650" cy="1146572"/>
           </a:xfrm>
         </p:spPr>
         <p:txBody>
-          <a:bodyPr/>
-          <a:lstStyle/>
-          <a:p>
-            <a:r>
-              <a:rPr lang="en-US" dirty="0"/>
-              <a:t>Venue changes</a:t>
-            </a:r>
-          </a:p>
-        </p:txBody>
-      </p:sp>
-      <p:sp>
-        <p:nvSpPr>
-          <p:cNvPr id="3" name="Content Placeholder 2"/>
-          <p:cNvSpPr>
-            <a:spLocks noGrp="1"/>
-          </p:cNvSpPr>
-          <p:nvPr>
-            <p:ph idx="1"/>
-          </p:nvPr>
-        </p:nvSpPr>
-        <p:spPr>
-          <a:xfrm>
-            <a:off x="903470" y="1464302"/>
-            <a:ext cx="7105413" cy="4531488"/>
-          </a:xfrm>
-        </p:spPr>
-        <p:txBody>
           <a:bodyPr>
-            <a:normAutofit fontScale="85000" lnSpcReduction="20000"/>
+            <a:normAutofit/>
           </a:bodyPr>
           <a:lstStyle/>
           <a:p>
             <a:r>
-              <a:rPr lang="en-GB" sz="3300" dirty="0"/>
-              <a:t>Teleconferences</a:t>
-            </a:r>
-          </a:p>
-          <a:p>
-            <a:pPr lvl="1"/>
-            <a:r>
-              <a:rPr lang="en-GB" sz="2900" dirty="0"/>
-              <a:t>TBA new teleconference venue</a:t>
-            </a:r>
-          </a:p>
-          <a:p>
-            <a:pPr lvl="1"/>
-            <a:r>
-              <a:rPr lang="en-GB" sz="2900" dirty="0"/>
-              <a:t>Same schedule</a:t>
-            </a:r>
-          </a:p>
-          <a:p>
-            <a:r>
-              <a:rPr lang="en-GB" sz="3300" dirty="0"/>
-              <a:t>Mailing list</a:t>
-            </a:r>
-          </a:p>
-          <a:p>
-            <a:pPr lvl="1"/>
-            <a:r>
-              <a:rPr lang="en-GB" sz="2900" dirty="0"/>
-              <a:t>Planning to move to </a:t>
-            </a:r>
-            <a:r>
-              <a:rPr lang="en-GB" sz="2900" dirty="0" err="1"/>
-              <a:t>groups.io</a:t>
-            </a:r>
-            <a:endParaRPr lang="en-GB" sz="2900" dirty="0"/>
-          </a:p>
-          <a:p>
-            <a:r>
-              <a:rPr lang="en-GB" sz="3300" dirty="0" err="1"/>
-              <a:t>Github</a:t>
-            </a:r>
-            <a:r>
-              <a:rPr lang="en-GB" sz="3300" dirty="0"/>
-              <a:t> for everything else</a:t>
-            </a:r>
-          </a:p>
-          <a:p>
-            <a:pPr lvl="1"/>
-            <a:r>
-              <a:rPr lang="en-GB" dirty="0"/>
-              <a:t>Calendar</a:t>
-            </a:r>
-          </a:p>
-          <a:p>
-            <a:pPr lvl="1"/>
-            <a:r>
-              <a:rPr lang="en-GB" dirty="0"/>
-              <a:t>Work planning</a:t>
-            </a:r>
-          </a:p>
-          <a:p>
-            <a:pPr lvl="1"/>
-            <a:r>
-              <a:rPr lang="en-GB" dirty="0" err="1"/>
-              <a:t>OneDM</a:t>
-            </a:r>
-            <a:r>
-              <a:rPr lang="en-GB" dirty="0"/>
-              <a:t> Causeway data</a:t>
-            </a:r>
-          </a:p>
-          <a:p>
-            <a:endParaRPr lang="en-GB" dirty="0"/>
+              <a:rPr lang="en-US" sz="4050" dirty="0"/>
+              <a:t>Back up</a:t>
+            </a:r>
           </a:p>
         </p:txBody>
       </p:sp>
     </p:spTree>
     <p:extLst>
       <p:ext uri="{BB962C8B-B14F-4D97-AF65-F5344CB8AC3E}">
-        <p14:creationId xmlns:p14="http://schemas.microsoft.com/office/powerpoint/2010/main" val="620468006"/>
+        <p14:creationId xmlns:p14="http://schemas.microsoft.com/office/powerpoint/2010/main" val="3711102350"/>
       </p:ext>
     </p:extLst>
   </p:cSld>
@@ -14429,7 +14507,7 @@
           <p:cNvPr id="2" name="Title 1">
             <a:extLst>
               <a:ext uri="{FF2B5EF4-FFF2-40B4-BE49-F238E27FC236}">
-                <a16:creationId xmlns:a16="http://schemas.microsoft.com/office/drawing/2014/main" id="{4C9DC960-A066-7D4E-B9EB-5BEA29E357AA}"/>
+                <a16:creationId xmlns:a16="http://schemas.microsoft.com/office/drawing/2014/main" id="{E788B619-B998-F54C-B57B-DCC3A8E2DCEA}"/>
               </a:ext>
             </a:extLst>
           </p:cNvPr>
@@ -14442,7 +14520,7 @@
         </p:nvSpPr>
         <p:spPr>
           <a:xfrm>
-            <a:off x="1222130" y="81348"/>
+            <a:off x="1211619" y="0"/>
             <a:ext cx="7293219" cy="1006474"/>
           </a:xfrm>
         </p:spPr>
@@ -14452,7 +14530,7 @@
           <a:p>
             <a:r>
               <a:rPr lang="en-US" dirty="0"/>
-              <a:t>Alignment</a:t>
+              <a:t>Review, Adoption, Publication</a:t>
             </a:r>
           </a:p>
         </p:txBody>
@@ -14462,7 +14540,7 @@
           <p:cNvPr id="3" name="Content Placeholder 2">
             <a:extLst>
               <a:ext uri="{FF2B5EF4-FFF2-40B4-BE49-F238E27FC236}">
-                <a16:creationId xmlns:a16="http://schemas.microsoft.com/office/drawing/2014/main" id="{609F948F-4982-2D49-A540-563825BBFD5B}"/>
+                <a16:creationId xmlns:a16="http://schemas.microsoft.com/office/drawing/2014/main" id="{0766CE3C-04F8-914F-B2C1-C4E40AEA5CD1}"/>
               </a:ext>
             </a:extLst>
           </p:cNvPr>
@@ -14475,103 +14553,199 @@
         </p:nvSpPr>
         <p:spPr>
           <a:xfrm>
-            <a:off x="1000931" y="1087822"/>
-            <a:ext cx="7356763" cy="5323489"/>
+            <a:off x="796815" y="846083"/>
+            <a:ext cx="7886700" cy="5460124"/>
           </a:xfrm>
         </p:spPr>
         <p:txBody>
-          <a:bodyPr/>
-          <a:lstStyle/>
-          <a:p>
-            <a:r>
-              <a:rPr lang="en-US" sz="2000" dirty="0"/>
-              <a:t>First pass – names, SDF usage</a:t>
-            </a:r>
-          </a:p>
-          <a:p>
-            <a:r>
-              <a:rPr lang="en-US" sz="2000" dirty="0"/>
-              <a:t>Who needs to change what and why</a:t>
-            </a:r>
-          </a:p>
-          <a:p>
-            <a:r>
-              <a:rPr lang="en-US" sz="2000" dirty="0"/>
-              <a:t>2 levels of bridge</a:t>
+          <a:bodyPr>
+            <a:noAutofit/>
+          </a:bodyPr>
+          <a:lstStyle/>
+          <a:p>
+            <a:r>
+              <a:rPr lang="en-US" sz="1600" dirty="0"/>
+              <a:t>Review from last meeting</a:t>
+            </a:r>
+          </a:p>
+          <a:p>
+            <a:r>
+              <a:rPr lang="en-US" sz="1600" dirty="0"/>
+              <a:t>Alignment as a background process</a:t>
+            </a:r>
+          </a:p>
+          <a:p>
+            <a:r>
+              <a:rPr lang="en-US" sz="1600" dirty="0"/>
+              <a:t>Toolchain</a:t>
+            </a:r>
+          </a:p>
+          <a:p>
+            <a:r>
+              <a:rPr lang="en-US" sz="1600" dirty="0"/>
+              <a:t>Next steps, going forward</a:t>
             </a:r>
           </a:p>
           <a:p>
             <a:pPr lvl="1"/>
             <a:r>
-              <a:rPr lang="en-US" sz="1800" dirty="0"/>
-              <a:t>Same meta-model – SDF + structural isomorphism</a:t>
+              <a:rPr lang="en-US" sz="1400" dirty="0"/>
+              <a:t>Get multiple spaces going as a priority</a:t>
             </a:r>
           </a:p>
           <a:p>
             <a:pPr lvl="1"/>
             <a:r>
-              <a:rPr lang="en-US" sz="1800" dirty="0"/>
-              <a:t>Same information model – </a:t>
-            </a:r>
-            <a:r>
-              <a:rPr lang="en-US" sz="1800" dirty="0" err="1"/>
-              <a:t>OneDM</a:t>
-            </a:r>
-            <a:r>
-              <a:rPr lang="en-US" sz="1800" dirty="0"/>
-              <a:t> Adopted per function</a:t>
-            </a:r>
-          </a:p>
-          <a:p>
-            <a:r>
-              <a:rPr lang="en-US" sz="2000" dirty="0"/>
-              <a:t>Translation across ecosystems using 1:1 translators without SDF is required if there are no SDF models</a:t>
-            </a:r>
-          </a:p>
-          <a:p>
-            <a:r>
-              <a:rPr lang="en-US" sz="2000" dirty="0"/>
-              <a:t>Benefit is in adopting SDF models from other ecosystems</a:t>
-            </a:r>
-          </a:p>
-          <a:p>
-            <a:r>
-              <a:rPr lang="en-US" sz="2000" dirty="0"/>
-              <a:t>Benefit in having models published under ecosystem "banner" to facilitate cross-enrichment </a:t>
-            </a:r>
-          </a:p>
-          <a:p>
-            <a:r>
-              <a:rPr lang="en-US" sz="2000" dirty="0"/>
-              <a:t>Minimal alignment opportunities?</a:t>
-            </a:r>
-          </a:p>
-          <a:p>
-            <a:r>
-              <a:rPr lang="en-US" sz="2000" dirty="0"/>
-              <a:t>OCF has collections – how do we model this in SDF? SDF Thing</a:t>
-            </a:r>
-          </a:p>
-          <a:p>
-            <a:r>
-              <a:rPr lang="en-US" sz="2000" dirty="0"/>
-              <a:t>IPSO models compose differently – Object links with SDF Thing</a:t>
-            </a:r>
-            <a:endParaRPr lang="en-US" sz="2400" dirty="0"/>
-          </a:p>
-          <a:p>
-            <a:r>
-              <a:rPr lang="en-US" sz="2000" dirty="0"/>
-              <a:t>Atomic collections need one read for multiple objects + required composite read in OMA LWM2M</a:t>
-            </a:r>
-            <a:endParaRPr lang="en-US" sz="1800" dirty="0"/>
+              <a:rPr lang="en-US" sz="1400" dirty="0"/>
+              <a:t>Announce this on a blog article </a:t>
+            </a:r>
+            <a:r>
+              <a:rPr lang="en-US" sz="1400" dirty="0" err="1"/>
+              <a:t>onedm</a:t>
+            </a:r>
+            <a:r>
+              <a:rPr lang="en-US" sz="1400" dirty="0"/>
+              <a:t> website</a:t>
+            </a:r>
+          </a:p>
+          <a:p>
+            <a:pPr lvl="1"/>
+            <a:r>
+              <a:rPr lang="en-US" sz="1400" dirty="0"/>
+              <a:t>Monthly publications, news and updates</a:t>
+            </a:r>
+          </a:p>
+          <a:p>
+            <a:r>
+              <a:rPr lang="en-US" sz="1600" dirty="0"/>
+              <a:t>People can run private repos on their own account with </a:t>
+            </a:r>
+            <a:r>
+              <a:rPr lang="en-US" sz="1600" dirty="0" err="1"/>
+              <a:t>onedm</a:t>
+            </a:r>
+            <a:r>
+              <a:rPr lang="en-US" sz="1600" dirty="0"/>
+              <a:t> CI as </a:t>
+            </a:r>
+            <a:r>
+              <a:rPr lang="en-US" sz="1600" dirty="0" err="1"/>
+              <a:t>github</a:t>
+            </a:r>
+            <a:r>
+              <a:rPr lang="en-US" sz="1600" dirty="0"/>
+              <a:t> actions</a:t>
+            </a:r>
+          </a:p>
+          <a:p>
+            <a:r>
+              <a:rPr lang="en-US" sz="1600" dirty="0"/>
+              <a:t>Public models on </a:t>
+            </a:r>
+            <a:r>
+              <a:rPr lang="en-US" sz="1600" dirty="0" err="1"/>
+              <a:t>onedm.org</a:t>
+            </a:r>
+            <a:endParaRPr lang="en-US" sz="1600" dirty="0"/>
+          </a:p>
+          <a:p>
+            <a:pPr lvl="1"/>
+            <a:r>
+              <a:rPr lang="en-US" sz="1400" dirty="0"/>
+              <a:t>Template work task</a:t>
+            </a:r>
+          </a:p>
+          <a:p>
+            <a:pPr lvl="1"/>
+            <a:r>
+              <a:rPr lang="en-US" sz="1400" dirty="0" err="1"/>
+              <a:t>Wouter</a:t>
+            </a:r>
+            <a:r>
+              <a:rPr lang="en-US" sz="1400" dirty="0"/>
+              <a:t> and Carsten can work from a script (</a:t>
+            </a:r>
+            <a:r>
+              <a:rPr lang="en-US" sz="1400" dirty="0" err="1"/>
+              <a:t>run.sh</a:t>
+            </a:r>
+            <a:r>
+              <a:rPr lang="en-US" sz="1400" dirty="0"/>
+              <a:t> in the </a:t>
+            </a:r>
+            <a:r>
+              <a:rPr lang="en-US" sz="1400" dirty="0" err="1"/>
+              <a:t>pg</a:t>
+            </a:r>
+            <a:r>
+              <a:rPr lang="en-US" sz="1400" dirty="0"/>
+              <a:t>)</a:t>
+            </a:r>
+          </a:p>
+          <a:p>
+            <a:pPr lvl="1"/>
+            <a:r>
+              <a:rPr lang="en-US" sz="1400" dirty="0" err="1"/>
+              <a:t>Githup</a:t>
+            </a:r>
+            <a:r>
+              <a:rPr lang="en-US" sz="1400" dirty="0"/>
+              <a:t> platform installed packages can easily be resolved</a:t>
+            </a:r>
+          </a:p>
+          <a:p>
+            <a:pPr lvl="1"/>
+            <a:r>
+              <a:rPr lang="en-US" sz="1400" dirty="0" err="1"/>
+              <a:t>Orgname</a:t>
+            </a:r>
+            <a:r>
+              <a:rPr lang="en-US" sz="1400" dirty="0"/>
+              <a:t> in the repo naming e.g. ipso-models </a:t>
+            </a:r>
+            <a:r>
+              <a:rPr lang="en-US" sz="1400" dirty="0" err="1"/>
+              <a:t>ocf</a:t>
+            </a:r>
+            <a:r>
+              <a:rPr lang="en-US" sz="1400" dirty="0"/>
+              <a:t>-models </a:t>
+            </a:r>
+            <a:r>
+              <a:rPr lang="en-US" sz="1400" dirty="0" err="1"/>
+              <a:t>sunspec</a:t>
+            </a:r>
+            <a:r>
+              <a:rPr lang="en-US" sz="1400" dirty="0"/>
+              <a:t>-models</a:t>
+            </a:r>
+          </a:p>
+          <a:p>
+            <a:r>
+              <a:rPr lang="en-US" sz="1600" dirty="0"/>
+              <a:t>Start with (ipso or </a:t>
+            </a:r>
+            <a:r>
+              <a:rPr lang="en-US" sz="1600" dirty="0" err="1"/>
+              <a:t>oma</a:t>
+            </a:r>
+            <a:r>
+              <a:rPr lang="en-US" sz="1600" dirty="0"/>
+              <a:t>) –models</a:t>
+            </a:r>
+          </a:p>
+          <a:p>
+            <a:r>
+              <a:rPr lang="en-US" sz="1600" dirty="0"/>
+              <a:t>Bluetooth mesh? Practical considerations need characteristics and data types, need a converter – need URI for the source so translations can be automated – start by working with Simon on publishing the underlying dictionaries</a:t>
+            </a:r>
           </a:p>
         </p:txBody>
       </p:sp>
     </p:spTree>
     <p:extLst>
       <p:ext uri="{BB962C8B-B14F-4D97-AF65-F5344CB8AC3E}">
-        <p14:creationId xmlns:p14="http://schemas.microsoft.com/office/powerpoint/2010/main" val="3873910079"/>
+        <p14:creationId xmlns:p14="http://schemas.microsoft.com/office/powerpoint/2010/main" val="2660491959"/>
       </p:ext>
     </p:extLst>
   </p:cSld>

--- a/Agenda Materials/onedm-agenda-2022-02-07.pptx
+++ b/Agenda Materials/onedm-agenda-2022-02-07.pptx
@@ -8872,7 +8872,7 @@
         </p:nvSpPr>
         <p:spPr>
           <a:xfrm>
-            <a:off x="1358765" y="239003"/>
+            <a:off x="1358765" y="68945"/>
             <a:ext cx="7293219" cy="1006474"/>
           </a:xfrm>
         </p:spPr>
@@ -8899,8 +8899,8 @@
         </p:nvSpPr>
         <p:spPr>
           <a:xfrm>
-            <a:off x="903470" y="1464302"/>
-            <a:ext cx="7830181" cy="4531488"/>
+            <a:off x="821803" y="1075418"/>
+            <a:ext cx="7830181" cy="4789353"/>
           </a:xfrm>
         </p:spPr>
         <p:txBody>
@@ -8915,6 +8915,38 @@
             </a:r>
           </a:p>
           <a:p>
+            <a:pPr lvl="1"/>
+            <a:r>
+              <a:rPr lang="en-GB" sz="2900" dirty="0"/>
+              <a:t>T2TRG meeting – 15m on agenda</a:t>
+            </a:r>
+          </a:p>
+          <a:p>
+            <a:pPr lvl="1"/>
+            <a:r>
+              <a:rPr lang="en-GB" sz="2900" dirty="0"/>
+              <a:t>DTDL conversion code is in the IPSO </a:t>
+            </a:r>
+            <a:r>
+              <a:rPr lang="en-GB" sz="2900" dirty="0" err="1"/>
+              <a:t>github</a:t>
+            </a:r>
+            <a:r>
+              <a:rPr lang="en-GB" sz="2900" dirty="0"/>
+              <a:t> </a:t>
+            </a:r>
+          </a:p>
+          <a:p>
+            <a:pPr lvl="1"/>
+            <a:r>
+              <a:rPr lang="en-US" dirty="0">
+                <a:hlinkClick r:id="rId2"/>
+              </a:rPr>
+              <a:t>https://github.com/EricssonResearch/ipso-odm/tree/sdf-dtdl#onedm-sdf-to-dtdl-converter</a:t>
+            </a:r>
+            <a:endParaRPr lang="en-GB" sz="2900" dirty="0"/>
+          </a:p>
+          <a:p>
             <a:r>
               <a:rPr lang="en-GB" sz="3300" dirty="0"/>
               <a:t>Bespoke repositories, OMA model repo</a:t>
@@ -8937,10 +8969,45 @@
             </a:r>
           </a:p>
           <a:p>
+            <a:pPr lvl="1"/>
+            <a:r>
+              <a:rPr lang="en-GB" sz="2900" dirty="0"/>
+              <a:t>Outreach on announcement of the next meeting</a:t>
+            </a:r>
+          </a:p>
+          <a:p>
+            <a:pPr lvl="1"/>
+            <a:r>
+              <a:rPr lang="en-GB" sz="2900" dirty="0" err="1"/>
+              <a:t>Groups.io</a:t>
+            </a:r>
+            <a:r>
+              <a:rPr lang="en-GB" sz="2900" dirty="0"/>
+              <a:t> delivery options</a:t>
+            </a:r>
+          </a:p>
+          <a:p>
             <a:r>
               <a:rPr lang="en-GB" sz="3300" dirty="0"/>
               <a:t>AOB</a:t>
             </a:r>
+          </a:p>
+          <a:p>
+            <a:pPr lvl="1"/>
+            <a:r>
+              <a:rPr lang="en-GB" dirty="0"/>
+              <a:t>Expanding the playground – BT models </a:t>
+            </a:r>
+          </a:p>
+          <a:p>
+            <a:pPr lvl="1"/>
+            <a:r>
+              <a:rPr lang="en-GB" dirty="0"/>
+              <a:t>Ecosystem-specific source representations in the playground (e.g. XML)( Back-translations of all PG models to an ecosystem format)</a:t>
+            </a:r>
+          </a:p>
+          <a:p>
+            <a:pPr lvl="1"/>
             <a:endParaRPr lang="en-GB" dirty="0"/>
           </a:p>
         </p:txBody>
@@ -10382,7 +10449,12 @@
             <p:ph idx="1"/>
           </p:nvPr>
         </p:nvSpPr>
-        <p:spPr/>
+        <p:spPr>
+          <a:xfrm>
+            <a:off x="628649" y="1371601"/>
+            <a:ext cx="7886700" cy="4585555"/>
+          </a:xfrm>
+        </p:spPr>
         <p:txBody>
           <a:bodyPr/>
           <a:lstStyle/>
@@ -10390,6 +10462,44 @@
             <a:r>
               <a:rPr lang="en-US" dirty="0"/>
               <a:t>IPSO and OCF repos created</a:t>
+            </a:r>
+          </a:p>
+          <a:p>
+            <a:pPr lvl="1"/>
+            <a:r>
+              <a:rPr lang="en-US" dirty="0"/>
+              <a:t>Carsten get admin permission</a:t>
+            </a:r>
+          </a:p>
+          <a:p>
+            <a:r>
+              <a:rPr lang="en-US" dirty="0"/>
+              <a:t>Instantiate a repo from template for each?</a:t>
+            </a:r>
+          </a:p>
+          <a:p>
+            <a:pPr lvl="1"/>
+            <a:r>
+              <a:rPr lang="en-US" dirty="0"/>
+              <a:t>Need to try this</a:t>
+            </a:r>
+          </a:p>
+          <a:p>
+            <a:r>
+              <a:rPr lang="en-US" dirty="0"/>
+              <a:t>Haven't designed the linker for separate namespaces – needs to be added – can be a simple file that is manually updated for now</a:t>
+            </a:r>
+          </a:p>
+          <a:p>
+            <a:r>
+              <a:rPr lang="en-US" dirty="0"/>
+              <a:t>Write up a document and update existing documents to reflect the addition of repos</a:t>
+            </a:r>
+          </a:p>
+          <a:p>
+            <a:r>
+              <a:rPr lang="en-US" dirty="0"/>
+              <a:t>Blog post introducing and announcing</a:t>
             </a:r>
           </a:p>
         </p:txBody>
@@ -12863,7 +12973,12 @@
             <p:ph type="title"/>
           </p:nvPr>
         </p:nvSpPr>
-        <p:spPr/>
+        <p:spPr>
+          <a:xfrm>
+            <a:off x="1222130" y="196962"/>
+            <a:ext cx="7293219" cy="1006474"/>
+          </a:xfrm>
+        </p:spPr>
         <p:txBody>
           <a:bodyPr/>
           <a:lstStyle/>
@@ -12891,7 +13006,12 @@
             <p:ph idx="1"/>
           </p:nvPr>
         </p:nvSpPr>
-        <p:spPr/>
+        <p:spPr>
+          <a:xfrm>
+            <a:off x="628649" y="1454774"/>
+            <a:ext cx="7886700" cy="4809392"/>
+          </a:xfrm>
+        </p:spPr>
         <p:txBody>
           <a:bodyPr/>
           <a:lstStyle/>
@@ -12900,6 +13020,80 @@
               <a:rPr lang="en-US" dirty="0"/>
               <a:t>Status and plan</a:t>
             </a:r>
+          </a:p>
+          <a:p>
+            <a:pPr lvl="1"/>
+            <a:r>
+              <a:rPr lang="en-US" dirty="0"/>
+              <a:t>Original model proposal still needs closure on details</a:t>
+            </a:r>
+          </a:p>
+          <a:p>
+            <a:pPr lvl="1"/>
+            <a:r>
+              <a:rPr lang="en-US" dirty="0"/>
+              <a:t>Updates will be needed - </a:t>
+            </a:r>
+          </a:p>
+          <a:p>
+            <a:pPr lvl="1"/>
+            <a:r>
+              <a:rPr lang="en-US" dirty="0"/>
+              <a:t>Multiple drivers needed for models? OCF + IPSO</a:t>
+            </a:r>
+          </a:p>
+          <a:p>
+            <a:pPr lvl="1"/>
+            <a:r>
+              <a:rPr lang="en-US" dirty="0"/>
+              <a:t>Adoption in 1+ steps with deferred convergence/alignment – less strict – phase</a:t>
+            </a:r>
+          </a:p>
+          <a:p>
+            <a:pPr lvl="2"/>
+            <a:r>
+              <a:rPr lang="en-US" dirty="0"/>
+              <a:t>For example, ISO 8601 duration</a:t>
+            </a:r>
+          </a:p>
+          <a:p>
+            <a:pPr lvl="2"/>
+            <a:r>
+              <a:rPr lang="en-US" dirty="0"/>
+              <a:t>Common abstraction with minimal constraints</a:t>
+            </a:r>
+          </a:p>
+          <a:p>
+            <a:pPr lvl="2"/>
+            <a:r>
+              <a:rPr lang="en-US" dirty="0"/>
+              <a:t>DTDL example</a:t>
+            </a:r>
+          </a:p>
+          <a:p>
+            <a:pPr lvl="2"/>
+            <a:r>
+              <a:rPr lang="en-US" dirty="0"/>
+              <a:t>How can we address un-solvable issues like conversion to/from duration in months – e.g. how do we import these models</a:t>
+            </a:r>
+          </a:p>
+          <a:p>
+            <a:pPr lvl="2"/>
+            <a:r>
+              <a:rPr lang="en-US" dirty="0"/>
+              <a:t>Units are hard</a:t>
+            </a:r>
+          </a:p>
+          <a:p>
+            <a:pPr lvl="2"/>
+            <a:r>
+              <a:rPr lang="en-US" dirty="0"/>
+              <a:t>We should only use pattern in targeting to a representation</a:t>
+            </a:r>
+          </a:p>
+          <a:p>
+            <a:pPr lvl="1"/>
+            <a:endParaRPr lang="en-US" dirty="0"/>
           </a:p>
         </p:txBody>
       </p:sp>
